--- a/越来越AI-OpenScope.pptx
+++ b/越来越AI-OpenScope.pptx
@@ -2542,6 +2542,50 @@
               <a:t>OpenScope：基于大语言模型元数据推理的软件仓库自动技术标签生成方法</a:t>
             </a:r>
             <a:endParaRPr lang="en-US" altLang="zh-CN" sz="2500" b="1" kern="1600" dirty="0">
+              <a:solidFill>
+                <a:srgbClr val="A41C34"/>
+              </a:solidFill>
+              <a:latin typeface="+mj-ea"/>
+              <a:ea typeface="+mj-ea"/>
+            </a:endParaRPr>
+          </a:p>
+          <a:p>
+            <a:pPr marL="2743200" lvl="6" indent="457200">
+              <a:lnSpc>
+                <a:spcPct val="120000"/>
+              </a:lnSpc>
+            </a:pPr>
+            <a:r>
+              <a:rPr lang="en-US" altLang="zh-CN" sz="1200" b="1" kern="1600" dirty="0">
+                <a:solidFill>
+                  <a:srgbClr val="A41C34"/>
+                </a:solidFill>
+                <a:latin typeface="+mj-ea"/>
+                <a:ea typeface="+mj-ea"/>
+              </a:rPr>
+              <a:t>---</a:t>
+            </a:r>
+            <a:r>
+              <a:rPr lang="zh-CN" altLang="en-US" sz="1200" b="1" kern="1600" dirty="0">
+                <a:solidFill>
+                  <a:srgbClr val="A41C34"/>
+                </a:solidFill>
+                <a:latin typeface="+mj-ea"/>
+                <a:ea typeface="+mj-ea"/>
+              </a:rPr>
+              <a:t>关联赛题</a:t>
+            </a:r>
+            <a:r>
+              <a:rPr lang="en-US" altLang="zh-CN" sz="1200" b="1" kern="1600" dirty="0">
+                <a:solidFill>
+                  <a:srgbClr val="A41C34"/>
+                </a:solidFill>
+                <a:latin typeface="+mj-ea"/>
+                <a:ea typeface="+mj-ea"/>
+              </a:rPr>
+              <a:t>：OpenDigger</a:t>
+            </a:r>
+            <a:endParaRPr lang="en-US" altLang="zh-CN" sz="1200" b="1" kern="1600" dirty="0">
               <a:solidFill>
                 <a:srgbClr val="A41C34"/>
               </a:solidFill>

--- a/越来越AI-OpenScope.pptx
+++ b/越来越AI-OpenScope.pptx
@@ -20256,30 +20256,6 @@
           </a:p>
         </p:txBody>
       </p:sp>
-      <p:pic>
-        <p:nvPicPr>
-          <p:cNvPr id="5" name="图片 4" descr="topic-gen"/>
-          <p:cNvPicPr>
-            <a:picLocks noChangeAspect="1"/>
-          </p:cNvPicPr>
-          <p:nvPr/>
-        </p:nvPicPr>
-        <p:blipFill>
-          <a:blip r:embed="rId1"/>
-          <a:stretch>
-            <a:fillRect/>
-          </a:stretch>
-        </p:blipFill>
-        <p:spPr>
-          <a:xfrm>
-            <a:off x="741045" y="1901190"/>
-            <a:ext cx="7150100" cy="2980055"/>
-          </a:xfrm>
-          <a:prstGeom prst="rect">
-            <a:avLst/>
-          </a:prstGeom>
-        </p:spPr>
-      </p:pic>
       <p:sp>
         <p:nvSpPr>
           <p:cNvPr id="8" name="文本框 7"/>
@@ -20343,6 +20319,30 @@
           </a:p>
         </p:txBody>
       </p:sp>
+      <p:pic>
+        <p:nvPicPr>
+          <p:cNvPr id="2" name="图片 1" descr="topic-gen"/>
+          <p:cNvPicPr>
+            <a:picLocks noChangeAspect="1"/>
+          </p:cNvPicPr>
+          <p:nvPr/>
+        </p:nvPicPr>
+        <p:blipFill>
+          <a:blip r:embed="rId1"/>
+          <a:stretch>
+            <a:fillRect/>
+          </a:stretch>
+        </p:blipFill>
+        <p:spPr>
+          <a:xfrm>
+            <a:off x="1591945" y="1749425"/>
+            <a:ext cx="6115050" cy="3296285"/>
+          </a:xfrm>
+          <a:prstGeom prst="rect">
+            <a:avLst/>
+          </a:prstGeom>
+        </p:spPr>
+      </p:pic>
     </p:spTree>
   </p:cSld>
   <p:clrMapOvr>
@@ -20778,30 +20778,6 @@
           </a:p>
         </p:txBody>
       </p:sp>
-      <p:pic>
-        <p:nvPicPr>
-          <p:cNvPr id="5" name="图片 4" descr="topic-gen"/>
-          <p:cNvPicPr>
-            <a:picLocks noChangeAspect="1"/>
-          </p:cNvPicPr>
-          <p:nvPr/>
-        </p:nvPicPr>
-        <p:blipFill>
-          <a:blip r:embed="rId1"/>
-          <a:stretch>
-            <a:fillRect/>
-          </a:stretch>
-        </p:blipFill>
-        <p:spPr>
-          <a:xfrm>
-            <a:off x="1787525" y="707390"/>
-            <a:ext cx="5374640" cy="2240280"/>
-          </a:xfrm>
-          <a:prstGeom prst="rect">
-            <a:avLst/>
-          </a:prstGeom>
-        </p:spPr>
-      </p:pic>
       <p:sp>
         <p:nvSpPr>
           <p:cNvPr id="2" name="文本框 1"/>
@@ -21114,6 +21090,30 @@
           </a:p>
         </p:txBody>
       </p:sp>
+      <p:pic>
+        <p:nvPicPr>
+          <p:cNvPr id="6" name="图片 5" descr="topic-gen"/>
+          <p:cNvPicPr>
+            <a:picLocks noChangeAspect="1"/>
+          </p:cNvPicPr>
+          <p:nvPr/>
+        </p:nvPicPr>
+        <p:blipFill>
+          <a:blip r:embed="rId1"/>
+          <a:stretch>
+            <a:fillRect/>
+          </a:stretch>
+        </p:blipFill>
+        <p:spPr>
+          <a:xfrm>
+            <a:off x="2096135" y="541020"/>
+            <a:ext cx="4648200" cy="2505710"/>
+          </a:xfrm>
+          <a:prstGeom prst="rect">
+            <a:avLst/>
+          </a:prstGeom>
+        </p:spPr>
+      </p:pic>
     </p:spTree>
   </p:cSld>
   <p:clrMapOvr>

--- a/越来越AI-OpenScope.pptx
+++ b/越来越AI-OpenScope.pptx
@@ -8,7 +8,7 @@
     <p:notesMasterId r:id="rId4"/>
   </p:notesMasterIdLst>
   <p:handoutMasterIdLst>
-    <p:handoutMasterId r:id="rId19"/>
+    <p:handoutMasterId r:id="rId22"/>
   </p:handoutMasterIdLst>
   <p:sldIdLst>
     <p:sldId id="485" r:id="rId3"/>
@@ -25,12 +25,15 @@
     <p:sldId id="711" r:id="rId15"/>
     <p:sldId id="695" r:id="rId16"/>
     <p:sldId id="713" r:id="rId17"/>
-    <p:sldId id="490" r:id="rId18"/>
+    <p:sldId id="715" r:id="rId18"/>
+    <p:sldId id="717" r:id="rId19"/>
+    <p:sldId id="716" r:id="rId20"/>
+    <p:sldId id="490" r:id="rId21"/>
   </p:sldIdLst>
   <p:sldSz cx="9144000" cy="5143500" type="screen16x9"/>
   <p:notesSz cx="6858000" cy="9144000"/>
   <p:custDataLst>
-    <p:tags r:id="rId24"/>
+    <p:tags r:id="rId27"/>
   </p:custDataLst>
   <p:defaultTextStyle>
     <a:defPPr>
@@ -130,42 +133,42 @@
   <p:extLst>
     <p:ext uri="{EFAFB233-063F-42B5-8137-9DF3F51BA10A}">
       <p15:sldGuideLst xmlns:p15="http://schemas.microsoft.com/office/powerpoint/2012/main">
-        <p15:guide id="1" orient="horz" pos="2076" userDrawn="1">
+        <p15:guide id="1" orient="horz" pos="2082" userDrawn="1">
           <p15:clr>
             <a:srgbClr val="A4A3A4"/>
           </p15:clr>
         </p15:guide>
-        <p15:guide id="2" pos="3706" userDrawn="1">
+        <p15:guide id="2" pos="3684" userDrawn="1">
           <p15:clr>
             <a:srgbClr val="A4A3A4"/>
           </p15:clr>
         </p15:guide>
-        <p15:guide id="3" orient="horz" pos="1689" userDrawn="1">
+        <p15:guide id="3" orient="horz" pos="1683" userDrawn="1">
           <p15:clr>
             <a:srgbClr val="A4A3A4"/>
           </p15:clr>
         </p15:guide>
-        <p15:guide id="4" orient="horz" pos="672" userDrawn="1">
+        <p15:guide id="4" orient="horz" pos="693" userDrawn="1">
           <p15:clr>
             <a:srgbClr val="A4A3A4"/>
           </p15:clr>
         </p15:guide>
-        <p15:guide id="5" orient="horz" pos="2960" userDrawn="1">
+        <p15:guide id="5" orient="horz" pos="2999" userDrawn="1">
           <p15:clr>
             <a:srgbClr val="A4A3A4"/>
           </p15:clr>
         </p15:guide>
-        <p15:guide id="6" pos="2912" userDrawn="1">
+        <p15:guide id="6" pos="2937" userDrawn="1">
           <p15:clr>
             <a:srgbClr val="A4A3A4"/>
           </p15:clr>
         </p15:guide>
-        <p15:guide id="7" pos="341" userDrawn="1">
+        <p15:guide id="7" pos="300" userDrawn="1">
           <p15:clr>
             <a:srgbClr val="A4A3A4"/>
           </p15:clr>
         </p15:guide>
-        <p15:guide id="8" pos="5344" userDrawn="1">
+        <p15:guide id="8" pos="5377" userDrawn="1">
           <p15:clr>
             <a:srgbClr val="A4A3A4"/>
           </p15:clr>
@@ -1158,6 +1161,240 @@
 </file>
 
 <file path=ppt/notesSlides/notesSlide15.xml><?xml version="1.0" encoding="utf-8"?>
+<p:notes xmlns:a="http://schemas.openxmlformats.org/drawingml/2006/main" xmlns:r="http://schemas.openxmlformats.org/officeDocument/2006/relationships" xmlns:p="http://schemas.openxmlformats.org/presentationml/2006/main">
+  <p:cSld>
+    <p:spTree>
+      <p:nvGrpSpPr>
+        <p:cNvPr id="1" name=""/>
+        <p:cNvGrpSpPr/>
+        <p:nvPr/>
+      </p:nvGrpSpPr>
+      <p:grpSpPr>
+        <a:xfrm>
+          <a:off x="0" y="0"/>
+          <a:ext cx="0" cy="0"/>
+          <a:chOff x="0" y="0"/>
+          <a:chExt cx="0" cy="0"/>
+        </a:xfrm>
+      </p:grpSpPr>
+      <p:sp>
+        <p:nvSpPr>
+          <p:cNvPr id="2" name="幻灯片图像占位符 1"/>
+          <p:cNvSpPr>
+            <a:spLocks noGrp="1" noRot="1" noChangeAspect="1"/>
+          </p:cNvSpPr>
+          <p:nvPr>
+            <p:ph type="sldImg"/>
+          </p:nvPr>
+        </p:nvSpPr>
+        <p:spPr/>
+      </p:sp>
+      <p:sp>
+        <p:nvSpPr>
+          <p:cNvPr id="3" name="备注占位符 2"/>
+          <p:cNvSpPr>
+            <a:spLocks noGrp="1"/>
+          </p:cNvSpPr>
+          <p:nvPr>
+            <p:ph type="body" idx="1"/>
+          </p:nvPr>
+        </p:nvSpPr>
+        <p:spPr/>
+        <p:txBody>
+          <a:bodyPr/>
+          <a:lstStyle/>
+          <a:p>
+            <a:endParaRPr lang="zh-CN" altLang="en-US" dirty="0"/>
+          </a:p>
+        </p:txBody>
+      </p:sp>
+      <p:sp>
+        <p:nvSpPr>
+          <p:cNvPr id="4" name="灯片编号占位符 3"/>
+          <p:cNvSpPr>
+            <a:spLocks noGrp="1"/>
+          </p:cNvSpPr>
+          <p:nvPr>
+            <p:ph type="sldNum" sz="quarter" idx="10"/>
+          </p:nvPr>
+        </p:nvSpPr>
+        <p:spPr/>
+        <p:txBody>
+          <a:bodyPr/>
+          <a:lstStyle/>
+          <a:p>
+            <a:fld id="{D712715C-60D8-4442-95C1-470452B8606C}" type="slidenum">
+              <a:rPr kumimoji="1" lang="zh-CN" altLang="en-US" smtClean="0"/>
+            </a:fld>
+            <a:endParaRPr kumimoji="1" lang="zh-CN" altLang="en-US"/>
+          </a:p>
+        </p:txBody>
+      </p:sp>
+    </p:spTree>
+  </p:cSld>
+  <p:clrMapOvr>
+    <a:masterClrMapping/>
+  </p:clrMapOvr>
+</p:notes>
+</file>
+
+<file path=ppt/notesSlides/notesSlide16.xml><?xml version="1.0" encoding="utf-8"?>
+<p:notes xmlns:a="http://schemas.openxmlformats.org/drawingml/2006/main" xmlns:r="http://schemas.openxmlformats.org/officeDocument/2006/relationships" xmlns:p="http://schemas.openxmlformats.org/presentationml/2006/main">
+  <p:cSld>
+    <p:spTree>
+      <p:nvGrpSpPr>
+        <p:cNvPr id="1" name=""/>
+        <p:cNvGrpSpPr/>
+        <p:nvPr/>
+      </p:nvGrpSpPr>
+      <p:grpSpPr>
+        <a:xfrm>
+          <a:off x="0" y="0"/>
+          <a:ext cx="0" cy="0"/>
+          <a:chOff x="0" y="0"/>
+          <a:chExt cx="0" cy="0"/>
+        </a:xfrm>
+      </p:grpSpPr>
+      <p:sp>
+        <p:nvSpPr>
+          <p:cNvPr id="2" name="幻灯片图像占位符 1"/>
+          <p:cNvSpPr>
+            <a:spLocks noGrp="1" noRot="1" noChangeAspect="1"/>
+          </p:cNvSpPr>
+          <p:nvPr>
+            <p:ph type="sldImg"/>
+          </p:nvPr>
+        </p:nvSpPr>
+        <p:spPr/>
+      </p:sp>
+      <p:sp>
+        <p:nvSpPr>
+          <p:cNvPr id="3" name="备注占位符 2"/>
+          <p:cNvSpPr>
+            <a:spLocks noGrp="1"/>
+          </p:cNvSpPr>
+          <p:nvPr>
+            <p:ph type="body" idx="1"/>
+          </p:nvPr>
+        </p:nvSpPr>
+        <p:spPr/>
+        <p:txBody>
+          <a:bodyPr/>
+          <a:lstStyle/>
+          <a:p>
+            <a:endParaRPr lang="zh-CN" altLang="en-US" dirty="0"/>
+          </a:p>
+        </p:txBody>
+      </p:sp>
+      <p:sp>
+        <p:nvSpPr>
+          <p:cNvPr id="4" name="灯片编号占位符 3"/>
+          <p:cNvSpPr>
+            <a:spLocks noGrp="1"/>
+          </p:cNvSpPr>
+          <p:nvPr>
+            <p:ph type="sldNum" sz="quarter" idx="10"/>
+          </p:nvPr>
+        </p:nvSpPr>
+        <p:spPr/>
+        <p:txBody>
+          <a:bodyPr/>
+          <a:lstStyle/>
+          <a:p>
+            <a:fld id="{D712715C-60D8-4442-95C1-470452B8606C}" type="slidenum">
+              <a:rPr kumimoji="1" lang="zh-CN" altLang="en-US" smtClean="0"/>
+            </a:fld>
+            <a:endParaRPr kumimoji="1" lang="zh-CN" altLang="en-US"/>
+          </a:p>
+        </p:txBody>
+      </p:sp>
+    </p:spTree>
+  </p:cSld>
+  <p:clrMapOvr>
+    <a:masterClrMapping/>
+  </p:clrMapOvr>
+</p:notes>
+</file>
+
+<file path=ppt/notesSlides/notesSlide17.xml><?xml version="1.0" encoding="utf-8"?>
+<p:notes xmlns:a="http://schemas.openxmlformats.org/drawingml/2006/main" xmlns:r="http://schemas.openxmlformats.org/officeDocument/2006/relationships" xmlns:p="http://schemas.openxmlformats.org/presentationml/2006/main">
+  <p:cSld>
+    <p:spTree>
+      <p:nvGrpSpPr>
+        <p:cNvPr id="1" name=""/>
+        <p:cNvGrpSpPr/>
+        <p:nvPr/>
+      </p:nvGrpSpPr>
+      <p:grpSpPr>
+        <a:xfrm>
+          <a:off x="0" y="0"/>
+          <a:ext cx="0" cy="0"/>
+          <a:chOff x="0" y="0"/>
+          <a:chExt cx="0" cy="0"/>
+        </a:xfrm>
+      </p:grpSpPr>
+      <p:sp>
+        <p:nvSpPr>
+          <p:cNvPr id="2" name="幻灯片图像占位符 1"/>
+          <p:cNvSpPr>
+            <a:spLocks noGrp="1" noRot="1" noChangeAspect="1"/>
+          </p:cNvSpPr>
+          <p:nvPr>
+            <p:ph type="sldImg"/>
+          </p:nvPr>
+        </p:nvSpPr>
+        <p:spPr/>
+      </p:sp>
+      <p:sp>
+        <p:nvSpPr>
+          <p:cNvPr id="3" name="备注占位符 2"/>
+          <p:cNvSpPr>
+            <a:spLocks noGrp="1"/>
+          </p:cNvSpPr>
+          <p:nvPr>
+            <p:ph type="body" idx="1"/>
+          </p:nvPr>
+        </p:nvSpPr>
+        <p:spPr/>
+        <p:txBody>
+          <a:bodyPr/>
+          <a:lstStyle/>
+          <a:p>
+            <a:endParaRPr lang="zh-CN" altLang="en-US" dirty="0"/>
+          </a:p>
+        </p:txBody>
+      </p:sp>
+      <p:sp>
+        <p:nvSpPr>
+          <p:cNvPr id="4" name="灯片编号占位符 3"/>
+          <p:cNvSpPr>
+            <a:spLocks noGrp="1"/>
+          </p:cNvSpPr>
+          <p:nvPr>
+            <p:ph type="sldNum" sz="quarter" idx="10"/>
+          </p:nvPr>
+        </p:nvSpPr>
+        <p:spPr/>
+        <p:txBody>
+          <a:bodyPr/>
+          <a:lstStyle/>
+          <a:p>
+            <a:fld id="{D712715C-60D8-4442-95C1-470452B8606C}" type="slidenum">
+              <a:rPr kumimoji="1" lang="zh-CN" altLang="en-US" smtClean="0"/>
+            </a:fld>
+            <a:endParaRPr kumimoji="1" lang="zh-CN" altLang="en-US"/>
+          </a:p>
+        </p:txBody>
+      </p:sp>
+    </p:spTree>
+  </p:cSld>
+  <p:clrMapOvr>
+    <a:masterClrMapping/>
+  </p:clrMapOvr>
+</p:notes>
+</file>
+
+<file path=ppt/notesSlides/notesSlide18.xml><?xml version="1.0" encoding="utf-8"?>
 <p:notes xmlns:a="http://schemas.openxmlformats.org/drawingml/2006/main" xmlns:r="http://schemas.openxmlformats.org/officeDocument/2006/relationships" xmlns:p="http://schemas.openxmlformats.org/presentationml/2006/main">
   <p:cSld>
     <p:spTree>
@@ -9815,6 +10052,4079 @@
       </p:grpSpPr>
       <p:sp>
         <p:nvSpPr>
+          <p:cNvPr id="34" name="等腰三角形 47"/>
+          <p:cNvSpPr>
+            <a:spLocks noChangeArrowheads="1"/>
+          </p:cNvSpPr>
+          <p:nvPr/>
+        </p:nvSpPr>
+        <p:spPr bwMode="auto">
+          <a:xfrm rot="5400000">
+            <a:off x="-39787" y="157290"/>
+            <a:ext cx="581159" cy="501585"/>
+          </a:xfrm>
+          <a:prstGeom prst="triangle">
+            <a:avLst>
+              <a:gd name="adj" fmla="val 50000"/>
+            </a:avLst>
+          </a:prstGeom>
+          <a:solidFill>
+            <a:srgbClr val="A41C34"/>
+          </a:solidFill>
+          <a:ln>
+            <a:noFill/>
+          </a:ln>
+        </p:spPr>
+        <p:txBody>
+          <a:bodyPr lIns="91438" tIns="45719" rIns="91438" bIns="45719" anchor="ctr"/>
+          <a:lstStyle>
+            <a:lvl1pPr>
+              <a:spcBef>
+                <a:spcPct val="20000"/>
+              </a:spcBef>
+              <a:buFont typeface="Arial" panose="020B0604020202090204" pitchFamily="34" charset="0"/>
+              <a:buChar char="•"/>
+              <a:defRPr sz="3200">
+                <a:solidFill>
+                  <a:schemeClr val="tx1"/>
+                </a:solidFill>
+                <a:latin typeface="微软雅黑" panose="020B0503020204020204" pitchFamily="34" charset="-122"/>
+                <a:ea typeface="微软雅黑" panose="020B0503020204020204" pitchFamily="34" charset="-122"/>
+                <a:sym typeface="Calibri" panose="020F0502020204030204" pitchFamily="34" charset="0"/>
+              </a:defRPr>
+            </a:lvl1pPr>
+            <a:lvl2pPr marL="742950" indent="-285750">
+              <a:spcBef>
+                <a:spcPct val="20000"/>
+              </a:spcBef>
+              <a:buFont typeface="Arial" panose="020B0604020202090204" pitchFamily="34" charset="0"/>
+              <a:buChar char="–"/>
+              <a:defRPr sz="2800">
+                <a:solidFill>
+                  <a:schemeClr val="tx1"/>
+                </a:solidFill>
+                <a:latin typeface="微软雅黑" panose="020B0503020204020204" pitchFamily="34" charset="-122"/>
+                <a:ea typeface="微软雅黑" panose="020B0503020204020204" pitchFamily="34" charset="-122"/>
+                <a:sym typeface="Calibri" panose="020F0502020204030204" pitchFamily="34" charset="0"/>
+              </a:defRPr>
+            </a:lvl2pPr>
+            <a:lvl3pPr marL="1143000" indent="-228600">
+              <a:spcBef>
+                <a:spcPct val="20000"/>
+              </a:spcBef>
+              <a:buFont typeface="Arial" panose="020B0604020202090204" pitchFamily="34" charset="0"/>
+              <a:buChar char="•"/>
+              <a:defRPr sz="2400">
+                <a:solidFill>
+                  <a:schemeClr val="tx1"/>
+                </a:solidFill>
+                <a:latin typeface="微软雅黑" panose="020B0503020204020204" pitchFamily="34" charset="-122"/>
+                <a:ea typeface="微软雅黑" panose="020B0503020204020204" pitchFamily="34" charset="-122"/>
+                <a:sym typeface="Calibri" panose="020F0502020204030204" pitchFamily="34" charset="0"/>
+              </a:defRPr>
+            </a:lvl3pPr>
+            <a:lvl4pPr marL="1600200" indent="-228600">
+              <a:spcBef>
+                <a:spcPct val="20000"/>
+              </a:spcBef>
+              <a:buFont typeface="Arial" panose="020B0604020202090204" pitchFamily="34" charset="0"/>
+              <a:buChar char="–"/>
+              <a:defRPr sz="2000">
+                <a:solidFill>
+                  <a:schemeClr val="tx1"/>
+                </a:solidFill>
+                <a:latin typeface="微软雅黑" panose="020B0503020204020204" pitchFamily="34" charset="-122"/>
+                <a:ea typeface="微软雅黑" panose="020B0503020204020204" pitchFamily="34" charset="-122"/>
+                <a:sym typeface="Calibri" panose="020F0502020204030204" pitchFamily="34" charset="0"/>
+              </a:defRPr>
+            </a:lvl4pPr>
+            <a:lvl5pPr marL="2057400" indent="-228600">
+              <a:spcBef>
+                <a:spcPct val="20000"/>
+              </a:spcBef>
+              <a:buFont typeface="Arial" panose="020B0604020202090204" pitchFamily="34" charset="0"/>
+              <a:buChar char="»"/>
+              <a:defRPr sz="2000">
+                <a:solidFill>
+                  <a:schemeClr val="tx1"/>
+                </a:solidFill>
+                <a:latin typeface="微软雅黑" panose="020B0503020204020204" pitchFamily="34" charset="-122"/>
+                <a:ea typeface="微软雅黑" panose="020B0503020204020204" pitchFamily="34" charset="-122"/>
+                <a:sym typeface="Calibri" panose="020F0502020204030204" pitchFamily="34" charset="0"/>
+              </a:defRPr>
+            </a:lvl5pPr>
+            <a:lvl6pPr marL="2514600" indent="-228600" eaLnBrk="0" fontAlgn="base" hangingPunct="0">
+              <a:spcBef>
+                <a:spcPct val="20000"/>
+              </a:spcBef>
+              <a:spcAft>
+                <a:spcPct val="0"/>
+              </a:spcAft>
+              <a:buFont typeface="Arial" panose="020B0604020202090204" pitchFamily="34" charset="0"/>
+              <a:buChar char="»"/>
+              <a:defRPr sz="2000">
+                <a:solidFill>
+                  <a:schemeClr val="tx1"/>
+                </a:solidFill>
+                <a:latin typeface="微软雅黑" panose="020B0503020204020204" pitchFamily="34" charset="-122"/>
+                <a:ea typeface="微软雅黑" panose="020B0503020204020204" pitchFamily="34" charset="-122"/>
+                <a:sym typeface="Calibri" panose="020F0502020204030204" pitchFamily="34" charset="0"/>
+              </a:defRPr>
+            </a:lvl6pPr>
+            <a:lvl7pPr marL="2971800" indent="-228600" eaLnBrk="0" fontAlgn="base" hangingPunct="0">
+              <a:spcBef>
+                <a:spcPct val="20000"/>
+              </a:spcBef>
+              <a:spcAft>
+                <a:spcPct val="0"/>
+              </a:spcAft>
+              <a:buFont typeface="Arial" panose="020B0604020202090204" pitchFamily="34" charset="0"/>
+              <a:buChar char="»"/>
+              <a:defRPr sz="2000">
+                <a:solidFill>
+                  <a:schemeClr val="tx1"/>
+                </a:solidFill>
+                <a:latin typeface="微软雅黑" panose="020B0503020204020204" pitchFamily="34" charset="-122"/>
+                <a:ea typeface="微软雅黑" panose="020B0503020204020204" pitchFamily="34" charset="-122"/>
+                <a:sym typeface="Calibri" panose="020F0502020204030204" pitchFamily="34" charset="0"/>
+              </a:defRPr>
+            </a:lvl7pPr>
+            <a:lvl8pPr marL="3429000" indent="-228600" eaLnBrk="0" fontAlgn="base" hangingPunct="0">
+              <a:spcBef>
+                <a:spcPct val="20000"/>
+              </a:spcBef>
+              <a:spcAft>
+                <a:spcPct val="0"/>
+              </a:spcAft>
+              <a:buFont typeface="Arial" panose="020B0604020202090204" pitchFamily="34" charset="0"/>
+              <a:buChar char="»"/>
+              <a:defRPr sz="2000">
+                <a:solidFill>
+                  <a:schemeClr val="tx1"/>
+                </a:solidFill>
+                <a:latin typeface="微软雅黑" panose="020B0503020204020204" pitchFamily="34" charset="-122"/>
+                <a:ea typeface="微软雅黑" panose="020B0503020204020204" pitchFamily="34" charset="-122"/>
+                <a:sym typeface="Calibri" panose="020F0502020204030204" pitchFamily="34" charset="0"/>
+              </a:defRPr>
+            </a:lvl8pPr>
+            <a:lvl9pPr marL="3886200" indent="-228600" eaLnBrk="0" fontAlgn="base" hangingPunct="0">
+              <a:spcBef>
+                <a:spcPct val="20000"/>
+              </a:spcBef>
+              <a:spcAft>
+                <a:spcPct val="0"/>
+              </a:spcAft>
+              <a:buFont typeface="Arial" panose="020B0604020202090204" pitchFamily="34" charset="0"/>
+              <a:buChar char="»"/>
+              <a:defRPr sz="2000">
+                <a:solidFill>
+                  <a:schemeClr val="tx1"/>
+                </a:solidFill>
+                <a:latin typeface="微软雅黑" panose="020B0503020204020204" pitchFamily="34" charset="-122"/>
+                <a:ea typeface="微软雅黑" panose="020B0503020204020204" pitchFamily="34" charset="-122"/>
+                <a:sym typeface="Calibri" panose="020F0502020204030204" pitchFamily="34" charset="0"/>
+              </a:defRPr>
+            </a:lvl9pPr>
+          </a:lstStyle>
+          <a:p>
+            <a:pPr algn="ctr" eaLnBrk="1" hangingPunct="1">
+              <a:spcBef>
+                <a:spcPct val="0"/>
+              </a:spcBef>
+              <a:buFont typeface="Arial" panose="020B0604020202090204" pitchFamily="34" charset="0"/>
+              <a:buNone/>
+            </a:pPr>
+            <a:endParaRPr lang="zh-CN" altLang="zh-CN" sz="1800">
+              <a:solidFill>
+                <a:srgbClr val="FFFFFF"/>
+              </a:solidFill>
+              <a:sym typeface="微软雅黑" panose="020B0503020204020204" pitchFamily="34" charset="-122"/>
+            </a:endParaRPr>
+          </a:p>
+        </p:txBody>
+      </p:sp>
+      <p:sp>
+        <p:nvSpPr>
+          <p:cNvPr id="3" name="矩形 46"/>
+          <p:cNvSpPr>
+            <a:spLocks noChangeArrowheads="1"/>
+          </p:cNvSpPr>
+          <p:nvPr/>
+        </p:nvSpPr>
+        <p:spPr bwMode="auto">
+          <a:xfrm>
+            <a:off x="476188" y="149489"/>
+            <a:ext cx="2014220" cy="459105"/>
+          </a:xfrm>
+          <a:prstGeom prst="rect">
+            <a:avLst/>
+          </a:prstGeom>
+          <a:noFill/>
+          <a:ln>
+            <a:noFill/>
+          </a:ln>
+          <a:extLst>
+            <a:ext uri="{909E8E84-426E-40DD-AFC4-6F175D3DCCD1}">
+              <a14:hiddenFill xmlns:a14="http://schemas.microsoft.com/office/drawing/2010/main">
+                <a:solidFill>
+                  <a:srgbClr val="FFFFFF"/>
+                </a:solidFill>
+              </a14:hiddenFill>
+            </a:ext>
+            <a:ext uri="{91240B29-F687-4F45-9708-019B960494DF}">
+              <a14:hiddenLine xmlns:a14="http://schemas.microsoft.com/office/drawing/2010/main" w="9525">
+                <a:solidFill>
+                  <a:srgbClr val="000000"/>
+                </a:solidFill>
+                <a:miter lim="800000"/>
+                <a:headEnd/>
+                <a:tailEnd/>
+              </a14:hiddenLine>
+            </a:ext>
+          </a:extLst>
+        </p:spPr>
+        <p:txBody>
+          <a:bodyPr wrap="none" lIns="91438" tIns="45719" rIns="91438" bIns="45719">
+            <a:spAutoFit/>
+          </a:bodyPr>
+          <a:lstStyle>
+            <a:lvl1pPr>
+              <a:spcBef>
+                <a:spcPct val="20000"/>
+              </a:spcBef>
+              <a:buFont typeface="Arial" panose="020B0604020202090204" pitchFamily="34" charset="0"/>
+              <a:buChar char="•"/>
+              <a:defRPr sz="3200">
+                <a:solidFill>
+                  <a:schemeClr val="tx1"/>
+                </a:solidFill>
+                <a:latin typeface="微软雅黑" panose="020B0503020204020204" pitchFamily="34" charset="-122"/>
+                <a:ea typeface="微软雅黑" panose="020B0503020204020204" pitchFamily="34" charset="-122"/>
+                <a:sym typeface="Calibri" panose="020F0502020204030204" pitchFamily="34" charset="0"/>
+              </a:defRPr>
+            </a:lvl1pPr>
+            <a:lvl2pPr marL="742950" indent="-285750">
+              <a:spcBef>
+                <a:spcPct val="20000"/>
+              </a:spcBef>
+              <a:buFont typeface="Arial" panose="020B0604020202090204" pitchFamily="34" charset="0"/>
+              <a:buChar char="–"/>
+              <a:defRPr sz="2800">
+                <a:solidFill>
+                  <a:schemeClr val="tx1"/>
+                </a:solidFill>
+                <a:latin typeface="微软雅黑" panose="020B0503020204020204" pitchFamily="34" charset="-122"/>
+                <a:ea typeface="微软雅黑" panose="020B0503020204020204" pitchFamily="34" charset="-122"/>
+                <a:sym typeface="Calibri" panose="020F0502020204030204" pitchFamily="34" charset="0"/>
+              </a:defRPr>
+            </a:lvl2pPr>
+            <a:lvl3pPr marL="1143000" indent="-228600">
+              <a:spcBef>
+                <a:spcPct val="20000"/>
+              </a:spcBef>
+              <a:buFont typeface="Arial" panose="020B0604020202090204" pitchFamily="34" charset="0"/>
+              <a:buChar char="•"/>
+              <a:defRPr sz="2400">
+                <a:solidFill>
+                  <a:schemeClr val="tx1"/>
+                </a:solidFill>
+                <a:latin typeface="微软雅黑" panose="020B0503020204020204" pitchFamily="34" charset="-122"/>
+                <a:ea typeface="微软雅黑" panose="020B0503020204020204" pitchFamily="34" charset="-122"/>
+                <a:sym typeface="Calibri" panose="020F0502020204030204" pitchFamily="34" charset="0"/>
+              </a:defRPr>
+            </a:lvl3pPr>
+            <a:lvl4pPr marL="1600200" indent="-228600">
+              <a:spcBef>
+                <a:spcPct val="20000"/>
+              </a:spcBef>
+              <a:buFont typeface="Arial" panose="020B0604020202090204" pitchFamily="34" charset="0"/>
+              <a:buChar char="–"/>
+              <a:defRPr sz="2000">
+                <a:solidFill>
+                  <a:schemeClr val="tx1"/>
+                </a:solidFill>
+                <a:latin typeface="微软雅黑" panose="020B0503020204020204" pitchFamily="34" charset="-122"/>
+                <a:ea typeface="微软雅黑" panose="020B0503020204020204" pitchFamily="34" charset="-122"/>
+                <a:sym typeface="Calibri" panose="020F0502020204030204" pitchFamily="34" charset="0"/>
+              </a:defRPr>
+            </a:lvl4pPr>
+            <a:lvl5pPr marL="2057400" indent="-228600">
+              <a:spcBef>
+                <a:spcPct val="20000"/>
+              </a:spcBef>
+              <a:buFont typeface="Arial" panose="020B0604020202090204" pitchFamily="34" charset="0"/>
+              <a:buChar char="»"/>
+              <a:defRPr sz="2000">
+                <a:solidFill>
+                  <a:schemeClr val="tx1"/>
+                </a:solidFill>
+                <a:latin typeface="微软雅黑" panose="020B0503020204020204" pitchFamily="34" charset="-122"/>
+                <a:ea typeface="微软雅黑" panose="020B0503020204020204" pitchFamily="34" charset="-122"/>
+                <a:sym typeface="Calibri" panose="020F0502020204030204" pitchFamily="34" charset="0"/>
+              </a:defRPr>
+            </a:lvl5pPr>
+            <a:lvl6pPr marL="2514600" indent="-228600" eaLnBrk="0" fontAlgn="base" hangingPunct="0">
+              <a:spcBef>
+                <a:spcPct val="20000"/>
+              </a:spcBef>
+              <a:spcAft>
+                <a:spcPct val="0"/>
+              </a:spcAft>
+              <a:buFont typeface="Arial" panose="020B0604020202090204" pitchFamily="34" charset="0"/>
+              <a:buChar char="»"/>
+              <a:defRPr sz="2000">
+                <a:solidFill>
+                  <a:schemeClr val="tx1"/>
+                </a:solidFill>
+                <a:latin typeface="微软雅黑" panose="020B0503020204020204" pitchFamily="34" charset="-122"/>
+                <a:ea typeface="微软雅黑" panose="020B0503020204020204" pitchFamily="34" charset="-122"/>
+                <a:sym typeface="Calibri" panose="020F0502020204030204" pitchFamily="34" charset="0"/>
+              </a:defRPr>
+            </a:lvl6pPr>
+            <a:lvl7pPr marL="2971800" indent="-228600" eaLnBrk="0" fontAlgn="base" hangingPunct="0">
+              <a:spcBef>
+                <a:spcPct val="20000"/>
+              </a:spcBef>
+              <a:spcAft>
+                <a:spcPct val="0"/>
+              </a:spcAft>
+              <a:buFont typeface="Arial" panose="020B0604020202090204" pitchFamily="34" charset="0"/>
+              <a:buChar char="»"/>
+              <a:defRPr sz="2000">
+                <a:solidFill>
+                  <a:schemeClr val="tx1"/>
+                </a:solidFill>
+                <a:latin typeface="微软雅黑" panose="020B0503020204020204" pitchFamily="34" charset="-122"/>
+                <a:ea typeface="微软雅黑" panose="020B0503020204020204" pitchFamily="34" charset="-122"/>
+                <a:sym typeface="Calibri" panose="020F0502020204030204" pitchFamily="34" charset="0"/>
+              </a:defRPr>
+            </a:lvl7pPr>
+            <a:lvl8pPr marL="3429000" indent="-228600" eaLnBrk="0" fontAlgn="base" hangingPunct="0">
+              <a:spcBef>
+                <a:spcPct val="20000"/>
+              </a:spcBef>
+              <a:spcAft>
+                <a:spcPct val="0"/>
+              </a:spcAft>
+              <a:buFont typeface="Arial" panose="020B0604020202090204" pitchFamily="34" charset="0"/>
+              <a:buChar char="»"/>
+              <a:defRPr sz="2000">
+                <a:solidFill>
+                  <a:schemeClr val="tx1"/>
+                </a:solidFill>
+                <a:latin typeface="微软雅黑" panose="020B0503020204020204" pitchFamily="34" charset="-122"/>
+                <a:ea typeface="微软雅黑" panose="020B0503020204020204" pitchFamily="34" charset="-122"/>
+                <a:sym typeface="Calibri" panose="020F0502020204030204" pitchFamily="34" charset="0"/>
+              </a:defRPr>
+            </a:lvl8pPr>
+            <a:lvl9pPr marL="3886200" indent="-228600" eaLnBrk="0" fontAlgn="base" hangingPunct="0">
+              <a:spcBef>
+                <a:spcPct val="20000"/>
+              </a:spcBef>
+              <a:spcAft>
+                <a:spcPct val="0"/>
+              </a:spcAft>
+              <a:buFont typeface="Arial" panose="020B0604020202090204" pitchFamily="34" charset="0"/>
+              <a:buChar char="»"/>
+              <a:defRPr sz="2000">
+                <a:solidFill>
+                  <a:schemeClr val="tx1"/>
+                </a:solidFill>
+                <a:latin typeface="微软雅黑" panose="020B0503020204020204" pitchFamily="34" charset="-122"/>
+                <a:ea typeface="微软雅黑" panose="020B0503020204020204" pitchFamily="34" charset="-122"/>
+                <a:sym typeface="Calibri" panose="020F0502020204030204" pitchFamily="34" charset="0"/>
+              </a:defRPr>
+            </a:lvl9pPr>
+          </a:lstStyle>
+          <a:p>
+            <a:pPr algn="l">
+              <a:buNone/>
+            </a:pPr>
+            <a:r>
+              <a:rPr lang="zh-CN" altLang="en-US" sz="2400" b="1" dirty="0" err="1"/>
+              <a:t>四</a:t>
+            </a:r>
+            <a:r>
+              <a:rPr lang="en-US" altLang="zh-CN" sz="2400" b="1" dirty="0" err="1"/>
+              <a:t>、</a:t>
+            </a:r>
+            <a:r>
+              <a:rPr lang="zh-CN" altLang="en-US" sz="2400" b="1" dirty="0">
+                <a:solidFill>
+                  <a:schemeClr val="tx1"/>
+                </a:solidFill>
+                <a:sym typeface="微软雅黑" panose="020B0503020204020204" pitchFamily="34" charset="-122"/>
+              </a:rPr>
+              <a:t>实验结果</a:t>
+            </a:r>
+            <a:endParaRPr lang="zh-CN" altLang="en-US" sz="2400" b="1" dirty="0">
+              <a:solidFill>
+                <a:schemeClr val="tx1"/>
+              </a:solidFill>
+              <a:sym typeface="微软雅黑" panose="020B0503020204020204" pitchFamily="34" charset="-122"/>
+            </a:endParaRPr>
+          </a:p>
+        </p:txBody>
+      </p:sp>
+      <p:sp>
+        <p:nvSpPr>
+          <p:cNvPr id="12" name="文本框 11"/>
+          <p:cNvSpPr txBox="1"/>
+          <p:nvPr/>
+        </p:nvSpPr>
+        <p:spPr>
+          <a:xfrm>
+            <a:off x="170815" y="698500"/>
+            <a:ext cx="3626485" cy="337185"/>
+          </a:xfrm>
+          <a:prstGeom prst="rect">
+            <a:avLst/>
+          </a:prstGeom>
+        </p:spPr>
+        <p:txBody>
+          <a:bodyPr wrap="square">
+            <a:spAutoFit/>
+          </a:bodyPr>
+          <a:p>
+            <a:pPr marL="0" indent="0"/>
+            <a:r>
+              <a:rPr lang="zh-CN" altLang="en-US" sz="1600" b="0" i="0">
+                <a:solidFill>
+                  <a:srgbClr val="1D1D1F"/>
+                </a:solidFill>
+                <a:latin typeface="system-ui"/>
+                <a:ea typeface="system-ui"/>
+              </a:rPr>
+              <a:t>不同方法的</a:t>
+            </a:r>
+            <a:r>
+              <a:rPr lang="en-US" altLang="zh-CN" sz="1600" b="0" i="0">
+                <a:solidFill>
+                  <a:srgbClr val="1D1D1F"/>
+                </a:solidFill>
+                <a:latin typeface="system-ui"/>
+                <a:ea typeface="system-ui"/>
+              </a:rPr>
+              <a:t> LLM Token </a:t>
+            </a:r>
+            <a:r>
+              <a:rPr lang="zh-CN" altLang="en-US" sz="1600" b="0" i="0">
+                <a:solidFill>
+                  <a:srgbClr val="1D1D1F"/>
+                </a:solidFill>
+                <a:latin typeface="system-ui"/>
+                <a:ea typeface="system-ui"/>
+              </a:rPr>
+              <a:t>使用量对比</a:t>
+            </a:r>
+            <a:endParaRPr lang="zh-CN" altLang="en-US" sz="1600" b="0" i="0">
+              <a:solidFill>
+                <a:srgbClr val="1D1D1F"/>
+              </a:solidFill>
+              <a:latin typeface="system-ui"/>
+              <a:ea typeface="system-ui"/>
+            </a:endParaRPr>
+          </a:p>
+        </p:txBody>
+      </p:sp>
+      <p:sp>
+        <p:nvSpPr>
+          <p:cNvPr id="15" name="文本框 14"/>
+          <p:cNvSpPr txBox="1"/>
+          <p:nvPr/>
+        </p:nvSpPr>
+        <p:spPr>
+          <a:xfrm>
+            <a:off x="4561205" y="2722880"/>
+            <a:ext cx="4418330" cy="1370965"/>
+          </a:xfrm>
+          <a:prstGeom prst="rect">
+            <a:avLst/>
+          </a:prstGeom>
+        </p:spPr>
+        <p:txBody>
+          <a:bodyPr wrap="square">
+            <a:spAutoFit/>
+          </a:bodyPr>
+          <a:p>
+            <a:pPr marL="0" indent="0">
+              <a:lnSpc>
+                <a:spcPct val="130000"/>
+              </a:lnSpc>
+              <a:spcBef>
+                <a:spcPts val="0"/>
+              </a:spcBef>
+              <a:spcAft>
+                <a:spcPts val="0"/>
+              </a:spcAft>
+              <a:buAutoNum type="arabicPeriod"/>
+            </a:pPr>
+            <a:r>
+              <a:rPr lang="en-US" altLang="zh-CN" sz="1600" i="0">
+                <a:solidFill>
+                  <a:srgbClr val="1D1D1F"/>
+                </a:solidFill>
+                <a:uFillTx/>
+                <a:latin typeface="Times New Roman" panose="02020503050405090304" pitchFamily="18" charset="0"/>
+                <a:ea typeface="system-ui"/>
+              </a:rPr>
+              <a:t>self-tag </a:t>
+            </a:r>
+            <a:r>
+              <a:rPr lang="zh-CN" altLang="en-US" sz="1600" i="0">
+                <a:solidFill>
+                  <a:srgbClr val="1D1D1F"/>
+                </a:solidFill>
+                <a:uFillTx/>
+                <a:latin typeface="Times New Roman" panose="02020503050405090304" pitchFamily="18" charset="0"/>
+                <a:ea typeface="system-ui"/>
+              </a:rPr>
+              <a:t>显著降低</a:t>
+            </a:r>
+            <a:r>
+              <a:rPr lang="en-US" altLang="zh-CN" sz="1600" i="0">
+                <a:solidFill>
+                  <a:srgbClr val="1D1D1F"/>
+                </a:solidFill>
+                <a:uFillTx/>
+                <a:latin typeface="Times New Roman" panose="02020503050405090304" pitchFamily="18" charset="0"/>
+                <a:ea typeface="system-ui"/>
+              </a:rPr>
+              <a:t> LLM </a:t>
+            </a:r>
+            <a:r>
+              <a:rPr lang="zh-CN" altLang="en-US" sz="1600" i="0">
+                <a:solidFill>
+                  <a:srgbClr val="1D1D1F"/>
+                </a:solidFill>
+                <a:uFillTx/>
+                <a:latin typeface="Times New Roman" panose="02020503050405090304" pitchFamily="18" charset="0"/>
+                <a:ea typeface="system-ui"/>
+              </a:rPr>
+              <a:t>推理开销</a:t>
+            </a:r>
+            <a:endParaRPr lang="zh-CN" altLang="en-US" sz="1600" i="0">
+              <a:solidFill>
+                <a:srgbClr val="1D1D1F"/>
+              </a:solidFill>
+              <a:uFillTx/>
+              <a:latin typeface="Times New Roman" panose="02020503050405090304" pitchFamily="18" charset="0"/>
+              <a:ea typeface="system-ui"/>
+            </a:endParaRPr>
+          </a:p>
+          <a:p>
+            <a:pPr marL="0" indent="0">
+              <a:lnSpc>
+                <a:spcPct val="130000"/>
+              </a:lnSpc>
+              <a:spcBef>
+                <a:spcPts val="0"/>
+              </a:spcBef>
+              <a:spcAft>
+                <a:spcPts val="0"/>
+              </a:spcAft>
+              <a:buAutoNum type="arabicPeriod"/>
+            </a:pPr>
+            <a:r>
+              <a:rPr lang="zh-CN" altLang="en-US" sz="1600" i="0">
+                <a:solidFill>
+                  <a:srgbClr val="1D1D1F"/>
+                </a:solidFill>
+                <a:uFillTx/>
+                <a:latin typeface="Times New Roman" panose="02020503050405090304" pitchFamily="18" charset="0"/>
+                <a:ea typeface="system-ui"/>
+              </a:rPr>
+              <a:t>输入压缩是成本下降的主要来源</a:t>
+            </a:r>
+            <a:endParaRPr lang="zh-CN" altLang="en-US" sz="1600" i="0">
+              <a:solidFill>
+                <a:srgbClr val="1D1D1F"/>
+              </a:solidFill>
+              <a:uFillTx/>
+              <a:latin typeface="Times New Roman" panose="02020503050405090304" pitchFamily="18" charset="0"/>
+              <a:ea typeface="system-ui"/>
+            </a:endParaRPr>
+          </a:p>
+          <a:p>
+            <a:pPr marL="0" indent="0">
+              <a:lnSpc>
+                <a:spcPct val="130000"/>
+              </a:lnSpc>
+              <a:spcBef>
+                <a:spcPts val="0"/>
+              </a:spcBef>
+              <a:spcAft>
+                <a:spcPts val="0"/>
+              </a:spcAft>
+              <a:buAutoNum type="arabicPeriod"/>
+            </a:pPr>
+            <a:r>
+              <a:rPr lang="en-US" altLang="zh-CN" sz="1600" i="0">
+                <a:solidFill>
+                  <a:srgbClr val="1D1D1F"/>
+                </a:solidFill>
+                <a:uFillTx/>
+                <a:latin typeface="Times New Roman" panose="02020503050405090304" pitchFamily="18" charset="0"/>
+                <a:ea typeface="system-ui"/>
+              </a:rPr>
+              <a:t>self-tag </a:t>
+            </a:r>
+            <a:r>
+              <a:rPr lang="zh-CN" altLang="en-US" sz="1600" i="0">
+                <a:solidFill>
+                  <a:srgbClr val="1D1D1F"/>
+                </a:solidFill>
+                <a:uFillTx/>
+                <a:latin typeface="Times New Roman" panose="02020503050405090304" pitchFamily="18" charset="0"/>
+                <a:ea typeface="system-ui"/>
+              </a:rPr>
+              <a:t>在保持性能优势的同时实现显著降本</a:t>
+            </a:r>
+            <a:endParaRPr lang="zh-CN" altLang="en-US" sz="1600" i="0">
+              <a:solidFill>
+                <a:srgbClr val="1D1D1F"/>
+              </a:solidFill>
+              <a:uFillTx/>
+              <a:latin typeface="Times New Roman" panose="02020503050405090304" pitchFamily="18" charset="0"/>
+              <a:ea typeface="system-ui"/>
+            </a:endParaRPr>
+          </a:p>
+          <a:p>
+            <a:pPr marL="0" indent="0">
+              <a:lnSpc>
+                <a:spcPct val="130000"/>
+              </a:lnSpc>
+              <a:spcBef>
+                <a:spcPts val="0"/>
+              </a:spcBef>
+              <a:spcAft>
+                <a:spcPts val="0"/>
+              </a:spcAft>
+              <a:buAutoNum type="arabicPeriod"/>
+            </a:pPr>
+            <a:r>
+              <a:rPr lang="zh-CN" altLang="en-US" sz="1600" i="0">
+                <a:solidFill>
+                  <a:srgbClr val="1D1D1F"/>
+                </a:solidFill>
+                <a:uFillTx/>
+                <a:latin typeface="Times New Roman" panose="02020503050405090304" pitchFamily="18" charset="0"/>
+                <a:ea typeface="system-ui"/>
+              </a:rPr>
+              <a:t>成本优势在大规模场景中被进一步放大</a:t>
+            </a:r>
+            <a:endParaRPr lang="zh-CN" altLang="en-US" sz="1600" i="0">
+              <a:solidFill>
+                <a:srgbClr val="1D1D1F"/>
+              </a:solidFill>
+              <a:uFillTx/>
+              <a:latin typeface="Times New Roman" panose="02020503050405090304" pitchFamily="18" charset="0"/>
+              <a:ea typeface="system-ui"/>
+            </a:endParaRPr>
+          </a:p>
+        </p:txBody>
+      </p:sp>
+      <p:sp>
+        <p:nvSpPr>
+          <p:cNvPr id="2" name="文本框 1"/>
+          <p:cNvSpPr txBox="1"/>
+          <p:nvPr/>
+        </p:nvSpPr>
+        <p:spPr>
+          <a:xfrm>
+            <a:off x="170815" y="2402840"/>
+            <a:ext cx="3626485" cy="337185"/>
+          </a:xfrm>
+          <a:prstGeom prst="rect">
+            <a:avLst/>
+          </a:prstGeom>
+        </p:spPr>
+        <p:txBody>
+          <a:bodyPr wrap="square">
+            <a:spAutoFit/>
+          </a:bodyPr>
+          <a:p>
+            <a:pPr marL="0" indent="0"/>
+            <a:r>
+              <a:rPr lang="zh-CN" altLang="en-US" sz="1600" b="0" i="0">
+                <a:solidFill>
+                  <a:srgbClr val="1D1D1F"/>
+                </a:solidFill>
+                <a:latin typeface="system-ui"/>
+                <a:ea typeface="system-ui"/>
+              </a:rPr>
+              <a:t>估算推理成本对比</a:t>
+            </a:r>
+            <a:endParaRPr lang="zh-CN" altLang="en-US" sz="1600" b="0" i="0">
+              <a:solidFill>
+                <a:srgbClr val="1D1D1F"/>
+              </a:solidFill>
+              <a:latin typeface="system-ui"/>
+              <a:ea typeface="system-ui"/>
+            </a:endParaRPr>
+          </a:p>
+        </p:txBody>
+      </p:sp>
+      <p:pic>
+        <p:nvPicPr>
+          <p:cNvPr id="5" name="图片 4"/>
+          <p:cNvPicPr>
+            <a:picLocks noChangeAspect="1"/>
+          </p:cNvPicPr>
+          <p:nvPr/>
+        </p:nvPicPr>
+        <p:blipFill>
+          <a:blip r:embed="rId1"/>
+          <a:stretch>
+            <a:fillRect/>
+          </a:stretch>
+        </p:blipFill>
+        <p:spPr>
+          <a:xfrm>
+            <a:off x="170815" y="1070610"/>
+            <a:ext cx="5553075" cy="977265"/>
+          </a:xfrm>
+          <a:prstGeom prst="rect">
+            <a:avLst/>
+          </a:prstGeom>
+        </p:spPr>
+      </p:pic>
+      <p:pic>
+        <p:nvPicPr>
+          <p:cNvPr id="6" name="图片 5"/>
+          <p:cNvPicPr>
+            <a:picLocks noChangeAspect="1"/>
+          </p:cNvPicPr>
+          <p:nvPr/>
+        </p:nvPicPr>
+        <p:blipFill>
+          <a:blip r:embed="rId2"/>
+          <a:stretch>
+            <a:fillRect/>
+          </a:stretch>
+        </p:blipFill>
+        <p:spPr>
+          <a:xfrm>
+            <a:off x="170815" y="2823210"/>
+            <a:ext cx="4048125" cy="1209675"/>
+          </a:xfrm>
+          <a:prstGeom prst="rect">
+            <a:avLst/>
+          </a:prstGeom>
+        </p:spPr>
+      </p:pic>
+      <p:pic>
+        <p:nvPicPr>
+          <p:cNvPr id="7" name="图片 6" descr="研究结论"/>
+          <p:cNvPicPr>
+            <a:picLocks noChangeAspect="1"/>
+          </p:cNvPicPr>
+          <p:nvPr/>
+        </p:nvPicPr>
+        <p:blipFill>
+          <a:blip r:embed="rId3">
+            <a:extLst>
+              <a:ext uri="{96DAC541-7B7A-43D3-8B79-37D633B846F1}">
+                <asvg:svgBlip xmlns:asvg="http://schemas.microsoft.com/office/drawing/2016/SVG/main" r:embed="rId4"/>
+              </a:ext>
+            </a:extLst>
+          </a:blip>
+          <a:stretch>
+            <a:fillRect/>
+          </a:stretch>
+        </p:blipFill>
+        <p:spPr>
+          <a:xfrm>
+            <a:off x="4695190" y="2411730"/>
+            <a:ext cx="311150" cy="311150"/>
+          </a:xfrm>
+          <a:prstGeom prst="rect">
+            <a:avLst/>
+          </a:prstGeom>
+        </p:spPr>
+      </p:pic>
+      <p:sp>
+        <p:nvSpPr>
+          <p:cNvPr id="8" name="文本框 7"/>
+          <p:cNvSpPr txBox="1"/>
+          <p:nvPr/>
+        </p:nvSpPr>
+        <p:spPr>
+          <a:xfrm>
+            <a:off x="5081905" y="2385695"/>
+            <a:ext cx="676910" cy="337185"/>
+          </a:xfrm>
+          <a:prstGeom prst="rect">
+            <a:avLst/>
+          </a:prstGeom>
+        </p:spPr>
+        <p:txBody>
+          <a:bodyPr wrap="square">
+            <a:spAutoFit/>
+          </a:bodyPr>
+          <a:p>
+            <a:pPr marL="0" indent="0"/>
+            <a:r>
+              <a:rPr lang="zh-CN" altLang="en-US" sz="1600" b="0" i="0">
+                <a:solidFill>
+                  <a:srgbClr val="1D1D1F"/>
+                </a:solidFill>
+                <a:latin typeface="system-ui"/>
+                <a:ea typeface="system-ui"/>
+              </a:rPr>
+              <a:t>结论</a:t>
+            </a:r>
+            <a:endParaRPr lang="zh-CN" altLang="en-US" sz="1600" b="0" i="0">
+              <a:solidFill>
+                <a:srgbClr val="1D1D1F"/>
+              </a:solidFill>
+              <a:latin typeface="system-ui"/>
+              <a:ea typeface="system-ui"/>
+            </a:endParaRPr>
+          </a:p>
+        </p:txBody>
+      </p:sp>
+    </p:spTree>
+  </p:cSld>
+  <p:clrMapOvr>
+    <a:masterClrMapping/>
+  </p:clrMapOvr>
+</p:sld>
+</file>
+
+<file path=ppt/slides/slide16.xml><?xml version="1.0" encoding="utf-8"?>
+<p:sld xmlns:a="http://schemas.openxmlformats.org/drawingml/2006/main" xmlns:r="http://schemas.openxmlformats.org/officeDocument/2006/relationships" xmlns:p="http://schemas.openxmlformats.org/presentationml/2006/main">
+  <p:cSld>
+    <p:spTree>
+      <p:nvGrpSpPr>
+        <p:cNvPr id="1" name=""/>
+        <p:cNvGrpSpPr/>
+        <p:nvPr/>
+      </p:nvGrpSpPr>
+      <p:grpSpPr>
+        <a:xfrm>
+          <a:off x="0" y="0"/>
+          <a:ext cx="0" cy="0"/>
+          <a:chOff x="0" y="0"/>
+          <a:chExt cx="0" cy="0"/>
+        </a:xfrm>
+      </p:grpSpPr>
+      <p:sp>
+        <p:nvSpPr>
+          <p:cNvPr id="34" name="等腰三角形 47"/>
+          <p:cNvSpPr>
+            <a:spLocks noChangeArrowheads="1"/>
+          </p:cNvSpPr>
+          <p:nvPr/>
+        </p:nvSpPr>
+        <p:spPr bwMode="auto">
+          <a:xfrm rot="5400000">
+            <a:off x="-39787" y="157290"/>
+            <a:ext cx="581159" cy="501585"/>
+          </a:xfrm>
+          <a:prstGeom prst="triangle">
+            <a:avLst>
+              <a:gd name="adj" fmla="val 50000"/>
+            </a:avLst>
+          </a:prstGeom>
+          <a:solidFill>
+            <a:srgbClr val="A41C34"/>
+          </a:solidFill>
+          <a:ln>
+            <a:noFill/>
+          </a:ln>
+        </p:spPr>
+        <p:txBody>
+          <a:bodyPr lIns="91438" tIns="45719" rIns="91438" bIns="45719" anchor="ctr"/>
+          <a:lstStyle>
+            <a:lvl1pPr>
+              <a:spcBef>
+                <a:spcPct val="20000"/>
+              </a:spcBef>
+              <a:buFont typeface="Arial" panose="020B0604020202090204" pitchFamily="34" charset="0"/>
+              <a:buChar char="•"/>
+              <a:defRPr sz="3200">
+                <a:solidFill>
+                  <a:schemeClr val="tx1"/>
+                </a:solidFill>
+                <a:latin typeface="微软雅黑" panose="020B0503020204020204" pitchFamily="34" charset="-122"/>
+                <a:ea typeface="微软雅黑" panose="020B0503020204020204" pitchFamily="34" charset="-122"/>
+                <a:sym typeface="Calibri" panose="020F0502020204030204" pitchFamily="34" charset="0"/>
+              </a:defRPr>
+            </a:lvl1pPr>
+            <a:lvl2pPr marL="742950" indent="-285750">
+              <a:spcBef>
+                <a:spcPct val="20000"/>
+              </a:spcBef>
+              <a:buFont typeface="Arial" panose="020B0604020202090204" pitchFamily="34" charset="0"/>
+              <a:buChar char="–"/>
+              <a:defRPr sz="2800">
+                <a:solidFill>
+                  <a:schemeClr val="tx1"/>
+                </a:solidFill>
+                <a:latin typeface="微软雅黑" panose="020B0503020204020204" pitchFamily="34" charset="-122"/>
+                <a:ea typeface="微软雅黑" panose="020B0503020204020204" pitchFamily="34" charset="-122"/>
+                <a:sym typeface="Calibri" panose="020F0502020204030204" pitchFamily="34" charset="0"/>
+              </a:defRPr>
+            </a:lvl2pPr>
+            <a:lvl3pPr marL="1143000" indent="-228600">
+              <a:spcBef>
+                <a:spcPct val="20000"/>
+              </a:spcBef>
+              <a:buFont typeface="Arial" panose="020B0604020202090204" pitchFamily="34" charset="0"/>
+              <a:buChar char="•"/>
+              <a:defRPr sz="2400">
+                <a:solidFill>
+                  <a:schemeClr val="tx1"/>
+                </a:solidFill>
+                <a:latin typeface="微软雅黑" panose="020B0503020204020204" pitchFamily="34" charset="-122"/>
+                <a:ea typeface="微软雅黑" panose="020B0503020204020204" pitchFamily="34" charset="-122"/>
+                <a:sym typeface="Calibri" panose="020F0502020204030204" pitchFamily="34" charset="0"/>
+              </a:defRPr>
+            </a:lvl3pPr>
+            <a:lvl4pPr marL="1600200" indent="-228600">
+              <a:spcBef>
+                <a:spcPct val="20000"/>
+              </a:spcBef>
+              <a:buFont typeface="Arial" panose="020B0604020202090204" pitchFamily="34" charset="0"/>
+              <a:buChar char="–"/>
+              <a:defRPr sz="2000">
+                <a:solidFill>
+                  <a:schemeClr val="tx1"/>
+                </a:solidFill>
+                <a:latin typeface="微软雅黑" panose="020B0503020204020204" pitchFamily="34" charset="-122"/>
+                <a:ea typeface="微软雅黑" panose="020B0503020204020204" pitchFamily="34" charset="-122"/>
+                <a:sym typeface="Calibri" panose="020F0502020204030204" pitchFamily="34" charset="0"/>
+              </a:defRPr>
+            </a:lvl4pPr>
+            <a:lvl5pPr marL="2057400" indent="-228600">
+              <a:spcBef>
+                <a:spcPct val="20000"/>
+              </a:spcBef>
+              <a:buFont typeface="Arial" panose="020B0604020202090204" pitchFamily="34" charset="0"/>
+              <a:buChar char="»"/>
+              <a:defRPr sz="2000">
+                <a:solidFill>
+                  <a:schemeClr val="tx1"/>
+                </a:solidFill>
+                <a:latin typeface="微软雅黑" panose="020B0503020204020204" pitchFamily="34" charset="-122"/>
+                <a:ea typeface="微软雅黑" panose="020B0503020204020204" pitchFamily="34" charset="-122"/>
+                <a:sym typeface="Calibri" panose="020F0502020204030204" pitchFamily="34" charset="0"/>
+              </a:defRPr>
+            </a:lvl5pPr>
+            <a:lvl6pPr marL="2514600" indent="-228600" eaLnBrk="0" fontAlgn="base" hangingPunct="0">
+              <a:spcBef>
+                <a:spcPct val="20000"/>
+              </a:spcBef>
+              <a:spcAft>
+                <a:spcPct val="0"/>
+              </a:spcAft>
+              <a:buFont typeface="Arial" panose="020B0604020202090204" pitchFamily="34" charset="0"/>
+              <a:buChar char="»"/>
+              <a:defRPr sz="2000">
+                <a:solidFill>
+                  <a:schemeClr val="tx1"/>
+                </a:solidFill>
+                <a:latin typeface="微软雅黑" panose="020B0503020204020204" pitchFamily="34" charset="-122"/>
+                <a:ea typeface="微软雅黑" panose="020B0503020204020204" pitchFamily="34" charset="-122"/>
+                <a:sym typeface="Calibri" panose="020F0502020204030204" pitchFamily="34" charset="0"/>
+              </a:defRPr>
+            </a:lvl6pPr>
+            <a:lvl7pPr marL="2971800" indent="-228600" eaLnBrk="0" fontAlgn="base" hangingPunct="0">
+              <a:spcBef>
+                <a:spcPct val="20000"/>
+              </a:spcBef>
+              <a:spcAft>
+                <a:spcPct val="0"/>
+              </a:spcAft>
+              <a:buFont typeface="Arial" panose="020B0604020202090204" pitchFamily="34" charset="0"/>
+              <a:buChar char="»"/>
+              <a:defRPr sz="2000">
+                <a:solidFill>
+                  <a:schemeClr val="tx1"/>
+                </a:solidFill>
+                <a:latin typeface="微软雅黑" panose="020B0503020204020204" pitchFamily="34" charset="-122"/>
+                <a:ea typeface="微软雅黑" panose="020B0503020204020204" pitchFamily="34" charset="-122"/>
+                <a:sym typeface="Calibri" panose="020F0502020204030204" pitchFamily="34" charset="0"/>
+              </a:defRPr>
+            </a:lvl7pPr>
+            <a:lvl8pPr marL="3429000" indent="-228600" eaLnBrk="0" fontAlgn="base" hangingPunct="0">
+              <a:spcBef>
+                <a:spcPct val="20000"/>
+              </a:spcBef>
+              <a:spcAft>
+                <a:spcPct val="0"/>
+              </a:spcAft>
+              <a:buFont typeface="Arial" panose="020B0604020202090204" pitchFamily="34" charset="0"/>
+              <a:buChar char="»"/>
+              <a:defRPr sz="2000">
+                <a:solidFill>
+                  <a:schemeClr val="tx1"/>
+                </a:solidFill>
+                <a:latin typeface="微软雅黑" panose="020B0503020204020204" pitchFamily="34" charset="-122"/>
+                <a:ea typeface="微软雅黑" panose="020B0503020204020204" pitchFamily="34" charset="-122"/>
+                <a:sym typeface="Calibri" panose="020F0502020204030204" pitchFamily="34" charset="0"/>
+              </a:defRPr>
+            </a:lvl8pPr>
+            <a:lvl9pPr marL="3886200" indent="-228600" eaLnBrk="0" fontAlgn="base" hangingPunct="0">
+              <a:spcBef>
+                <a:spcPct val="20000"/>
+              </a:spcBef>
+              <a:spcAft>
+                <a:spcPct val="0"/>
+              </a:spcAft>
+              <a:buFont typeface="Arial" panose="020B0604020202090204" pitchFamily="34" charset="0"/>
+              <a:buChar char="»"/>
+              <a:defRPr sz="2000">
+                <a:solidFill>
+                  <a:schemeClr val="tx1"/>
+                </a:solidFill>
+                <a:latin typeface="微软雅黑" panose="020B0503020204020204" pitchFamily="34" charset="-122"/>
+                <a:ea typeface="微软雅黑" panose="020B0503020204020204" pitchFamily="34" charset="-122"/>
+                <a:sym typeface="Calibri" panose="020F0502020204030204" pitchFamily="34" charset="0"/>
+              </a:defRPr>
+            </a:lvl9pPr>
+          </a:lstStyle>
+          <a:p>
+            <a:pPr algn="ctr" eaLnBrk="1" hangingPunct="1">
+              <a:spcBef>
+                <a:spcPct val="0"/>
+              </a:spcBef>
+              <a:buFont typeface="Arial" panose="020B0604020202090204" pitchFamily="34" charset="0"/>
+              <a:buNone/>
+            </a:pPr>
+            <a:endParaRPr lang="zh-CN" altLang="zh-CN" sz="1800">
+              <a:solidFill>
+                <a:srgbClr val="FFFFFF"/>
+              </a:solidFill>
+              <a:sym typeface="微软雅黑" panose="020B0503020204020204" pitchFamily="34" charset="-122"/>
+            </a:endParaRPr>
+          </a:p>
+        </p:txBody>
+      </p:sp>
+      <p:sp>
+        <p:nvSpPr>
+          <p:cNvPr id="3" name="矩形 46"/>
+          <p:cNvSpPr>
+            <a:spLocks noChangeArrowheads="1"/>
+          </p:cNvSpPr>
+          <p:nvPr/>
+        </p:nvSpPr>
+        <p:spPr bwMode="auto">
+          <a:xfrm>
+            <a:off x="476188" y="149489"/>
+            <a:ext cx="2014220" cy="459105"/>
+          </a:xfrm>
+          <a:prstGeom prst="rect">
+            <a:avLst/>
+          </a:prstGeom>
+          <a:noFill/>
+          <a:ln>
+            <a:noFill/>
+          </a:ln>
+          <a:extLst>
+            <a:ext uri="{909E8E84-426E-40DD-AFC4-6F175D3DCCD1}">
+              <a14:hiddenFill xmlns:a14="http://schemas.microsoft.com/office/drawing/2010/main">
+                <a:solidFill>
+                  <a:srgbClr val="FFFFFF"/>
+                </a:solidFill>
+              </a14:hiddenFill>
+            </a:ext>
+            <a:ext uri="{91240B29-F687-4F45-9708-019B960494DF}">
+              <a14:hiddenLine xmlns:a14="http://schemas.microsoft.com/office/drawing/2010/main" w="9525">
+                <a:solidFill>
+                  <a:srgbClr val="000000"/>
+                </a:solidFill>
+                <a:miter lim="800000"/>
+                <a:headEnd/>
+                <a:tailEnd/>
+              </a14:hiddenLine>
+            </a:ext>
+          </a:extLst>
+        </p:spPr>
+        <p:txBody>
+          <a:bodyPr wrap="none" lIns="91438" tIns="45719" rIns="91438" bIns="45719">
+            <a:spAutoFit/>
+          </a:bodyPr>
+          <a:lstStyle>
+            <a:lvl1pPr>
+              <a:spcBef>
+                <a:spcPct val="20000"/>
+              </a:spcBef>
+              <a:buFont typeface="Arial" panose="020B0604020202090204" pitchFamily="34" charset="0"/>
+              <a:buChar char="•"/>
+              <a:defRPr sz="3200">
+                <a:solidFill>
+                  <a:schemeClr val="tx1"/>
+                </a:solidFill>
+                <a:latin typeface="微软雅黑" panose="020B0503020204020204" pitchFamily="34" charset="-122"/>
+                <a:ea typeface="微软雅黑" panose="020B0503020204020204" pitchFamily="34" charset="-122"/>
+                <a:sym typeface="Calibri" panose="020F0502020204030204" pitchFamily="34" charset="0"/>
+              </a:defRPr>
+            </a:lvl1pPr>
+            <a:lvl2pPr marL="742950" indent="-285750">
+              <a:spcBef>
+                <a:spcPct val="20000"/>
+              </a:spcBef>
+              <a:buFont typeface="Arial" panose="020B0604020202090204" pitchFamily="34" charset="0"/>
+              <a:buChar char="–"/>
+              <a:defRPr sz="2800">
+                <a:solidFill>
+                  <a:schemeClr val="tx1"/>
+                </a:solidFill>
+                <a:latin typeface="微软雅黑" panose="020B0503020204020204" pitchFamily="34" charset="-122"/>
+                <a:ea typeface="微软雅黑" panose="020B0503020204020204" pitchFamily="34" charset="-122"/>
+                <a:sym typeface="Calibri" panose="020F0502020204030204" pitchFamily="34" charset="0"/>
+              </a:defRPr>
+            </a:lvl2pPr>
+            <a:lvl3pPr marL="1143000" indent="-228600">
+              <a:spcBef>
+                <a:spcPct val="20000"/>
+              </a:spcBef>
+              <a:buFont typeface="Arial" panose="020B0604020202090204" pitchFamily="34" charset="0"/>
+              <a:buChar char="•"/>
+              <a:defRPr sz="2400">
+                <a:solidFill>
+                  <a:schemeClr val="tx1"/>
+                </a:solidFill>
+                <a:latin typeface="微软雅黑" panose="020B0503020204020204" pitchFamily="34" charset="-122"/>
+                <a:ea typeface="微软雅黑" panose="020B0503020204020204" pitchFamily="34" charset="-122"/>
+                <a:sym typeface="Calibri" panose="020F0502020204030204" pitchFamily="34" charset="0"/>
+              </a:defRPr>
+            </a:lvl3pPr>
+            <a:lvl4pPr marL="1600200" indent="-228600">
+              <a:spcBef>
+                <a:spcPct val="20000"/>
+              </a:spcBef>
+              <a:buFont typeface="Arial" panose="020B0604020202090204" pitchFamily="34" charset="0"/>
+              <a:buChar char="–"/>
+              <a:defRPr sz="2000">
+                <a:solidFill>
+                  <a:schemeClr val="tx1"/>
+                </a:solidFill>
+                <a:latin typeface="微软雅黑" panose="020B0503020204020204" pitchFamily="34" charset="-122"/>
+                <a:ea typeface="微软雅黑" panose="020B0503020204020204" pitchFamily="34" charset="-122"/>
+                <a:sym typeface="Calibri" panose="020F0502020204030204" pitchFamily="34" charset="0"/>
+              </a:defRPr>
+            </a:lvl4pPr>
+            <a:lvl5pPr marL="2057400" indent="-228600">
+              <a:spcBef>
+                <a:spcPct val="20000"/>
+              </a:spcBef>
+              <a:buFont typeface="Arial" panose="020B0604020202090204" pitchFamily="34" charset="0"/>
+              <a:buChar char="»"/>
+              <a:defRPr sz="2000">
+                <a:solidFill>
+                  <a:schemeClr val="tx1"/>
+                </a:solidFill>
+                <a:latin typeface="微软雅黑" panose="020B0503020204020204" pitchFamily="34" charset="-122"/>
+                <a:ea typeface="微软雅黑" panose="020B0503020204020204" pitchFamily="34" charset="-122"/>
+                <a:sym typeface="Calibri" panose="020F0502020204030204" pitchFamily="34" charset="0"/>
+              </a:defRPr>
+            </a:lvl5pPr>
+            <a:lvl6pPr marL="2514600" indent="-228600" eaLnBrk="0" fontAlgn="base" hangingPunct="0">
+              <a:spcBef>
+                <a:spcPct val="20000"/>
+              </a:spcBef>
+              <a:spcAft>
+                <a:spcPct val="0"/>
+              </a:spcAft>
+              <a:buFont typeface="Arial" panose="020B0604020202090204" pitchFamily="34" charset="0"/>
+              <a:buChar char="»"/>
+              <a:defRPr sz="2000">
+                <a:solidFill>
+                  <a:schemeClr val="tx1"/>
+                </a:solidFill>
+                <a:latin typeface="微软雅黑" panose="020B0503020204020204" pitchFamily="34" charset="-122"/>
+                <a:ea typeface="微软雅黑" panose="020B0503020204020204" pitchFamily="34" charset="-122"/>
+                <a:sym typeface="Calibri" panose="020F0502020204030204" pitchFamily="34" charset="0"/>
+              </a:defRPr>
+            </a:lvl6pPr>
+            <a:lvl7pPr marL="2971800" indent="-228600" eaLnBrk="0" fontAlgn="base" hangingPunct="0">
+              <a:spcBef>
+                <a:spcPct val="20000"/>
+              </a:spcBef>
+              <a:spcAft>
+                <a:spcPct val="0"/>
+              </a:spcAft>
+              <a:buFont typeface="Arial" panose="020B0604020202090204" pitchFamily="34" charset="0"/>
+              <a:buChar char="»"/>
+              <a:defRPr sz="2000">
+                <a:solidFill>
+                  <a:schemeClr val="tx1"/>
+                </a:solidFill>
+                <a:latin typeface="微软雅黑" panose="020B0503020204020204" pitchFamily="34" charset="-122"/>
+                <a:ea typeface="微软雅黑" panose="020B0503020204020204" pitchFamily="34" charset="-122"/>
+                <a:sym typeface="Calibri" panose="020F0502020204030204" pitchFamily="34" charset="0"/>
+              </a:defRPr>
+            </a:lvl7pPr>
+            <a:lvl8pPr marL="3429000" indent="-228600" eaLnBrk="0" fontAlgn="base" hangingPunct="0">
+              <a:spcBef>
+                <a:spcPct val="20000"/>
+              </a:spcBef>
+              <a:spcAft>
+                <a:spcPct val="0"/>
+              </a:spcAft>
+              <a:buFont typeface="Arial" panose="020B0604020202090204" pitchFamily="34" charset="0"/>
+              <a:buChar char="»"/>
+              <a:defRPr sz="2000">
+                <a:solidFill>
+                  <a:schemeClr val="tx1"/>
+                </a:solidFill>
+                <a:latin typeface="微软雅黑" panose="020B0503020204020204" pitchFamily="34" charset="-122"/>
+                <a:ea typeface="微软雅黑" panose="020B0503020204020204" pitchFamily="34" charset="-122"/>
+                <a:sym typeface="Calibri" panose="020F0502020204030204" pitchFamily="34" charset="0"/>
+              </a:defRPr>
+            </a:lvl8pPr>
+            <a:lvl9pPr marL="3886200" indent="-228600" eaLnBrk="0" fontAlgn="base" hangingPunct="0">
+              <a:spcBef>
+                <a:spcPct val="20000"/>
+              </a:spcBef>
+              <a:spcAft>
+                <a:spcPct val="0"/>
+              </a:spcAft>
+              <a:buFont typeface="Arial" panose="020B0604020202090204" pitchFamily="34" charset="0"/>
+              <a:buChar char="»"/>
+              <a:defRPr sz="2000">
+                <a:solidFill>
+                  <a:schemeClr val="tx1"/>
+                </a:solidFill>
+                <a:latin typeface="微软雅黑" panose="020B0503020204020204" pitchFamily="34" charset="-122"/>
+                <a:ea typeface="微软雅黑" panose="020B0503020204020204" pitchFamily="34" charset="-122"/>
+                <a:sym typeface="Calibri" panose="020F0502020204030204" pitchFamily="34" charset="0"/>
+              </a:defRPr>
+            </a:lvl9pPr>
+          </a:lstStyle>
+          <a:p>
+            <a:pPr algn="l">
+              <a:buNone/>
+            </a:pPr>
+            <a:r>
+              <a:rPr lang="zh-CN" altLang="en-US" sz="2400" b="1" dirty="0" err="1"/>
+              <a:t>四</a:t>
+            </a:r>
+            <a:r>
+              <a:rPr lang="en-US" altLang="zh-CN" sz="2400" b="1" dirty="0" err="1"/>
+              <a:t>、</a:t>
+            </a:r>
+            <a:r>
+              <a:rPr lang="zh-CN" altLang="en-US" sz="2400" b="1" dirty="0">
+                <a:solidFill>
+                  <a:schemeClr val="tx1"/>
+                </a:solidFill>
+                <a:sym typeface="微软雅黑" panose="020B0503020204020204" pitchFamily="34" charset="-122"/>
+              </a:rPr>
+              <a:t>实验结果</a:t>
+            </a:r>
+            <a:endParaRPr lang="zh-CN" altLang="en-US" sz="2400" b="1" dirty="0">
+              <a:solidFill>
+                <a:schemeClr val="tx1"/>
+              </a:solidFill>
+              <a:sym typeface="微软雅黑" panose="020B0503020204020204" pitchFamily="34" charset="-122"/>
+            </a:endParaRPr>
+          </a:p>
+        </p:txBody>
+      </p:sp>
+      <p:sp useBgFill="1">
+        <p:nvSpPr>
+          <p:cNvPr id="19" name="矩形: 圆角 18"/>
+          <p:cNvSpPr/>
+          <p:nvPr>
+            <p:custDataLst>
+              <p:tags r:id="rId1"/>
+            </p:custDataLst>
+          </p:nvPr>
+        </p:nvSpPr>
+        <p:spPr>
+          <a:xfrm>
+            <a:off x="4661875" y="3433244"/>
+            <a:ext cx="4126473" cy="1099760"/>
+          </a:xfrm>
+          <a:prstGeom prst="roundRect">
+            <a:avLst/>
+          </a:prstGeom>
+          <a:ln w="3175" cap="flat" cmpd="sng" algn="ctr">
+            <a:solidFill>
+              <a:srgbClr val="376FFF">
+                <a:lumMod val="100000"/>
+                <a:alpha val="20000"/>
+              </a:srgbClr>
+            </a:solidFill>
+            <a:prstDash val="solid"/>
+            <a:round/>
+            <a:headEnd type="none" w="med" len="med"/>
+            <a:tailEnd type="none" w="med" len="med"/>
+          </a:ln>
+          <a:effectLst>
+            <a:outerShdw blurRad="508000" dist="50800" dir="5400000" algn="ctr" rotWithShape="0">
+              <a:srgbClr val="376FFF">
+                <a:alpha val="20000"/>
+              </a:srgbClr>
+            </a:outerShdw>
+          </a:effectLst>
+        </p:spPr>
+        <p:txBody>
+          <a:bodyPr lIns="0" rIns="0" rtlCol="0" anchor="ctr">
+            <a:noAutofit/>
+          </a:bodyPr>
+          <a:p>
+            <a:pPr algn="ctr" defTabSz="914400"/>
+            <a:endParaRPr lang="zh-CN" altLang="en-US" sz="1525"/>
+          </a:p>
+        </p:txBody>
+      </p:sp>
+      <p:sp useBgFill="1">
+        <p:nvSpPr>
+          <p:cNvPr id="21" name="矩形: 圆角 25"/>
+          <p:cNvSpPr/>
+          <p:nvPr>
+            <p:custDataLst>
+              <p:tags r:id="rId2"/>
+            </p:custDataLst>
+          </p:nvPr>
+        </p:nvSpPr>
+        <p:spPr>
+          <a:xfrm>
+            <a:off x="4661875" y="3433244"/>
+            <a:ext cx="4126473" cy="1099760"/>
+          </a:xfrm>
+          <a:prstGeom prst="roundRect">
+            <a:avLst/>
+          </a:prstGeom>
+          <a:solidFill>
+            <a:srgbClr val="FFFFFF">
+              <a:lumMod val="100000"/>
+              <a:alpha val="20000"/>
+            </a:srgbClr>
+          </a:solidFill>
+          <a:ln w="3175" cap="flat" cmpd="sng" algn="ctr">
+            <a:solidFill>
+              <a:srgbClr val="376FFF">
+                <a:lumMod val="100000"/>
+                <a:alpha val="20000"/>
+              </a:srgbClr>
+            </a:solidFill>
+            <a:prstDash val="solid"/>
+            <a:round/>
+            <a:headEnd type="none" w="med" len="med"/>
+            <a:tailEnd type="none" w="med" len="med"/>
+          </a:ln>
+          <a:effectLst/>
+        </p:spPr>
+        <p:txBody>
+          <a:bodyPr lIns="0" rIns="0" rtlCol="0" anchor="ctr">
+            <a:noAutofit/>
+          </a:bodyPr>
+          <a:p>
+            <a:pPr lvl="0" algn="ctr" defTabSz="914400">
+              <a:buClrTx/>
+              <a:buSzTx/>
+              <a:buFontTx/>
+            </a:pPr>
+            <a:endParaRPr lang="zh-CN" altLang="en-US" sz="1525">
+              <a:sym typeface="微软雅黑" panose="020B0503020204020204" pitchFamily="34" charset="-122"/>
+            </a:endParaRPr>
+          </a:p>
+        </p:txBody>
+      </p:sp>
+      <p:sp useBgFill="1">
+        <p:nvSpPr>
+          <p:cNvPr id="14" name="矩形: 圆角 13"/>
+          <p:cNvSpPr/>
+          <p:nvPr>
+            <p:custDataLst>
+              <p:tags r:id="rId3"/>
+            </p:custDataLst>
+          </p:nvPr>
+        </p:nvSpPr>
+        <p:spPr>
+          <a:xfrm>
+            <a:off x="4661875" y="2155764"/>
+            <a:ext cx="4126473" cy="1099760"/>
+          </a:xfrm>
+          <a:prstGeom prst="roundRect">
+            <a:avLst/>
+          </a:prstGeom>
+          <a:ln w="3175" cap="flat" cmpd="sng" algn="ctr">
+            <a:solidFill>
+              <a:srgbClr val="376FFF">
+                <a:lumMod val="100000"/>
+                <a:alpha val="20000"/>
+              </a:srgbClr>
+            </a:solidFill>
+            <a:prstDash val="solid"/>
+            <a:round/>
+            <a:headEnd type="none" w="med" len="med"/>
+            <a:tailEnd type="none" w="med" len="med"/>
+          </a:ln>
+          <a:effectLst>
+            <a:outerShdw blurRad="508000" dist="50800" dir="5400000" algn="ctr" rotWithShape="0">
+              <a:srgbClr val="376FFF">
+                <a:alpha val="20000"/>
+              </a:srgbClr>
+            </a:outerShdw>
+          </a:effectLst>
+        </p:spPr>
+        <p:txBody>
+          <a:bodyPr lIns="0" rIns="0" rtlCol="0" anchor="ctr">
+            <a:noAutofit/>
+          </a:bodyPr>
+          <a:p>
+            <a:pPr algn="ctr" defTabSz="914400"/>
+            <a:endParaRPr lang="zh-CN" altLang="en-US" sz="1525"/>
+          </a:p>
+        </p:txBody>
+      </p:sp>
+      <p:sp useBgFill="1">
+        <p:nvSpPr>
+          <p:cNvPr id="20" name="矩形: 圆角 25"/>
+          <p:cNvSpPr/>
+          <p:nvPr>
+            <p:custDataLst>
+              <p:tags r:id="rId4"/>
+            </p:custDataLst>
+          </p:nvPr>
+        </p:nvSpPr>
+        <p:spPr>
+          <a:xfrm>
+            <a:off x="4661875" y="2155764"/>
+            <a:ext cx="4126473" cy="1099760"/>
+          </a:xfrm>
+          <a:prstGeom prst="roundRect">
+            <a:avLst/>
+          </a:prstGeom>
+          <a:solidFill>
+            <a:srgbClr val="FFFFFF">
+              <a:lumMod val="100000"/>
+              <a:alpha val="20000"/>
+            </a:srgbClr>
+          </a:solidFill>
+          <a:ln w="3175" cap="flat" cmpd="sng" algn="ctr">
+            <a:solidFill>
+              <a:srgbClr val="376FFF">
+                <a:lumMod val="100000"/>
+                <a:alpha val="20000"/>
+              </a:srgbClr>
+            </a:solidFill>
+            <a:prstDash val="solid"/>
+            <a:round/>
+            <a:headEnd type="none" w="med" len="med"/>
+            <a:tailEnd type="none" w="med" len="med"/>
+          </a:ln>
+          <a:effectLst/>
+        </p:spPr>
+        <p:txBody>
+          <a:bodyPr lIns="0" rIns="0" rtlCol="0" anchor="ctr">
+            <a:noAutofit/>
+          </a:bodyPr>
+          <a:p>
+            <a:pPr lvl="0" algn="ctr" defTabSz="914400">
+              <a:buClrTx/>
+              <a:buSzTx/>
+              <a:buFontTx/>
+            </a:pPr>
+            <a:endParaRPr lang="zh-CN" altLang="en-US" sz="1525">
+              <a:sym typeface="微软雅黑" panose="020B0503020204020204" pitchFamily="34" charset="-122"/>
+            </a:endParaRPr>
+          </a:p>
+        </p:txBody>
+      </p:sp>
+      <p:sp useBgFill="1">
+        <p:nvSpPr>
+          <p:cNvPr id="4" name="矩形: 圆角 2"/>
+          <p:cNvSpPr/>
+          <p:nvPr>
+            <p:custDataLst>
+              <p:tags r:id="rId5"/>
+            </p:custDataLst>
+          </p:nvPr>
+        </p:nvSpPr>
+        <p:spPr>
+          <a:xfrm>
+            <a:off x="4661875" y="878285"/>
+            <a:ext cx="4126473" cy="1099760"/>
+          </a:xfrm>
+          <a:prstGeom prst="roundRect">
+            <a:avLst/>
+          </a:prstGeom>
+          <a:ln w="3175" cap="flat" cmpd="sng" algn="ctr">
+            <a:solidFill>
+              <a:srgbClr val="376FFF">
+                <a:lumMod val="100000"/>
+                <a:alpha val="20000"/>
+              </a:srgbClr>
+            </a:solidFill>
+            <a:prstDash val="solid"/>
+            <a:round/>
+            <a:headEnd type="none" w="med" len="med"/>
+            <a:tailEnd type="none" w="med" len="med"/>
+          </a:ln>
+          <a:effectLst>
+            <a:outerShdw blurRad="508000" dist="50800" dir="5400000" algn="ctr" rotWithShape="0">
+              <a:srgbClr val="376FFF">
+                <a:alpha val="20000"/>
+              </a:srgbClr>
+            </a:outerShdw>
+          </a:effectLst>
+        </p:spPr>
+        <p:txBody>
+          <a:bodyPr lIns="0" rIns="0" rtlCol="0" anchor="ctr">
+            <a:noAutofit/>
+          </a:bodyPr>
+          <a:p>
+            <a:pPr algn="ctr" defTabSz="914400"/>
+            <a:endParaRPr lang="zh-CN" altLang="en-US" sz="1525"/>
+          </a:p>
+        </p:txBody>
+      </p:sp>
+      <p:sp useBgFill="1">
+        <p:nvSpPr>
+          <p:cNvPr id="16" name="矩形: 圆角 25"/>
+          <p:cNvSpPr/>
+          <p:nvPr>
+            <p:custDataLst>
+              <p:tags r:id="rId6"/>
+            </p:custDataLst>
+          </p:nvPr>
+        </p:nvSpPr>
+        <p:spPr>
+          <a:xfrm>
+            <a:off x="4661875" y="878285"/>
+            <a:ext cx="4126473" cy="1099760"/>
+          </a:xfrm>
+          <a:prstGeom prst="roundRect">
+            <a:avLst/>
+          </a:prstGeom>
+          <a:solidFill>
+            <a:srgbClr val="FFFFFF">
+              <a:lumMod val="100000"/>
+              <a:alpha val="20000"/>
+            </a:srgbClr>
+          </a:solidFill>
+          <a:ln w="3175" cap="flat" cmpd="sng" algn="ctr">
+            <a:solidFill>
+              <a:srgbClr val="376FFF">
+                <a:lumMod val="100000"/>
+                <a:alpha val="20000"/>
+              </a:srgbClr>
+            </a:solidFill>
+            <a:prstDash val="solid"/>
+            <a:round/>
+            <a:headEnd type="none" w="med" len="med"/>
+            <a:tailEnd type="none" w="med" len="med"/>
+          </a:ln>
+          <a:effectLst/>
+        </p:spPr>
+        <p:txBody>
+          <a:bodyPr lIns="0" rIns="0" rtlCol="0" anchor="ctr">
+            <a:noAutofit/>
+          </a:bodyPr>
+          <a:p>
+            <a:pPr lvl="0" algn="ctr" defTabSz="914400">
+              <a:buClrTx/>
+              <a:buSzTx/>
+              <a:buFontTx/>
+            </a:pPr>
+            <a:endParaRPr lang="zh-CN" altLang="en-US" sz="1525">
+              <a:sym typeface="微软雅黑" panose="020B0503020204020204" pitchFamily="34" charset="-122"/>
+            </a:endParaRPr>
+          </a:p>
+        </p:txBody>
+      </p:sp>
+      <p:sp useBgFill="1">
+        <p:nvSpPr>
+          <p:cNvPr id="36" name="矩形: 圆角 35"/>
+          <p:cNvSpPr/>
+          <p:nvPr>
+            <p:custDataLst>
+              <p:tags r:id="rId7"/>
+            </p:custDataLst>
+          </p:nvPr>
+        </p:nvSpPr>
+        <p:spPr>
+          <a:xfrm>
+            <a:off x="295780" y="3433244"/>
+            <a:ext cx="4126473" cy="1099760"/>
+          </a:xfrm>
+          <a:prstGeom prst="roundRect">
+            <a:avLst/>
+          </a:prstGeom>
+          <a:ln w="3175" cap="flat" cmpd="sng" algn="ctr">
+            <a:solidFill>
+              <a:srgbClr val="376FFF">
+                <a:lumMod val="100000"/>
+                <a:alpha val="20000"/>
+              </a:srgbClr>
+            </a:solidFill>
+            <a:prstDash val="solid"/>
+            <a:round/>
+            <a:headEnd type="none" w="med" len="med"/>
+            <a:tailEnd type="none" w="med" len="med"/>
+          </a:ln>
+          <a:effectLst>
+            <a:outerShdw blurRad="508000" dist="50800" dir="5400000" algn="ctr" rotWithShape="0">
+              <a:srgbClr val="376FFF">
+                <a:alpha val="20000"/>
+              </a:srgbClr>
+            </a:outerShdw>
+          </a:effectLst>
+        </p:spPr>
+        <p:txBody>
+          <a:bodyPr lIns="0" rIns="0" rtlCol="0" anchor="ctr">
+            <a:noAutofit/>
+          </a:bodyPr>
+          <a:p>
+            <a:pPr algn="ctr" defTabSz="914400"/>
+            <a:endParaRPr lang="zh-CN" altLang="en-US" sz="1525"/>
+          </a:p>
+        </p:txBody>
+      </p:sp>
+      <p:sp useBgFill="1">
+        <p:nvSpPr>
+          <p:cNvPr id="9" name="矩形: 圆角 25"/>
+          <p:cNvSpPr/>
+          <p:nvPr>
+            <p:custDataLst>
+              <p:tags r:id="rId8"/>
+            </p:custDataLst>
+          </p:nvPr>
+        </p:nvSpPr>
+        <p:spPr>
+          <a:xfrm>
+            <a:off x="295780" y="3433244"/>
+            <a:ext cx="4126473" cy="1099760"/>
+          </a:xfrm>
+          <a:prstGeom prst="roundRect">
+            <a:avLst/>
+          </a:prstGeom>
+          <a:solidFill>
+            <a:srgbClr val="FFFFFF">
+              <a:lumMod val="100000"/>
+              <a:alpha val="20000"/>
+            </a:srgbClr>
+          </a:solidFill>
+          <a:ln w="3175" cap="flat" cmpd="sng" algn="ctr">
+            <a:solidFill>
+              <a:srgbClr val="376FFF">
+                <a:lumMod val="100000"/>
+                <a:alpha val="20000"/>
+              </a:srgbClr>
+            </a:solidFill>
+            <a:prstDash val="solid"/>
+            <a:round/>
+            <a:headEnd type="none" w="med" len="med"/>
+            <a:tailEnd type="none" w="med" len="med"/>
+          </a:ln>
+          <a:effectLst/>
+        </p:spPr>
+        <p:txBody>
+          <a:bodyPr lIns="0" rIns="0" rtlCol="0" anchor="ctr">
+            <a:noAutofit/>
+          </a:bodyPr>
+          <a:p>
+            <a:pPr lvl="0" algn="ctr" defTabSz="914400">
+              <a:buClrTx/>
+              <a:buSzTx/>
+              <a:buFontTx/>
+            </a:pPr>
+            <a:endParaRPr lang="zh-CN" altLang="en-US" sz="1525">
+              <a:sym typeface="微软雅黑" panose="020B0503020204020204" pitchFamily="34" charset="-122"/>
+            </a:endParaRPr>
+          </a:p>
+        </p:txBody>
+      </p:sp>
+      <p:sp useBgFill="1">
+        <p:nvSpPr>
+          <p:cNvPr id="31" name="矩形: 圆角 30"/>
+          <p:cNvSpPr/>
+          <p:nvPr>
+            <p:custDataLst>
+              <p:tags r:id="rId9"/>
+            </p:custDataLst>
+          </p:nvPr>
+        </p:nvSpPr>
+        <p:spPr>
+          <a:xfrm>
+            <a:off x="295780" y="2155764"/>
+            <a:ext cx="4126473" cy="1099760"/>
+          </a:xfrm>
+          <a:prstGeom prst="roundRect">
+            <a:avLst/>
+          </a:prstGeom>
+          <a:ln w="3175" cap="flat" cmpd="sng" algn="ctr">
+            <a:solidFill>
+              <a:srgbClr val="376FFF">
+                <a:lumMod val="100000"/>
+                <a:alpha val="20000"/>
+              </a:srgbClr>
+            </a:solidFill>
+            <a:prstDash val="solid"/>
+            <a:round/>
+            <a:headEnd type="none" w="med" len="med"/>
+            <a:tailEnd type="none" w="med" len="med"/>
+          </a:ln>
+          <a:effectLst>
+            <a:outerShdw blurRad="508000" dist="50800" dir="5400000" algn="ctr" rotWithShape="0">
+              <a:srgbClr val="376FFF">
+                <a:alpha val="20000"/>
+              </a:srgbClr>
+            </a:outerShdw>
+          </a:effectLst>
+        </p:spPr>
+        <p:txBody>
+          <a:bodyPr lIns="0" rIns="0" rtlCol="0" anchor="ctr">
+            <a:noAutofit/>
+          </a:bodyPr>
+          <a:p>
+            <a:pPr algn="ctr" defTabSz="914400"/>
+            <a:endParaRPr lang="zh-CN" altLang="en-US" sz="1525"/>
+          </a:p>
+        </p:txBody>
+      </p:sp>
+      <p:sp useBgFill="1">
+        <p:nvSpPr>
+          <p:cNvPr id="10" name="矩形: 圆角 25"/>
+          <p:cNvSpPr/>
+          <p:nvPr>
+            <p:custDataLst>
+              <p:tags r:id="rId10"/>
+            </p:custDataLst>
+          </p:nvPr>
+        </p:nvSpPr>
+        <p:spPr>
+          <a:xfrm>
+            <a:off x="295780" y="2155764"/>
+            <a:ext cx="4126473" cy="1099760"/>
+          </a:xfrm>
+          <a:prstGeom prst="roundRect">
+            <a:avLst/>
+          </a:prstGeom>
+          <a:solidFill>
+            <a:srgbClr val="FFFFFF">
+              <a:lumMod val="100000"/>
+              <a:alpha val="20000"/>
+            </a:srgbClr>
+          </a:solidFill>
+          <a:ln w="3175" cap="flat" cmpd="sng" algn="ctr">
+            <a:solidFill>
+              <a:srgbClr val="376FFF">
+                <a:lumMod val="100000"/>
+                <a:alpha val="20000"/>
+              </a:srgbClr>
+            </a:solidFill>
+            <a:prstDash val="solid"/>
+            <a:round/>
+            <a:headEnd type="none" w="med" len="med"/>
+            <a:tailEnd type="none" w="med" len="med"/>
+          </a:ln>
+          <a:effectLst/>
+        </p:spPr>
+        <p:txBody>
+          <a:bodyPr lIns="0" rIns="0" rtlCol="0" anchor="ctr">
+            <a:noAutofit/>
+          </a:bodyPr>
+          <a:p>
+            <a:pPr lvl="0" algn="ctr" defTabSz="914400">
+              <a:buClrTx/>
+              <a:buSzTx/>
+              <a:buFontTx/>
+            </a:pPr>
+            <a:endParaRPr lang="zh-CN" altLang="en-US" sz="1525">
+              <a:sym typeface="微软雅黑" panose="020B0503020204020204" pitchFamily="34" charset="-122"/>
+            </a:endParaRPr>
+          </a:p>
+        </p:txBody>
+      </p:sp>
+      <p:sp useBgFill="1">
+        <p:nvSpPr>
+          <p:cNvPr id="26" name="矩形: 圆角 25"/>
+          <p:cNvSpPr/>
+          <p:nvPr>
+            <p:custDataLst>
+              <p:tags r:id="rId11"/>
+            </p:custDataLst>
+          </p:nvPr>
+        </p:nvSpPr>
+        <p:spPr>
+          <a:xfrm>
+            <a:off x="295780" y="878285"/>
+            <a:ext cx="4126473" cy="1099760"/>
+          </a:xfrm>
+          <a:prstGeom prst="roundRect">
+            <a:avLst/>
+          </a:prstGeom>
+          <a:ln w="3175" cap="flat" cmpd="sng" algn="ctr">
+            <a:solidFill>
+              <a:srgbClr val="376FFF">
+                <a:lumMod val="100000"/>
+                <a:alpha val="20000"/>
+              </a:srgbClr>
+            </a:solidFill>
+            <a:prstDash val="solid"/>
+            <a:round/>
+            <a:headEnd type="none" w="med" len="med"/>
+            <a:tailEnd type="none" w="med" len="med"/>
+          </a:ln>
+          <a:effectLst>
+            <a:outerShdw blurRad="508000" dist="50800" dir="5400000" algn="ctr" rotWithShape="0">
+              <a:srgbClr val="376FFF">
+                <a:alpha val="20000"/>
+              </a:srgbClr>
+            </a:outerShdw>
+          </a:effectLst>
+        </p:spPr>
+        <p:txBody>
+          <a:bodyPr lIns="0" rIns="0" rtlCol="0" anchor="ctr">
+            <a:noAutofit/>
+          </a:bodyPr>
+          <a:p>
+            <a:pPr algn="ctr" defTabSz="914400"/>
+            <a:endParaRPr lang="zh-CN" altLang="en-US" sz="1525"/>
+          </a:p>
+        </p:txBody>
+      </p:sp>
+      <p:sp useBgFill="1">
+        <p:nvSpPr>
+          <p:cNvPr id="11" name="矩形: 圆角 25"/>
+          <p:cNvSpPr/>
+          <p:nvPr>
+            <p:custDataLst>
+              <p:tags r:id="rId12"/>
+            </p:custDataLst>
+          </p:nvPr>
+        </p:nvSpPr>
+        <p:spPr>
+          <a:xfrm>
+            <a:off x="295780" y="878285"/>
+            <a:ext cx="4126473" cy="1099760"/>
+          </a:xfrm>
+          <a:prstGeom prst="roundRect">
+            <a:avLst/>
+          </a:prstGeom>
+          <a:solidFill>
+            <a:srgbClr val="FFFFFF">
+              <a:lumMod val="100000"/>
+              <a:alpha val="20000"/>
+            </a:srgbClr>
+          </a:solidFill>
+          <a:ln w="3175" cap="flat" cmpd="sng" algn="ctr">
+            <a:solidFill>
+              <a:srgbClr val="376FFF">
+                <a:lumMod val="100000"/>
+                <a:alpha val="20000"/>
+              </a:srgbClr>
+            </a:solidFill>
+            <a:prstDash val="solid"/>
+            <a:round/>
+            <a:headEnd type="none" w="med" len="med"/>
+            <a:tailEnd type="none" w="med" len="med"/>
+          </a:ln>
+          <a:effectLst/>
+        </p:spPr>
+        <p:txBody>
+          <a:bodyPr lIns="0" rIns="0" rtlCol="0" anchor="ctr">
+            <a:noAutofit/>
+          </a:bodyPr>
+          <a:p>
+            <a:pPr lvl="0" algn="ctr" defTabSz="914400">
+              <a:buClrTx/>
+              <a:buSzTx/>
+              <a:buFontTx/>
+            </a:pPr>
+            <a:endParaRPr lang="zh-CN" altLang="en-US" sz="1525">
+              <a:sym typeface="微软雅黑" panose="020B0503020204020204" pitchFamily="34" charset="-122"/>
+            </a:endParaRPr>
+          </a:p>
+        </p:txBody>
+      </p:sp>
+      <p:sp>
+        <p:nvSpPr>
+          <p:cNvPr id="13" name="椭圆 12"/>
+          <p:cNvSpPr/>
+          <p:nvPr>
+            <p:custDataLst>
+              <p:tags r:id="rId13"/>
+            </p:custDataLst>
+          </p:nvPr>
+        </p:nvSpPr>
+        <p:spPr>
+          <a:xfrm>
+            <a:off x="4877034" y="1194785"/>
+            <a:ext cx="466762" cy="466762"/>
+          </a:xfrm>
+          <a:prstGeom prst="ellipse">
+            <a:avLst/>
+          </a:prstGeom>
+          <a:gradFill>
+            <a:gsLst>
+              <a:gs pos="0">
+                <a:srgbClr val="376FFF"/>
+              </a:gs>
+              <a:gs pos="100000">
+                <a:srgbClr val="376FFF">
+                  <a:lumMod val="75000"/>
+                </a:srgbClr>
+              </a:gs>
+            </a:gsLst>
+            <a:lin ang="7686814" scaled="0"/>
+          </a:gradFill>
+          <a:ln w="25400" cap="flat" cmpd="sng" algn="ctr">
+            <a:noFill/>
+            <a:prstDash val="solid"/>
+            <a:miter lim="800000"/>
+          </a:ln>
+          <a:effectLst>
+            <a:outerShdw blurRad="254000" dist="76200" dir="5399998" algn="ctr" rotWithShape="0">
+              <a:srgbClr val="376FFF">
+                <a:alpha val="25000"/>
+              </a:srgbClr>
+            </a:outerShdw>
+          </a:effectLst>
+        </p:spPr>
+        <p:txBody>
+          <a:bodyPr wrap="none" lIns="0" tIns="0" rIns="0" bIns="0" anchor="ctr" anchorCtr="0">
+            <a:normAutofit/>
+          </a:bodyPr>
+          <a:p>
+            <a:pPr algn="ctr" defTabSz="914400">
+              <a:spcBef>
+                <a:spcPct val="0"/>
+              </a:spcBef>
+              <a:spcAft>
+                <a:spcPct val="0"/>
+              </a:spcAft>
+            </a:pPr>
+            <a:r>
+              <a:rPr lang="en-US" altLang="zh-CN" sz="1945" b="1" dirty="0">
+                <a:solidFill>
+                  <a:srgbClr val="FFFFFF">
+                    <a:lumMod val="100000"/>
+                  </a:srgbClr>
+                </a:solidFill>
+                <a:latin typeface="微软雅黑" panose="020B0503020204020204" pitchFamily="34" charset="-122"/>
+                <a:ea typeface="微软雅黑" charset="0"/>
+                <a:cs typeface="微软雅黑" panose="020B0503020204020204" pitchFamily="34" charset="-122"/>
+              </a:rPr>
+              <a:t>02</a:t>
+            </a:r>
+            <a:endParaRPr lang="zh-CN" altLang="en-US" sz="1945" b="1" dirty="0">
+              <a:solidFill>
+                <a:srgbClr val="FFFFFF">
+                  <a:lumMod val="100000"/>
+                </a:srgbClr>
+              </a:solidFill>
+              <a:latin typeface="微软雅黑" panose="020B0503020204020204" pitchFamily="34" charset="-122"/>
+              <a:ea typeface="微软雅黑" charset="0"/>
+              <a:cs typeface="微软雅黑" panose="020B0503020204020204" pitchFamily="34" charset="-122"/>
+            </a:endParaRPr>
+          </a:p>
+        </p:txBody>
+      </p:sp>
+      <p:sp>
+        <p:nvSpPr>
+          <p:cNvPr id="17" name="矩形 16"/>
+          <p:cNvSpPr/>
+          <p:nvPr>
+            <p:custDataLst>
+              <p:tags r:id="rId14"/>
+            </p:custDataLst>
+          </p:nvPr>
+        </p:nvSpPr>
+        <p:spPr>
+          <a:xfrm>
+            <a:off x="5538987" y="1324579"/>
+            <a:ext cx="2997759" cy="579583"/>
+          </a:xfrm>
+          <a:prstGeom prst="rect">
+            <a:avLst/>
+          </a:prstGeom>
+          <a:noFill/>
+        </p:spPr>
+        <p:txBody>
+          <a:bodyPr wrap="square" lIns="0" tIns="0" rIns="0" bIns="0" rtlCol="0" anchor="t" anchorCtr="0">
+            <a:noAutofit/>
+          </a:bodyPr>
+          <a:p>
+            <a:pPr defTabSz="914400">
+              <a:lnSpc>
+                <a:spcPct val="150000"/>
+              </a:lnSpc>
+              <a:spcBef>
+                <a:spcPct val="0"/>
+              </a:spcBef>
+              <a:spcAft>
+                <a:spcPct val="0"/>
+              </a:spcAft>
+            </a:pPr>
+            <a:r>
+              <a:rPr lang="zh-CN" altLang="en-US" sz="1185" dirty="0">
+                <a:solidFill>
+                  <a:srgbClr val="000000">
+                    <a:lumMod val="85000"/>
+                    <a:lumOff val="15000"/>
+                  </a:srgbClr>
+                </a:solidFill>
+                <a:latin typeface="微软雅黑" panose="020B0503020204020204" pitchFamily="34" charset="-122"/>
+                <a:cs typeface="微软雅黑" panose="020B0503020204020204" pitchFamily="34" charset="-122"/>
+              </a:rPr>
+              <a:t>约</a:t>
+            </a:r>
+            <a:r>
+              <a:rPr lang="en-US" altLang="zh-CN" sz="1185" dirty="0">
+                <a:solidFill>
+                  <a:srgbClr val="000000">
+                    <a:lumMod val="85000"/>
+                    <a:lumOff val="15000"/>
+                  </a:srgbClr>
+                </a:solidFill>
+                <a:latin typeface="微软雅黑" panose="020B0503020204020204" pitchFamily="34" charset="-122"/>
+                <a:cs typeface="微软雅黑" panose="020B0503020204020204" pitchFamily="34" charset="-122"/>
+              </a:rPr>
+              <a:t> 11,000 </a:t>
+            </a:r>
+            <a:r>
+              <a:rPr lang="zh-CN" altLang="en-US" sz="1185" dirty="0">
+                <a:solidFill>
+                  <a:srgbClr val="000000">
+                    <a:lumMod val="85000"/>
+                    <a:lumOff val="15000"/>
+                  </a:srgbClr>
+                </a:solidFill>
+                <a:latin typeface="微软雅黑" panose="020B0503020204020204" pitchFamily="34" charset="-122"/>
+                <a:cs typeface="微软雅黑" panose="020B0503020204020204" pitchFamily="34" charset="-122"/>
+              </a:rPr>
+              <a:t>个仓库</a:t>
+            </a:r>
+            <a:r>
+              <a:rPr lang="en-US" altLang="zh-CN" sz="1185" dirty="0">
+                <a:solidFill>
+                  <a:srgbClr val="000000">
+                    <a:lumMod val="85000"/>
+                    <a:lumOff val="15000"/>
+                  </a:srgbClr>
+                </a:solidFill>
+                <a:latin typeface="微软雅黑" panose="020B0503020204020204" pitchFamily="34" charset="-122"/>
+                <a:cs typeface="微软雅黑" panose="020B0503020204020204" pitchFamily="34" charset="-122"/>
+              </a:rPr>
+              <a:t> </a:t>
+            </a:r>
+            <a:r>
+              <a:rPr lang="zh-CN" altLang="en-US" sz="1185" dirty="0">
+                <a:solidFill>
+                  <a:srgbClr val="000000">
+                    <a:lumMod val="85000"/>
+                    <a:lumOff val="15000"/>
+                  </a:srgbClr>
+                </a:solidFill>
+                <a:latin typeface="微软雅黑" panose="020B0503020204020204" pitchFamily="34" charset="-122"/>
+                <a:cs typeface="微软雅黑" panose="020B0503020204020204" pitchFamily="34" charset="-122"/>
+              </a:rPr>
+              <a:t>缺少</a:t>
+            </a:r>
+            <a:r>
+              <a:rPr lang="en-US" altLang="zh-CN" sz="1185" dirty="0">
+                <a:solidFill>
+                  <a:srgbClr val="000000">
+                    <a:lumMod val="85000"/>
+                    <a:lumOff val="15000"/>
+                  </a:srgbClr>
+                </a:solidFill>
+                <a:latin typeface="微软雅黑" panose="020B0503020204020204" pitchFamily="34" charset="-122"/>
+                <a:cs typeface="微软雅黑" panose="020B0503020204020204" pitchFamily="34" charset="-122"/>
+              </a:rPr>
+              <a:t> description </a:t>
+            </a:r>
+            <a:r>
+              <a:rPr lang="zh-CN" altLang="en-US" sz="1185" dirty="0">
+                <a:solidFill>
+                  <a:srgbClr val="000000">
+                    <a:lumMod val="85000"/>
+                    <a:lumOff val="15000"/>
+                  </a:srgbClr>
+                </a:solidFill>
+                <a:latin typeface="微软雅黑" panose="020B0503020204020204" pitchFamily="34" charset="-122"/>
+                <a:cs typeface="微软雅黑" panose="020B0503020204020204" pitchFamily="34" charset="-122"/>
+              </a:rPr>
+              <a:t>和</a:t>
+            </a:r>
+            <a:r>
+              <a:rPr lang="en-US" altLang="zh-CN" sz="1185" dirty="0">
+                <a:solidFill>
+                  <a:srgbClr val="000000">
+                    <a:lumMod val="85000"/>
+                    <a:lumOff val="15000"/>
+                  </a:srgbClr>
+                </a:solidFill>
+                <a:latin typeface="微软雅黑" panose="020B0503020204020204" pitchFamily="34" charset="-122"/>
+                <a:cs typeface="微软雅黑" panose="020B0503020204020204" pitchFamily="34" charset="-122"/>
+              </a:rPr>
+              <a:t> topic </a:t>
+            </a:r>
+            <a:r>
+              <a:rPr lang="zh-CN" altLang="en-US" sz="1185" dirty="0">
+                <a:solidFill>
+                  <a:srgbClr val="000000">
+                    <a:lumMod val="85000"/>
+                    <a:lumOff val="15000"/>
+                  </a:srgbClr>
+                </a:solidFill>
+                <a:latin typeface="微软雅黑" panose="020B0503020204020204" pitchFamily="34" charset="-122"/>
+                <a:cs typeface="微软雅黑" panose="020B0503020204020204" pitchFamily="34" charset="-122"/>
+              </a:rPr>
+              <a:t>信息，无法进行技术领域识别</a:t>
+            </a:r>
+            <a:endParaRPr lang="zh-CN" altLang="en-US" sz="1185" dirty="0">
+              <a:solidFill>
+                <a:srgbClr val="000000">
+                  <a:lumMod val="85000"/>
+                  <a:lumOff val="15000"/>
+                </a:srgbClr>
+              </a:solidFill>
+              <a:latin typeface="微软雅黑" panose="020B0503020204020204" pitchFamily="34" charset="-122"/>
+              <a:cs typeface="微软雅黑" panose="020B0503020204020204" pitchFamily="34" charset="-122"/>
+            </a:endParaRPr>
+          </a:p>
+        </p:txBody>
+      </p:sp>
+      <p:sp>
+        <p:nvSpPr>
+          <p:cNvPr id="18" name="矩形 17"/>
+          <p:cNvSpPr/>
+          <p:nvPr>
+            <p:custDataLst>
+              <p:tags r:id="rId15"/>
+            </p:custDataLst>
+          </p:nvPr>
+        </p:nvSpPr>
+        <p:spPr>
+          <a:xfrm>
+            <a:off x="5538488" y="951669"/>
+            <a:ext cx="2997759" cy="360929"/>
+          </a:xfrm>
+          <a:prstGeom prst="rect">
+            <a:avLst/>
+          </a:prstGeom>
+          <a:noFill/>
+        </p:spPr>
+        <p:txBody>
+          <a:bodyPr wrap="square" lIns="0" tIns="0" rIns="0" bIns="0" rtlCol="0" anchor="b" anchorCtr="0">
+            <a:noAutofit/>
+          </a:bodyPr>
+          <a:p>
+            <a:pPr defTabSz="914400">
+              <a:spcBef>
+                <a:spcPct val="0"/>
+              </a:spcBef>
+              <a:spcAft>
+                <a:spcPct val="0"/>
+              </a:spcAft>
+            </a:pPr>
+            <a:r>
+              <a:rPr lang="zh-CN" altLang="en-US" sz="1525" b="1" dirty="0">
+                <a:solidFill>
+                  <a:srgbClr val="000000">
+                    <a:lumMod val="85000"/>
+                    <a:lumOff val="15000"/>
+                  </a:srgbClr>
+                </a:solidFill>
+                <a:latin typeface="微软雅黑" panose="020B0503020204020204" pitchFamily="34" charset="-122"/>
+                <a:cs typeface="微软雅黑" panose="020B0503020204020204" pitchFamily="34" charset="-122"/>
+              </a:rPr>
+              <a:t>高影响力仓库中信息缺失现象显著</a:t>
+            </a:r>
+            <a:endParaRPr lang="zh-CN" altLang="en-US" sz="1525" b="1" dirty="0">
+              <a:solidFill>
+                <a:srgbClr val="000000">
+                  <a:lumMod val="85000"/>
+                  <a:lumOff val="15000"/>
+                </a:srgbClr>
+              </a:solidFill>
+              <a:latin typeface="微软雅黑" panose="020B0503020204020204" pitchFamily="34" charset="-122"/>
+              <a:cs typeface="微软雅黑" panose="020B0503020204020204" pitchFamily="34" charset="-122"/>
+            </a:endParaRPr>
+          </a:p>
+        </p:txBody>
+      </p:sp>
+      <p:sp>
+        <p:nvSpPr>
+          <p:cNvPr id="22" name="椭圆 21"/>
+          <p:cNvSpPr/>
+          <p:nvPr>
+            <p:custDataLst>
+              <p:tags r:id="rId16"/>
+            </p:custDataLst>
+          </p:nvPr>
+        </p:nvSpPr>
+        <p:spPr>
+          <a:xfrm>
+            <a:off x="4877034" y="2472264"/>
+            <a:ext cx="466762" cy="466762"/>
+          </a:xfrm>
+          <a:prstGeom prst="ellipse">
+            <a:avLst/>
+          </a:prstGeom>
+          <a:gradFill>
+            <a:gsLst>
+              <a:gs pos="0">
+                <a:srgbClr val="376FFF"/>
+              </a:gs>
+              <a:gs pos="100000">
+                <a:srgbClr val="376FFF">
+                  <a:lumMod val="75000"/>
+                </a:srgbClr>
+              </a:gs>
+            </a:gsLst>
+            <a:lin ang="7686814" scaled="0"/>
+          </a:gradFill>
+          <a:ln w="25400" cap="flat" cmpd="sng" algn="ctr">
+            <a:noFill/>
+            <a:prstDash val="solid"/>
+            <a:miter lim="800000"/>
+          </a:ln>
+          <a:effectLst>
+            <a:outerShdw blurRad="254000" dist="76200" dir="5399998" algn="ctr" rotWithShape="0">
+              <a:srgbClr val="376FFF">
+                <a:alpha val="25000"/>
+              </a:srgbClr>
+            </a:outerShdw>
+          </a:effectLst>
+        </p:spPr>
+        <p:txBody>
+          <a:bodyPr vertOverflow="overflow" horzOverflow="overflow" vert="horz" wrap="none" lIns="0" tIns="0" rIns="0" bIns="0" numCol="1" spcCol="0" rtlCol="0" fromWordArt="0" anchor="ctr" anchorCtr="0" forceAA="0" compatLnSpc="1">
+            <a:normAutofit/>
+          </a:bodyPr>
+          <a:p>
+            <a:pPr algn="ctr" defTabSz="914400">
+              <a:spcBef>
+                <a:spcPct val="0"/>
+              </a:spcBef>
+              <a:spcAft>
+                <a:spcPct val="0"/>
+              </a:spcAft>
+            </a:pPr>
+            <a:r>
+              <a:rPr lang="en-US" altLang="zh-CN" sz="1945" b="1">
+                <a:solidFill>
+                  <a:srgbClr val="FFFFFF">
+                    <a:lumMod val="100000"/>
+                  </a:srgbClr>
+                </a:solidFill>
+                <a:latin typeface="微软雅黑" panose="020B0503020204020204" pitchFamily="34" charset="-122"/>
+                <a:ea typeface="微软雅黑" charset="0"/>
+                <a:cs typeface="微软雅黑" panose="020B0503020204020204" pitchFamily="34" charset="-122"/>
+              </a:rPr>
+              <a:t>04</a:t>
+            </a:r>
+            <a:endParaRPr lang="zh-CN" altLang="en-US" sz="1945" b="1">
+              <a:solidFill>
+                <a:srgbClr val="FFFFFF">
+                  <a:lumMod val="100000"/>
+                </a:srgbClr>
+              </a:solidFill>
+              <a:latin typeface="微软雅黑" panose="020B0503020204020204" pitchFamily="34" charset="-122"/>
+              <a:ea typeface="微软雅黑" charset="0"/>
+              <a:cs typeface="微软雅黑" panose="020B0503020204020204" pitchFamily="34" charset="-122"/>
+            </a:endParaRPr>
+          </a:p>
+        </p:txBody>
+      </p:sp>
+      <p:sp>
+        <p:nvSpPr>
+          <p:cNvPr id="23" name="矩形 22"/>
+          <p:cNvSpPr/>
+          <p:nvPr>
+            <p:custDataLst>
+              <p:tags r:id="rId17"/>
+            </p:custDataLst>
+          </p:nvPr>
+        </p:nvSpPr>
+        <p:spPr>
+          <a:xfrm>
+            <a:off x="5538987" y="2595070"/>
+            <a:ext cx="2997759" cy="579583"/>
+          </a:xfrm>
+          <a:prstGeom prst="rect">
+            <a:avLst/>
+          </a:prstGeom>
+          <a:noFill/>
+        </p:spPr>
+        <p:txBody>
+          <a:bodyPr wrap="square" lIns="0" tIns="0" rIns="0" bIns="0" rtlCol="0" anchor="t" anchorCtr="0">
+            <a:noAutofit/>
+          </a:bodyPr>
+          <a:p>
+            <a:pPr defTabSz="914400">
+              <a:lnSpc>
+                <a:spcPct val="150000"/>
+              </a:lnSpc>
+              <a:spcBef>
+                <a:spcPct val="0"/>
+              </a:spcBef>
+              <a:spcAft>
+                <a:spcPct val="0"/>
+              </a:spcAft>
+            </a:pPr>
+            <a:r>
+              <a:rPr lang="zh-CN" altLang="en-US" sz="1185" dirty="0">
+                <a:solidFill>
+                  <a:srgbClr val="000000">
+                    <a:lumMod val="85000"/>
+                    <a:lumOff val="15000"/>
+                  </a:srgbClr>
+                </a:solidFill>
+                <a:latin typeface="微软雅黑" panose="020B0503020204020204" pitchFamily="34" charset="-122"/>
+                <a:cs typeface="微软雅黑" panose="020B0503020204020204" pitchFamily="34" charset="-122"/>
+              </a:rPr>
+              <a:t>应用与解决方案（</a:t>
+            </a:r>
+            <a:r>
+              <a:rPr lang="en-US" altLang="zh-CN" sz="1185" dirty="0">
+                <a:solidFill>
+                  <a:srgbClr val="000000">
+                    <a:lumMod val="85000"/>
+                    <a:lumOff val="15000"/>
+                  </a:srgbClr>
+                </a:solidFill>
+                <a:latin typeface="微软雅黑" panose="020B0503020204020204" pitchFamily="34" charset="-122"/>
+                <a:cs typeface="微软雅黑" panose="020B0503020204020204" pitchFamily="34" charset="-122"/>
+              </a:rPr>
+              <a:t>1,492</a:t>
+            </a:r>
+            <a:r>
+              <a:rPr lang="zh-CN" altLang="en-US" sz="1185" dirty="0">
+                <a:solidFill>
+                  <a:srgbClr val="000000">
+                    <a:lumMod val="85000"/>
+                    <a:lumOff val="15000"/>
+                  </a:srgbClr>
+                </a:solidFill>
+                <a:latin typeface="微软雅黑" panose="020B0503020204020204" pitchFamily="34" charset="-122"/>
+                <a:cs typeface="微软雅黑" panose="020B0503020204020204" pitchFamily="34" charset="-122"/>
+              </a:rPr>
+              <a:t>）编程语言与开发（</a:t>
+            </a:r>
+            <a:r>
+              <a:rPr lang="en-US" altLang="zh-CN" sz="1185" dirty="0">
+                <a:solidFill>
+                  <a:srgbClr val="000000">
+                    <a:lumMod val="85000"/>
+                    <a:lumOff val="15000"/>
+                  </a:srgbClr>
+                </a:solidFill>
+                <a:latin typeface="微软雅黑" panose="020B0503020204020204" pitchFamily="34" charset="-122"/>
+                <a:cs typeface="微软雅黑" panose="020B0503020204020204" pitchFamily="34" charset="-122"/>
+              </a:rPr>
+              <a:t>1,375</a:t>
+            </a:r>
+            <a:r>
+              <a:rPr lang="zh-CN" altLang="en-US" sz="1185" dirty="0">
+                <a:solidFill>
+                  <a:srgbClr val="000000">
+                    <a:lumMod val="85000"/>
+                    <a:lumOff val="15000"/>
+                  </a:srgbClr>
+                </a:solidFill>
+                <a:latin typeface="微软雅黑" panose="020B0503020204020204" pitchFamily="34" charset="-122"/>
+                <a:cs typeface="微软雅黑" panose="020B0503020204020204" pitchFamily="34" charset="-122"/>
+              </a:rPr>
+              <a:t>）</a:t>
+            </a:r>
+            <a:r>
+              <a:rPr lang="zh-CN" altLang="en-US" sz="1185" dirty="0">
+                <a:solidFill>
+                  <a:srgbClr val="000000">
+                    <a:lumMod val="85000"/>
+                    <a:lumOff val="15000"/>
+                  </a:srgbClr>
+                </a:solidFill>
+                <a:latin typeface="微软雅黑" panose="020B0503020204020204" pitchFamily="34" charset="-122"/>
+                <a:cs typeface="微软雅黑" panose="020B0503020204020204" pitchFamily="34" charset="-122"/>
+                <a:sym typeface="+mn-ea"/>
+              </a:rPr>
+              <a:t>区块链与</a:t>
+            </a:r>
+            <a:r>
+              <a:rPr lang="en-US" altLang="zh-CN" sz="1185" dirty="0">
+                <a:solidFill>
+                  <a:srgbClr val="000000">
+                    <a:lumMod val="85000"/>
+                    <a:lumOff val="15000"/>
+                  </a:srgbClr>
+                </a:solidFill>
+                <a:latin typeface="微软雅黑" panose="020B0503020204020204" pitchFamily="34" charset="-122"/>
+                <a:cs typeface="微软雅黑" panose="020B0503020204020204" pitchFamily="34" charset="-122"/>
+                <a:sym typeface="+mn-ea"/>
+              </a:rPr>
+              <a:t> Web3</a:t>
+            </a:r>
+            <a:r>
+              <a:rPr lang="zh-CN" altLang="en-US" sz="1185" dirty="0">
+                <a:solidFill>
+                  <a:srgbClr val="000000">
+                    <a:lumMod val="85000"/>
+                    <a:lumOff val="15000"/>
+                  </a:srgbClr>
+                </a:solidFill>
+                <a:latin typeface="微软雅黑" panose="020B0503020204020204" pitchFamily="34" charset="-122"/>
+                <a:cs typeface="微软雅黑" panose="020B0503020204020204" pitchFamily="34" charset="-122"/>
+                <a:sym typeface="+mn-ea"/>
+              </a:rPr>
+              <a:t>（</a:t>
+            </a:r>
+            <a:r>
+              <a:rPr lang="en-US" altLang="zh-CN" sz="1185" dirty="0">
+                <a:solidFill>
+                  <a:srgbClr val="000000">
+                    <a:lumMod val="85000"/>
+                    <a:lumOff val="15000"/>
+                  </a:srgbClr>
+                </a:solidFill>
+                <a:latin typeface="微软雅黑" panose="020B0503020204020204" pitchFamily="34" charset="-122"/>
+                <a:cs typeface="微软雅黑" panose="020B0503020204020204" pitchFamily="34" charset="-122"/>
+                <a:sym typeface="+mn-ea"/>
+              </a:rPr>
+              <a:t>1,086</a:t>
+            </a:r>
+            <a:r>
+              <a:rPr lang="zh-CN" altLang="en-US" sz="1185" dirty="0">
+                <a:solidFill>
+                  <a:srgbClr val="000000">
+                    <a:lumMod val="85000"/>
+                    <a:lumOff val="15000"/>
+                  </a:srgbClr>
+                </a:solidFill>
+                <a:latin typeface="微软雅黑" panose="020B0503020204020204" pitchFamily="34" charset="-122"/>
+                <a:cs typeface="微软雅黑" panose="020B0503020204020204" pitchFamily="34" charset="-122"/>
+                <a:sym typeface="+mn-ea"/>
+              </a:rPr>
+              <a:t>）</a:t>
+            </a:r>
+            <a:endParaRPr lang="zh-CN" altLang="en-US" sz="1185" dirty="0">
+              <a:solidFill>
+                <a:srgbClr val="000000">
+                  <a:lumMod val="85000"/>
+                  <a:lumOff val="15000"/>
+                </a:srgbClr>
+              </a:solidFill>
+              <a:latin typeface="微软雅黑" panose="020B0503020204020204" pitchFamily="34" charset="-122"/>
+              <a:cs typeface="微软雅黑" panose="020B0503020204020204" pitchFamily="34" charset="-122"/>
+            </a:endParaRPr>
+          </a:p>
+          <a:p>
+            <a:pPr defTabSz="914400">
+              <a:lnSpc>
+                <a:spcPct val="150000"/>
+              </a:lnSpc>
+              <a:spcBef>
+                <a:spcPct val="0"/>
+              </a:spcBef>
+              <a:spcAft>
+                <a:spcPct val="0"/>
+              </a:spcAft>
+            </a:pPr>
+            <a:endParaRPr lang="en-US" altLang="zh-CN" sz="1185" dirty="0">
+              <a:solidFill>
+                <a:srgbClr val="000000">
+                  <a:lumMod val="85000"/>
+                  <a:lumOff val="15000"/>
+                </a:srgbClr>
+              </a:solidFill>
+              <a:latin typeface="微软雅黑" panose="020B0503020204020204" pitchFamily="34" charset="-122"/>
+              <a:cs typeface="微软雅黑" panose="020B0503020204020204" pitchFamily="34" charset="-122"/>
+            </a:endParaRPr>
+          </a:p>
+          <a:p>
+            <a:pPr defTabSz="914400">
+              <a:lnSpc>
+                <a:spcPct val="150000"/>
+              </a:lnSpc>
+              <a:spcBef>
+                <a:spcPct val="0"/>
+              </a:spcBef>
+              <a:spcAft>
+                <a:spcPct val="0"/>
+              </a:spcAft>
+            </a:pPr>
+            <a:endParaRPr lang="zh-CN" altLang="en-US" sz="1185" dirty="0">
+              <a:solidFill>
+                <a:srgbClr val="000000">
+                  <a:lumMod val="85000"/>
+                  <a:lumOff val="15000"/>
+                </a:srgbClr>
+              </a:solidFill>
+              <a:latin typeface="微软雅黑" panose="020B0503020204020204" pitchFamily="34" charset="-122"/>
+              <a:cs typeface="微软雅黑" panose="020B0503020204020204" pitchFamily="34" charset="-122"/>
+            </a:endParaRPr>
+          </a:p>
+        </p:txBody>
+      </p:sp>
+      <p:sp>
+        <p:nvSpPr>
+          <p:cNvPr id="24" name="矩形 23"/>
+          <p:cNvSpPr/>
+          <p:nvPr>
+            <p:custDataLst>
+              <p:tags r:id="rId18"/>
+            </p:custDataLst>
+          </p:nvPr>
+        </p:nvSpPr>
+        <p:spPr>
+          <a:xfrm>
+            <a:off x="5538488" y="2222159"/>
+            <a:ext cx="2997759" cy="360929"/>
+          </a:xfrm>
+          <a:prstGeom prst="rect">
+            <a:avLst/>
+          </a:prstGeom>
+          <a:noFill/>
+        </p:spPr>
+        <p:txBody>
+          <a:bodyPr wrap="square" lIns="0" tIns="0" rIns="0" bIns="0" rtlCol="0" anchor="b" anchorCtr="0">
+            <a:noAutofit/>
+          </a:bodyPr>
+          <a:p>
+            <a:pPr defTabSz="914400">
+              <a:spcBef>
+                <a:spcPct val="0"/>
+              </a:spcBef>
+              <a:spcAft>
+                <a:spcPct val="0"/>
+              </a:spcAft>
+            </a:pPr>
+            <a:r>
+              <a:rPr lang="zh-CN" altLang="en-US" sz="1525" b="1" dirty="0">
+                <a:solidFill>
+                  <a:srgbClr val="000000">
+                    <a:lumMod val="85000"/>
+                    <a:lumOff val="15000"/>
+                  </a:srgbClr>
+                </a:solidFill>
+                <a:latin typeface="微软雅黑" panose="020B0503020204020204" pitchFamily="34" charset="-122"/>
+                <a:cs typeface="微软雅黑" panose="020B0503020204020204" pitchFamily="34" charset="-122"/>
+              </a:rPr>
+              <a:t>中等规模技术领域形成稳定支撑层</a:t>
+            </a:r>
+            <a:endParaRPr lang="zh-CN" altLang="en-US" sz="1525" b="1" dirty="0">
+              <a:solidFill>
+                <a:srgbClr val="000000">
+                  <a:lumMod val="85000"/>
+                  <a:lumOff val="15000"/>
+                </a:srgbClr>
+              </a:solidFill>
+              <a:latin typeface="微软雅黑" panose="020B0503020204020204" pitchFamily="34" charset="-122"/>
+              <a:cs typeface="微软雅黑" panose="020B0503020204020204" pitchFamily="34" charset="-122"/>
+            </a:endParaRPr>
+          </a:p>
+        </p:txBody>
+      </p:sp>
+      <p:sp>
+        <p:nvSpPr>
+          <p:cNvPr id="25" name="椭圆 24"/>
+          <p:cNvSpPr/>
+          <p:nvPr>
+            <p:custDataLst>
+              <p:tags r:id="rId19"/>
+            </p:custDataLst>
+          </p:nvPr>
+        </p:nvSpPr>
+        <p:spPr>
+          <a:xfrm>
+            <a:off x="4877034" y="3749744"/>
+            <a:ext cx="466762" cy="466762"/>
+          </a:xfrm>
+          <a:prstGeom prst="ellipse">
+            <a:avLst/>
+          </a:prstGeom>
+          <a:gradFill>
+            <a:gsLst>
+              <a:gs pos="0">
+                <a:srgbClr val="376FFF"/>
+              </a:gs>
+              <a:gs pos="100000">
+                <a:srgbClr val="376FFF">
+                  <a:lumMod val="75000"/>
+                </a:srgbClr>
+              </a:gs>
+            </a:gsLst>
+            <a:lin ang="7686814" scaled="0"/>
+          </a:gradFill>
+          <a:ln w="25400" cap="flat" cmpd="sng" algn="ctr">
+            <a:noFill/>
+            <a:prstDash val="solid"/>
+            <a:miter lim="800000"/>
+          </a:ln>
+          <a:effectLst>
+            <a:outerShdw blurRad="254000" dist="76200" dir="5399998" algn="ctr" rotWithShape="0">
+              <a:srgbClr val="376FFF">
+                <a:alpha val="25000"/>
+              </a:srgbClr>
+            </a:outerShdw>
+          </a:effectLst>
+        </p:spPr>
+        <p:txBody>
+          <a:bodyPr vertOverflow="overflow" horzOverflow="overflow" vert="horz" wrap="none" lIns="0" tIns="0" rIns="0" bIns="0" numCol="1" spcCol="0" rtlCol="0" fromWordArt="0" anchor="ctr" anchorCtr="0" forceAA="0" compatLnSpc="1">
+            <a:normAutofit/>
+          </a:bodyPr>
+          <a:p>
+            <a:pPr algn="ctr" defTabSz="914400">
+              <a:spcBef>
+                <a:spcPct val="0"/>
+              </a:spcBef>
+              <a:spcAft>
+                <a:spcPct val="0"/>
+              </a:spcAft>
+            </a:pPr>
+            <a:r>
+              <a:rPr lang="en-US" altLang="zh-CN" sz="1945" b="1">
+                <a:solidFill>
+                  <a:srgbClr val="FFFFFF">
+                    <a:lumMod val="100000"/>
+                  </a:srgbClr>
+                </a:solidFill>
+                <a:latin typeface="微软雅黑" panose="020B0503020204020204" pitchFamily="34" charset="-122"/>
+                <a:ea typeface="微软雅黑" charset="0"/>
+                <a:cs typeface="微软雅黑" panose="020B0503020204020204" pitchFamily="34" charset="-122"/>
+              </a:rPr>
+              <a:t>06</a:t>
+            </a:r>
+            <a:endParaRPr lang="zh-CN" altLang="en-US" sz="1945" b="1">
+              <a:solidFill>
+                <a:srgbClr val="FFFFFF">
+                  <a:lumMod val="100000"/>
+                </a:srgbClr>
+              </a:solidFill>
+              <a:latin typeface="微软雅黑" panose="020B0503020204020204" pitchFamily="34" charset="-122"/>
+              <a:ea typeface="微软雅黑" charset="0"/>
+              <a:cs typeface="微软雅黑" panose="020B0503020204020204" pitchFamily="34" charset="-122"/>
+            </a:endParaRPr>
+          </a:p>
+        </p:txBody>
+      </p:sp>
+      <p:sp>
+        <p:nvSpPr>
+          <p:cNvPr id="27" name="矩形 26"/>
+          <p:cNvSpPr/>
+          <p:nvPr>
+            <p:custDataLst>
+              <p:tags r:id="rId20"/>
+            </p:custDataLst>
+          </p:nvPr>
+        </p:nvSpPr>
+        <p:spPr>
+          <a:xfrm>
+            <a:off x="5538987" y="3879538"/>
+            <a:ext cx="2997759" cy="579583"/>
+          </a:xfrm>
+          <a:prstGeom prst="rect">
+            <a:avLst/>
+          </a:prstGeom>
+          <a:noFill/>
+        </p:spPr>
+        <p:txBody>
+          <a:bodyPr wrap="square" lIns="0" tIns="0" rIns="0" bIns="0" rtlCol="0" anchor="t" anchorCtr="0">
+            <a:noAutofit/>
+          </a:bodyPr>
+          <a:p>
+            <a:pPr defTabSz="914400">
+              <a:lnSpc>
+                <a:spcPct val="150000"/>
+              </a:lnSpc>
+              <a:spcBef>
+                <a:spcPct val="0"/>
+              </a:spcBef>
+              <a:spcAft>
+                <a:spcPct val="0"/>
+              </a:spcAft>
+            </a:pPr>
+            <a:r>
+              <a:rPr lang="zh-CN" altLang="en-US" sz="1185" dirty="0">
+                <a:solidFill>
+                  <a:srgbClr val="000000">
+                    <a:lumMod val="85000"/>
+                    <a:lumOff val="15000"/>
+                  </a:srgbClr>
+                </a:solidFill>
+                <a:latin typeface="微软雅黑" panose="020B0503020204020204" pitchFamily="34" charset="-122"/>
+                <a:cs typeface="微软雅黑" panose="020B0503020204020204" pitchFamily="34" charset="-122"/>
+              </a:rPr>
+              <a:t>单个仓库可同时命中多个技术领域标签</a:t>
+            </a:r>
+            <a:endParaRPr lang="zh-CN" altLang="en-US" sz="1185" dirty="0">
+              <a:solidFill>
+                <a:srgbClr val="000000">
+                  <a:lumMod val="85000"/>
+                  <a:lumOff val="15000"/>
+                </a:srgbClr>
+              </a:solidFill>
+              <a:latin typeface="微软雅黑" panose="020B0503020204020204" pitchFamily="34" charset="-122"/>
+              <a:cs typeface="微软雅黑" panose="020B0503020204020204" pitchFamily="34" charset="-122"/>
+            </a:endParaRPr>
+          </a:p>
+        </p:txBody>
+      </p:sp>
+      <p:sp>
+        <p:nvSpPr>
+          <p:cNvPr id="28" name="矩形 27"/>
+          <p:cNvSpPr/>
+          <p:nvPr>
+            <p:custDataLst>
+              <p:tags r:id="rId21"/>
+            </p:custDataLst>
+          </p:nvPr>
+        </p:nvSpPr>
+        <p:spPr>
+          <a:xfrm>
+            <a:off x="5538488" y="3506628"/>
+            <a:ext cx="2997759" cy="360929"/>
+          </a:xfrm>
+          <a:prstGeom prst="rect">
+            <a:avLst/>
+          </a:prstGeom>
+          <a:noFill/>
+        </p:spPr>
+        <p:txBody>
+          <a:bodyPr wrap="square" lIns="0" tIns="0" rIns="0" bIns="0" rtlCol="0" anchor="b" anchorCtr="0">
+            <a:noAutofit/>
+          </a:bodyPr>
+          <a:p>
+            <a:pPr defTabSz="914400">
+              <a:spcBef>
+                <a:spcPct val="0"/>
+              </a:spcBef>
+              <a:spcAft>
+                <a:spcPct val="0"/>
+              </a:spcAft>
+            </a:pPr>
+            <a:r>
+              <a:rPr lang="zh-CN" altLang="en-US" sz="1525" b="1" dirty="0">
+                <a:solidFill>
+                  <a:srgbClr val="000000">
+                    <a:lumMod val="85000"/>
+                    <a:lumOff val="15000"/>
+                  </a:srgbClr>
+                </a:solidFill>
+                <a:latin typeface="微软雅黑" panose="020B0503020204020204" pitchFamily="34" charset="-122"/>
+                <a:cs typeface="微软雅黑" panose="020B0503020204020204" pitchFamily="34" charset="-122"/>
+              </a:rPr>
+              <a:t>多标签机制更符合真实技术生态</a:t>
+            </a:r>
+            <a:endParaRPr lang="zh-CN" altLang="en-US" sz="1525" b="1" dirty="0">
+              <a:solidFill>
+                <a:srgbClr val="000000">
+                  <a:lumMod val="85000"/>
+                  <a:lumOff val="15000"/>
+                </a:srgbClr>
+              </a:solidFill>
+              <a:latin typeface="微软雅黑" panose="020B0503020204020204" pitchFamily="34" charset="-122"/>
+              <a:cs typeface="微软雅黑" panose="020B0503020204020204" pitchFamily="34" charset="-122"/>
+            </a:endParaRPr>
+          </a:p>
+        </p:txBody>
+      </p:sp>
+      <p:sp>
+        <p:nvSpPr>
+          <p:cNvPr id="29" name="椭圆 28"/>
+          <p:cNvSpPr/>
+          <p:nvPr>
+            <p:custDataLst>
+              <p:tags r:id="rId22"/>
+            </p:custDataLst>
+          </p:nvPr>
+        </p:nvSpPr>
+        <p:spPr>
+          <a:xfrm>
+            <a:off x="510440" y="1194785"/>
+            <a:ext cx="466762" cy="466762"/>
+          </a:xfrm>
+          <a:prstGeom prst="ellipse">
+            <a:avLst/>
+          </a:prstGeom>
+          <a:gradFill>
+            <a:gsLst>
+              <a:gs pos="0">
+                <a:srgbClr val="376FFF"/>
+              </a:gs>
+              <a:gs pos="100000">
+                <a:srgbClr val="376FFF">
+                  <a:lumMod val="75000"/>
+                </a:srgbClr>
+              </a:gs>
+            </a:gsLst>
+            <a:lin ang="7686814" scaled="0"/>
+          </a:gradFill>
+          <a:ln w="25400" cap="flat" cmpd="sng" algn="ctr">
+            <a:noFill/>
+            <a:prstDash val="solid"/>
+            <a:miter lim="800000"/>
+          </a:ln>
+          <a:effectLst>
+            <a:outerShdw blurRad="254000" dist="76200" dir="5399998" algn="ctr" rotWithShape="0">
+              <a:srgbClr val="376FFF">
+                <a:alpha val="25000"/>
+              </a:srgbClr>
+            </a:outerShdw>
+          </a:effectLst>
+        </p:spPr>
+        <p:txBody>
+          <a:bodyPr wrap="none" lIns="0" tIns="0" rIns="0" bIns="0" anchor="ctr" anchorCtr="0">
+            <a:normAutofit/>
+          </a:bodyPr>
+          <a:p>
+            <a:pPr algn="ctr" defTabSz="914400">
+              <a:spcBef>
+                <a:spcPct val="0"/>
+              </a:spcBef>
+              <a:spcAft>
+                <a:spcPct val="0"/>
+              </a:spcAft>
+            </a:pPr>
+            <a:r>
+              <a:rPr lang="en-US" altLang="zh-CN" sz="1945" b="1" dirty="0">
+                <a:solidFill>
+                  <a:srgbClr val="FFFFFF">
+                    <a:lumMod val="100000"/>
+                  </a:srgbClr>
+                </a:solidFill>
+                <a:latin typeface="微软雅黑" panose="020B0503020204020204" pitchFamily="34" charset="-122"/>
+                <a:ea typeface="微软雅黑" charset="0"/>
+                <a:cs typeface="微软雅黑" panose="020B0503020204020204" pitchFamily="34" charset="-122"/>
+              </a:rPr>
+              <a:t>01</a:t>
+            </a:r>
+            <a:endParaRPr lang="zh-CN" altLang="en-US" sz="1945" b="1" dirty="0">
+              <a:solidFill>
+                <a:srgbClr val="FFFFFF">
+                  <a:lumMod val="100000"/>
+                </a:srgbClr>
+              </a:solidFill>
+              <a:latin typeface="微软雅黑" panose="020B0503020204020204" pitchFamily="34" charset="-122"/>
+              <a:ea typeface="微软雅黑" charset="0"/>
+              <a:cs typeface="微软雅黑" panose="020B0503020204020204" pitchFamily="34" charset="-122"/>
+            </a:endParaRPr>
+          </a:p>
+        </p:txBody>
+      </p:sp>
+      <p:sp>
+        <p:nvSpPr>
+          <p:cNvPr id="30" name="矩形 29"/>
+          <p:cNvSpPr/>
+          <p:nvPr>
+            <p:custDataLst>
+              <p:tags r:id="rId23"/>
+            </p:custDataLst>
+          </p:nvPr>
+        </p:nvSpPr>
+        <p:spPr>
+          <a:xfrm>
+            <a:off x="1172394" y="1324579"/>
+            <a:ext cx="3003999" cy="579583"/>
+          </a:xfrm>
+          <a:prstGeom prst="rect">
+            <a:avLst/>
+          </a:prstGeom>
+          <a:noFill/>
+        </p:spPr>
+        <p:txBody>
+          <a:bodyPr wrap="square" lIns="0" tIns="0" rIns="0" bIns="0" rtlCol="0" anchor="t" anchorCtr="0">
+            <a:noAutofit/>
+          </a:bodyPr>
+          <a:p>
+            <a:pPr defTabSz="914400">
+              <a:lnSpc>
+                <a:spcPct val="150000"/>
+              </a:lnSpc>
+              <a:spcBef>
+                <a:spcPct val="0"/>
+              </a:spcBef>
+              <a:spcAft>
+                <a:spcPct val="0"/>
+              </a:spcAft>
+            </a:pPr>
+            <a:r>
+              <a:rPr lang="zh-CN" altLang="en-US" sz="1185" dirty="0">
+                <a:solidFill>
+                  <a:srgbClr val="000000">
+                    <a:lumMod val="85000"/>
+                    <a:lumOff val="15000"/>
+                  </a:srgbClr>
+                </a:solidFill>
+                <a:latin typeface="微软雅黑" panose="020B0503020204020204" pitchFamily="34" charset="-122"/>
+                <a:cs typeface="微软雅黑" panose="020B0503020204020204" pitchFamily="34" charset="-122"/>
+              </a:rPr>
+              <a:t>以</a:t>
+            </a:r>
+            <a:r>
+              <a:rPr lang="en-US" altLang="zh-CN" sz="1185" dirty="0">
+                <a:solidFill>
+                  <a:srgbClr val="000000">
+                    <a:lumMod val="85000"/>
+                    <a:lumOff val="15000"/>
+                  </a:srgbClr>
+                </a:solidFill>
+                <a:latin typeface="微软雅黑" panose="020B0503020204020204" pitchFamily="34" charset="-122"/>
+                <a:cs typeface="微软雅黑" panose="020B0503020204020204" pitchFamily="34" charset="-122"/>
+              </a:rPr>
+              <a:t> 2024.06.30 – 2025.07.01 </a:t>
+            </a:r>
+            <a:r>
+              <a:rPr lang="zh-CN" altLang="en-US" sz="1185" dirty="0">
+                <a:solidFill>
+                  <a:srgbClr val="000000">
+                    <a:lumMod val="85000"/>
+                    <a:lumOff val="15000"/>
+                  </a:srgbClr>
+                </a:solidFill>
+                <a:latin typeface="微软雅黑" panose="020B0503020204020204" pitchFamily="34" charset="-122"/>
+                <a:cs typeface="微软雅黑" panose="020B0503020204020204" pitchFamily="34" charset="-122"/>
+              </a:rPr>
+              <a:t>时间窗口内仓库的</a:t>
+            </a:r>
+            <a:r>
+              <a:rPr lang="en-US" altLang="zh-CN" sz="1185" dirty="0">
+                <a:solidFill>
+                  <a:srgbClr val="000000">
+                    <a:lumMod val="85000"/>
+                    <a:lumOff val="15000"/>
+                  </a:srgbClr>
+                </a:solidFill>
+                <a:latin typeface="微软雅黑" panose="020B0503020204020204" pitchFamily="34" charset="-122"/>
+                <a:cs typeface="微软雅黑" panose="020B0503020204020204" pitchFamily="34" charset="-122"/>
+              </a:rPr>
+              <a:t> OpenRank TOP 10000 </a:t>
+            </a:r>
+            <a:r>
+              <a:rPr lang="zh-CN" altLang="en-US" sz="1185" dirty="0">
+                <a:solidFill>
+                  <a:srgbClr val="000000">
+                    <a:lumMod val="85000"/>
+                    <a:lumOff val="15000"/>
+                  </a:srgbClr>
+                </a:solidFill>
+                <a:latin typeface="微软雅黑" panose="020B0503020204020204" pitchFamily="34" charset="-122"/>
+                <a:cs typeface="微软雅黑" panose="020B0503020204020204" pitchFamily="34" charset="-122"/>
+              </a:rPr>
+              <a:t>为基础</a:t>
+            </a:r>
+            <a:endParaRPr lang="zh-CN" altLang="en-US" sz="1185" dirty="0">
+              <a:solidFill>
+                <a:srgbClr val="000000">
+                  <a:lumMod val="85000"/>
+                  <a:lumOff val="15000"/>
+                </a:srgbClr>
+              </a:solidFill>
+              <a:latin typeface="微软雅黑" panose="020B0503020204020204" pitchFamily="34" charset="-122"/>
+              <a:cs typeface="微软雅黑" panose="020B0503020204020204" pitchFamily="34" charset="-122"/>
+            </a:endParaRPr>
+          </a:p>
+        </p:txBody>
+      </p:sp>
+      <p:sp>
+        <p:nvSpPr>
+          <p:cNvPr id="32" name="矩形 31"/>
+          <p:cNvSpPr/>
+          <p:nvPr>
+            <p:custDataLst>
+              <p:tags r:id="rId24"/>
+            </p:custDataLst>
+          </p:nvPr>
+        </p:nvSpPr>
+        <p:spPr>
+          <a:xfrm>
+            <a:off x="1172394" y="951669"/>
+            <a:ext cx="3003999" cy="360929"/>
+          </a:xfrm>
+          <a:prstGeom prst="rect">
+            <a:avLst/>
+          </a:prstGeom>
+          <a:noFill/>
+        </p:spPr>
+        <p:txBody>
+          <a:bodyPr wrap="square" lIns="0" tIns="0" rIns="0" bIns="0" rtlCol="0" anchor="b" anchorCtr="0">
+            <a:noAutofit/>
+          </a:bodyPr>
+          <a:p>
+            <a:pPr defTabSz="914400">
+              <a:spcBef>
+                <a:spcPct val="0"/>
+              </a:spcBef>
+              <a:spcAft>
+                <a:spcPct val="0"/>
+              </a:spcAft>
+            </a:pPr>
+            <a:r>
+              <a:rPr lang="zh-CN" altLang="en-US" sz="1525" b="1" dirty="0">
+                <a:solidFill>
+                  <a:srgbClr val="000000">
+                    <a:lumMod val="85000"/>
+                    <a:lumOff val="15000"/>
+                  </a:srgbClr>
+                </a:solidFill>
+                <a:latin typeface="微软雅黑" panose="020B0503020204020204" pitchFamily="34" charset="-122"/>
+                <a:cs typeface="微软雅黑" panose="020B0503020204020204" pitchFamily="34" charset="-122"/>
+              </a:rPr>
+              <a:t>研究样本具有较强代表性</a:t>
+            </a:r>
+            <a:endParaRPr lang="zh-CN" altLang="en-US" sz="1525" b="1" dirty="0">
+              <a:solidFill>
+                <a:srgbClr val="000000">
+                  <a:lumMod val="85000"/>
+                  <a:lumOff val="15000"/>
+                </a:srgbClr>
+              </a:solidFill>
+              <a:latin typeface="微软雅黑" panose="020B0503020204020204" pitchFamily="34" charset="-122"/>
+              <a:cs typeface="微软雅黑" panose="020B0503020204020204" pitchFamily="34" charset="-122"/>
+            </a:endParaRPr>
+          </a:p>
+        </p:txBody>
+      </p:sp>
+      <p:sp>
+        <p:nvSpPr>
+          <p:cNvPr id="33" name="椭圆 32"/>
+          <p:cNvSpPr/>
+          <p:nvPr>
+            <p:custDataLst>
+              <p:tags r:id="rId25"/>
+            </p:custDataLst>
+          </p:nvPr>
+        </p:nvSpPr>
+        <p:spPr>
+          <a:xfrm>
+            <a:off x="510440" y="2472264"/>
+            <a:ext cx="466762" cy="466762"/>
+          </a:xfrm>
+          <a:prstGeom prst="ellipse">
+            <a:avLst/>
+          </a:prstGeom>
+          <a:gradFill>
+            <a:gsLst>
+              <a:gs pos="0">
+                <a:srgbClr val="376FFF"/>
+              </a:gs>
+              <a:gs pos="100000">
+                <a:srgbClr val="376FFF">
+                  <a:lumMod val="75000"/>
+                </a:srgbClr>
+              </a:gs>
+            </a:gsLst>
+            <a:lin ang="7686814" scaled="0"/>
+          </a:gradFill>
+          <a:ln w="25400" cap="flat" cmpd="sng" algn="ctr">
+            <a:noFill/>
+            <a:prstDash val="solid"/>
+            <a:miter lim="800000"/>
+          </a:ln>
+          <a:effectLst>
+            <a:outerShdw blurRad="254000" dist="76200" dir="5399998" algn="ctr" rotWithShape="0">
+              <a:srgbClr val="376FFF">
+                <a:alpha val="25000"/>
+              </a:srgbClr>
+            </a:outerShdw>
+          </a:effectLst>
+        </p:spPr>
+        <p:txBody>
+          <a:bodyPr vertOverflow="overflow" horzOverflow="overflow" vert="horz" wrap="none" lIns="0" tIns="0" rIns="0" bIns="0" numCol="1" spcCol="0" rtlCol="0" fromWordArt="0" anchor="ctr" anchorCtr="0" forceAA="0" compatLnSpc="1">
+            <a:normAutofit/>
+          </a:bodyPr>
+          <a:p>
+            <a:pPr algn="ctr" defTabSz="914400">
+              <a:spcBef>
+                <a:spcPct val="0"/>
+              </a:spcBef>
+              <a:spcAft>
+                <a:spcPct val="0"/>
+              </a:spcAft>
+            </a:pPr>
+            <a:r>
+              <a:rPr lang="en-US" altLang="zh-CN" sz="1945" b="1">
+                <a:solidFill>
+                  <a:srgbClr val="FFFFFF">
+                    <a:lumMod val="100000"/>
+                  </a:srgbClr>
+                </a:solidFill>
+                <a:latin typeface="微软雅黑" panose="020B0503020204020204" pitchFamily="34" charset="-122"/>
+                <a:ea typeface="微软雅黑" charset="0"/>
+                <a:cs typeface="微软雅黑" panose="020B0503020204020204" pitchFamily="34" charset="-122"/>
+              </a:rPr>
+              <a:t>03</a:t>
+            </a:r>
+            <a:endParaRPr lang="zh-CN" altLang="en-US" sz="1945" b="1">
+              <a:solidFill>
+                <a:srgbClr val="FFFFFF">
+                  <a:lumMod val="100000"/>
+                </a:srgbClr>
+              </a:solidFill>
+              <a:latin typeface="微软雅黑" panose="020B0503020204020204" pitchFamily="34" charset="-122"/>
+              <a:ea typeface="微软雅黑" charset="0"/>
+              <a:cs typeface="微软雅黑" panose="020B0503020204020204" pitchFamily="34" charset="-122"/>
+            </a:endParaRPr>
+          </a:p>
+        </p:txBody>
+      </p:sp>
+      <p:sp>
+        <p:nvSpPr>
+          <p:cNvPr id="35" name="矩形 34"/>
+          <p:cNvSpPr/>
+          <p:nvPr>
+            <p:custDataLst>
+              <p:tags r:id="rId26"/>
+            </p:custDataLst>
+          </p:nvPr>
+        </p:nvSpPr>
+        <p:spPr>
+          <a:xfrm>
+            <a:off x="1172394" y="2595070"/>
+            <a:ext cx="3003999" cy="579583"/>
+          </a:xfrm>
+          <a:prstGeom prst="rect">
+            <a:avLst/>
+          </a:prstGeom>
+          <a:noFill/>
+        </p:spPr>
+        <p:txBody>
+          <a:bodyPr wrap="square" lIns="0" tIns="0" rIns="0" bIns="0" rtlCol="0" anchor="t" anchorCtr="0">
+            <a:noAutofit/>
+          </a:bodyPr>
+          <a:p>
+            <a:pPr defTabSz="914400">
+              <a:lnSpc>
+                <a:spcPct val="150000"/>
+              </a:lnSpc>
+              <a:spcBef>
+                <a:spcPct val="0"/>
+              </a:spcBef>
+              <a:spcAft>
+                <a:spcPct val="0"/>
+              </a:spcAft>
+            </a:pPr>
+            <a:r>
+              <a:rPr lang="zh-CN" altLang="en-US" sz="1185" dirty="0">
+                <a:solidFill>
+                  <a:srgbClr val="000000">
+                    <a:lumMod val="85000"/>
+                    <a:lumOff val="15000"/>
+                  </a:srgbClr>
+                </a:solidFill>
+                <a:latin typeface="微软雅黑" panose="020B0503020204020204" pitchFamily="34" charset="-122"/>
+                <a:cs typeface="微软雅黑" panose="020B0503020204020204" pitchFamily="34" charset="-122"/>
+              </a:rPr>
+              <a:t>人工智能相关仓库数量最多（</a:t>
+            </a:r>
+            <a:r>
+              <a:rPr lang="en-US" altLang="zh-CN" sz="1185" dirty="0">
+                <a:solidFill>
+                  <a:srgbClr val="000000">
+                    <a:lumMod val="85000"/>
+                    <a:lumOff val="15000"/>
+                  </a:srgbClr>
+                </a:solidFill>
+                <a:latin typeface="微软雅黑" panose="020B0503020204020204" pitchFamily="34" charset="-122"/>
+                <a:cs typeface="微软雅黑" panose="020B0503020204020204" pitchFamily="34" charset="-122"/>
+              </a:rPr>
+              <a:t>2,506</a:t>
+            </a:r>
+            <a:r>
+              <a:rPr lang="zh-CN" altLang="en-US" sz="1185" dirty="0">
+                <a:solidFill>
+                  <a:srgbClr val="000000">
+                    <a:lumMod val="85000"/>
+                    <a:lumOff val="15000"/>
+                  </a:srgbClr>
+                </a:solidFill>
+                <a:latin typeface="微软雅黑" panose="020B0503020204020204" pitchFamily="34" charset="-122"/>
+                <a:cs typeface="微软雅黑" panose="020B0503020204020204" pitchFamily="34" charset="-122"/>
+              </a:rPr>
+              <a:t>），处于显著领先地位</a:t>
+            </a:r>
+            <a:endParaRPr lang="zh-CN" altLang="en-US" sz="1185" dirty="0">
+              <a:solidFill>
+                <a:srgbClr val="000000">
+                  <a:lumMod val="85000"/>
+                  <a:lumOff val="15000"/>
+                </a:srgbClr>
+              </a:solidFill>
+              <a:latin typeface="微软雅黑" panose="020B0503020204020204" pitchFamily="34" charset="-122"/>
+              <a:cs typeface="微软雅黑" panose="020B0503020204020204" pitchFamily="34" charset="-122"/>
+            </a:endParaRPr>
+          </a:p>
+        </p:txBody>
+      </p:sp>
+      <p:sp>
+        <p:nvSpPr>
+          <p:cNvPr id="40" name="矩形 39"/>
+          <p:cNvSpPr/>
+          <p:nvPr>
+            <p:custDataLst>
+              <p:tags r:id="rId27"/>
+            </p:custDataLst>
+          </p:nvPr>
+        </p:nvSpPr>
+        <p:spPr>
+          <a:xfrm>
+            <a:off x="1172394" y="2222159"/>
+            <a:ext cx="3003999" cy="360929"/>
+          </a:xfrm>
+          <a:prstGeom prst="rect">
+            <a:avLst/>
+          </a:prstGeom>
+          <a:noFill/>
+        </p:spPr>
+        <p:txBody>
+          <a:bodyPr wrap="square" lIns="0" tIns="0" rIns="0" bIns="0" rtlCol="0" anchor="b" anchorCtr="0">
+            <a:noAutofit/>
+          </a:bodyPr>
+          <a:p>
+            <a:pPr defTabSz="914400">
+              <a:spcBef>
+                <a:spcPct val="0"/>
+              </a:spcBef>
+              <a:spcAft>
+                <a:spcPct val="0"/>
+              </a:spcAft>
+            </a:pPr>
+            <a:r>
+              <a:rPr lang="zh-CN" altLang="en-US" sz="1525" b="1" dirty="0">
+                <a:solidFill>
+                  <a:srgbClr val="000000">
+                    <a:lumMod val="85000"/>
+                    <a:lumOff val="15000"/>
+                  </a:srgbClr>
+                </a:solidFill>
+                <a:latin typeface="微软雅黑" panose="020B0503020204020204" pitchFamily="34" charset="-122"/>
+                <a:cs typeface="微软雅黑" panose="020B0503020204020204" pitchFamily="34" charset="-122"/>
+              </a:rPr>
+              <a:t>技术领域分布呈现明显集中趋势</a:t>
+            </a:r>
+            <a:endParaRPr lang="zh-CN" altLang="en-US" sz="1525" b="1" dirty="0">
+              <a:solidFill>
+                <a:srgbClr val="000000">
+                  <a:lumMod val="85000"/>
+                  <a:lumOff val="15000"/>
+                </a:srgbClr>
+              </a:solidFill>
+              <a:latin typeface="微软雅黑" panose="020B0503020204020204" pitchFamily="34" charset="-122"/>
+              <a:cs typeface="微软雅黑" panose="020B0503020204020204" pitchFamily="34" charset="-122"/>
+            </a:endParaRPr>
+          </a:p>
+        </p:txBody>
+      </p:sp>
+      <p:sp>
+        <p:nvSpPr>
+          <p:cNvPr id="42" name="椭圆 41"/>
+          <p:cNvSpPr/>
+          <p:nvPr>
+            <p:custDataLst>
+              <p:tags r:id="rId28"/>
+            </p:custDataLst>
+          </p:nvPr>
+        </p:nvSpPr>
+        <p:spPr>
+          <a:xfrm>
+            <a:off x="510440" y="3749744"/>
+            <a:ext cx="466762" cy="466762"/>
+          </a:xfrm>
+          <a:prstGeom prst="ellipse">
+            <a:avLst/>
+          </a:prstGeom>
+          <a:gradFill>
+            <a:gsLst>
+              <a:gs pos="0">
+                <a:srgbClr val="376FFF"/>
+              </a:gs>
+              <a:gs pos="100000">
+                <a:srgbClr val="376FFF">
+                  <a:lumMod val="75000"/>
+                </a:srgbClr>
+              </a:gs>
+            </a:gsLst>
+            <a:lin ang="7686814" scaled="0"/>
+          </a:gradFill>
+          <a:ln w="25400" cap="flat" cmpd="sng" algn="ctr">
+            <a:noFill/>
+            <a:prstDash val="solid"/>
+            <a:miter lim="800000"/>
+          </a:ln>
+          <a:effectLst>
+            <a:outerShdw blurRad="254000" dist="76200" dir="5399998" algn="ctr" rotWithShape="0">
+              <a:srgbClr val="376FFF">
+                <a:alpha val="25000"/>
+              </a:srgbClr>
+            </a:outerShdw>
+          </a:effectLst>
+        </p:spPr>
+        <p:txBody>
+          <a:bodyPr vertOverflow="overflow" horzOverflow="overflow" vert="horz" wrap="none" lIns="0" tIns="0" rIns="0" bIns="0" numCol="1" spcCol="0" rtlCol="0" fromWordArt="0" anchor="ctr" anchorCtr="0" forceAA="0" compatLnSpc="1">
+            <a:normAutofit/>
+          </a:bodyPr>
+          <a:p>
+            <a:pPr algn="ctr" defTabSz="914400">
+              <a:spcBef>
+                <a:spcPct val="0"/>
+              </a:spcBef>
+              <a:spcAft>
+                <a:spcPct val="0"/>
+              </a:spcAft>
+            </a:pPr>
+            <a:r>
+              <a:rPr lang="en-US" altLang="zh-CN" sz="1945" b="1">
+                <a:solidFill>
+                  <a:srgbClr val="FFFFFF">
+                    <a:lumMod val="100000"/>
+                  </a:srgbClr>
+                </a:solidFill>
+                <a:latin typeface="微软雅黑" panose="020B0503020204020204" pitchFamily="34" charset="-122"/>
+                <a:ea typeface="微软雅黑" charset="0"/>
+                <a:cs typeface="微软雅黑" panose="020B0503020204020204" pitchFamily="34" charset="-122"/>
+              </a:rPr>
+              <a:t>05</a:t>
+            </a:r>
+            <a:endParaRPr lang="zh-CN" altLang="en-US" sz="1945" b="1">
+              <a:solidFill>
+                <a:srgbClr val="FFFFFF">
+                  <a:lumMod val="100000"/>
+                </a:srgbClr>
+              </a:solidFill>
+              <a:latin typeface="微软雅黑" panose="020B0503020204020204" pitchFamily="34" charset="-122"/>
+              <a:ea typeface="微软雅黑" charset="0"/>
+              <a:cs typeface="微软雅黑" panose="020B0503020204020204" pitchFamily="34" charset="-122"/>
+            </a:endParaRPr>
+          </a:p>
+        </p:txBody>
+      </p:sp>
+      <p:sp>
+        <p:nvSpPr>
+          <p:cNvPr id="43" name="矩形 42"/>
+          <p:cNvSpPr/>
+          <p:nvPr>
+            <p:custDataLst>
+              <p:tags r:id="rId29"/>
+            </p:custDataLst>
+          </p:nvPr>
+        </p:nvSpPr>
+        <p:spPr>
+          <a:xfrm>
+            <a:off x="1172394" y="3879538"/>
+            <a:ext cx="3003999" cy="579583"/>
+          </a:xfrm>
+          <a:prstGeom prst="rect">
+            <a:avLst/>
+          </a:prstGeom>
+          <a:noFill/>
+        </p:spPr>
+        <p:txBody>
+          <a:bodyPr wrap="square" lIns="0" tIns="0" rIns="0" bIns="0" rtlCol="0" anchor="t" anchorCtr="0">
+            <a:noAutofit/>
+          </a:bodyPr>
+          <a:p>
+            <a:pPr defTabSz="914400">
+              <a:lnSpc>
+                <a:spcPct val="150000"/>
+              </a:lnSpc>
+              <a:spcBef>
+                <a:spcPct val="0"/>
+              </a:spcBef>
+              <a:spcAft>
+                <a:spcPct val="0"/>
+              </a:spcAft>
+            </a:pPr>
+            <a:r>
+              <a:rPr lang="zh-CN" altLang="en-US" sz="1185" dirty="0">
+                <a:solidFill>
+                  <a:srgbClr val="000000">
+                    <a:lumMod val="85000"/>
+                    <a:lumOff val="15000"/>
+                  </a:srgbClr>
+                </a:solidFill>
+                <a:latin typeface="微软雅黑" panose="020B0503020204020204" pitchFamily="34" charset="-122"/>
+                <a:cs typeface="微软雅黑" panose="020B0503020204020204" pitchFamily="34" charset="-122"/>
+              </a:rPr>
+              <a:t>数据库（</a:t>
+            </a:r>
+            <a:r>
+              <a:rPr lang="en-US" altLang="zh-CN" sz="1185" dirty="0">
+                <a:solidFill>
+                  <a:srgbClr val="000000">
+                    <a:lumMod val="85000"/>
+                    <a:lumOff val="15000"/>
+                  </a:srgbClr>
+                </a:solidFill>
+                <a:latin typeface="微软雅黑" panose="020B0503020204020204" pitchFamily="34" charset="-122"/>
+                <a:cs typeface="微软雅黑" panose="020B0503020204020204" pitchFamily="34" charset="-122"/>
+              </a:rPr>
+              <a:t>619</a:t>
+            </a:r>
+            <a:r>
+              <a:rPr lang="zh-CN" altLang="en-US" sz="1185" dirty="0">
+                <a:solidFill>
+                  <a:srgbClr val="000000">
+                    <a:lumMod val="85000"/>
+                    <a:lumOff val="15000"/>
+                  </a:srgbClr>
+                </a:solidFill>
+                <a:latin typeface="微软雅黑" panose="020B0503020204020204" pitchFamily="34" charset="-122"/>
+                <a:cs typeface="微软雅黑" panose="020B0503020204020204" pitchFamily="34" charset="-122"/>
+              </a:rPr>
+              <a:t>）、</a:t>
+            </a:r>
+            <a:r>
+              <a:rPr lang="en-US" altLang="zh-CN" sz="1185" dirty="0">
+                <a:solidFill>
+                  <a:srgbClr val="000000">
+                    <a:lumMod val="85000"/>
+                    <a:lumOff val="15000"/>
+                  </a:srgbClr>
+                </a:solidFill>
+                <a:latin typeface="微软雅黑" panose="020B0503020204020204" pitchFamily="34" charset="-122"/>
+                <a:cs typeface="微软雅黑" panose="020B0503020204020204" pitchFamily="34" charset="-122"/>
+              </a:rPr>
+              <a:t>RISC-V </a:t>
+            </a:r>
+            <a:r>
+              <a:rPr lang="zh-CN" altLang="en-US" sz="1185" dirty="0">
+                <a:solidFill>
+                  <a:srgbClr val="000000">
+                    <a:lumMod val="85000"/>
+                    <a:lumOff val="15000"/>
+                  </a:srgbClr>
+                </a:solidFill>
+                <a:latin typeface="微软雅黑" panose="020B0503020204020204" pitchFamily="34" charset="-122"/>
+                <a:cs typeface="微软雅黑" panose="020B0503020204020204" pitchFamily="34" charset="-122"/>
+              </a:rPr>
+              <a:t>与硬件（</a:t>
+            </a:r>
+            <a:r>
+              <a:rPr lang="en-US" altLang="zh-CN" sz="1185" dirty="0">
+                <a:solidFill>
+                  <a:srgbClr val="000000">
+                    <a:lumMod val="85000"/>
+                    <a:lumOff val="15000"/>
+                  </a:srgbClr>
+                </a:solidFill>
+                <a:latin typeface="微软雅黑" panose="020B0503020204020204" pitchFamily="34" charset="-122"/>
+                <a:cs typeface="微软雅黑" panose="020B0503020204020204" pitchFamily="34" charset="-122"/>
+              </a:rPr>
+              <a:t>544</a:t>
+            </a:r>
+            <a:r>
+              <a:rPr lang="zh-CN" altLang="en-US" sz="1185" dirty="0">
+                <a:solidFill>
+                  <a:srgbClr val="000000">
+                    <a:lumMod val="85000"/>
+                    <a:lumOff val="15000"/>
+                  </a:srgbClr>
+                </a:solidFill>
+                <a:latin typeface="微软雅黑" panose="020B0503020204020204" pitchFamily="34" charset="-122"/>
+                <a:cs typeface="微软雅黑" panose="020B0503020204020204" pitchFamily="34" charset="-122"/>
+              </a:rPr>
+              <a:t>）、大数据与数据工程（</a:t>
+            </a:r>
+            <a:r>
+              <a:rPr lang="en-US" altLang="zh-CN" sz="1185" dirty="0">
+                <a:solidFill>
+                  <a:srgbClr val="000000">
+                    <a:lumMod val="85000"/>
+                    <a:lumOff val="15000"/>
+                  </a:srgbClr>
+                </a:solidFill>
+                <a:latin typeface="微软雅黑" panose="020B0503020204020204" pitchFamily="34" charset="-122"/>
+                <a:cs typeface="微软雅黑" panose="020B0503020204020204" pitchFamily="34" charset="-122"/>
+              </a:rPr>
+              <a:t>424</a:t>
+            </a:r>
+            <a:r>
+              <a:rPr lang="zh-CN" altLang="en-US" sz="1185" dirty="0">
+                <a:solidFill>
+                  <a:srgbClr val="000000">
+                    <a:lumMod val="85000"/>
+                    <a:lumOff val="15000"/>
+                  </a:srgbClr>
+                </a:solidFill>
+                <a:latin typeface="微软雅黑" panose="020B0503020204020204" pitchFamily="34" charset="-122"/>
+                <a:cs typeface="微软雅黑" panose="020B0503020204020204" pitchFamily="34" charset="-122"/>
+              </a:rPr>
+              <a:t>）</a:t>
+            </a:r>
+            <a:endParaRPr lang="zh-CN" altLang="en-US" sz="1185" dirty="0">
+              <a:solidFill>
+                <a:srgbClr val="000000">
+                  <a:lumMod val="85000"/>
+                  <a:lumOff val="15000"/>
+                </a:srgbClr>
+              </a:solidFill>
+              <a:latin typeface="微软雅黑" panose="020B0503020204020204" pitchFamily="34" charset="-122"/>
+              <a:cs typeface="微软雅黑" panose="020B0503020204020204" pitchFamily="34" charset="-122"/>
+            </a:endParaRPr>
+          </a:p>
+        </p:txBody>
+      </p:sp>
+      <p:sp>
+        <p:nvSpPr>
+          <p:cNvPr id="44" name="矩形 43"/>
+          <p:cNvSpPr/>
+          <p:nvPr>
+            <p:custDataLst>
+              <p:tags r:id="rId30"/>
+            </p:custDataLst>
+          </p:nvPr>
+        </p:nvSpPr>
+        <p:spPr>
+          <a:xfrm>
+            <a:off x="1172394" y="3506628"/>
+            <a:ext cx="3004000" cy="360929"/>
+          </a:xfrm>
+          <a:prstGeom prst="rect">
+            <a:avLst/>
+          </a:prstGeom>
+          <a:noFill/>
+        </p:spPr>
+        <p:txBody>
+          <a:bodyPr wrap="square" lIns="0" tIns="0" rIns="0" bIns="0" rtlCol="0" anchor="b" anchorCtr="0">
+            <a:noAutofit/>
+          </a:bodyPr>
+          <a:p>
+            <a:pPr defTabSz="914400">
+              <a:spcBef>
+                <a:spcPct val="0"/>
+              </a:spcBef>
+              <a:spcAft>
+                <a:spcPct val="0"/>
+              </a:spcAft>
+            </a:pPr>
+            <a:r>
+              <a:rPr lang="zh-CN" altLang="en-US" sz="1525" b="1" dirty="0">
+                <a:solidFill>
+                  <a:srgbClr val="000000">
+                    <a:lumMod val="85000"/>
+                    <a:lumOff val="15000"/>
+                  </a:srgbClr>
+                </a:solidFill>
+                <a:latin typeface="微软雅黑" panose="020B0503020204020204" pitchFamily="34" charset="-122"/>
+                <a:cs typeface="微软雅黑" panose="020B0503020204020204" pitchFamily="34" charset="-122"/>
+              </a:rPr>
+              <a:t>基础性与垂直领域项目相对较少</a:t>
+            </a:r>
+            <a:endParaRPr lang="zh-CN" altLang="en-US" sz="1525" b="1" dirty="0">
+              <a:solidFill>
+                <a:srgbClr val="000000">
+                  <a:lumMod val="85000"/>
+                  <a:lumOff val="15000"/>
+                </a:srgbClr>
+              </a:solidFill>
+              <a:latin typeface="微软雅黑" panose="020B0503020204020204" pitchFamily="34" charset="-122"/>
+              <a:cs typeface="微软雅黑" panose="020B0503020204020204" pitchFamily="34" charset="-122"/>
+            </a:endParaRPr>
+          </a:p>
+        </p:txBody>
+      </p:sp>
+    </p:spTree>
+  </p:cSld>
+  <p:clrMapOvr>
+    <a:masterClrMapping/>
+  </p:clrMapOvr>
+</p:sld>
+</file>
+
+<file path=ppt/slides/slide17.xml><?xml version="1.0" encoding="utf-8"?>
+<p:sld xmlns:a="http://schemas.openxmlformats.org/drawingml/2006/main" xmlns:r="http://schemas.openxmlformats.org/officeDocument/2006/relationships" xmlns:p="http://schemas.openxmlformats.org/presentationml/2006/main">
+  <p:cSld>
+    <p:spTree>
+      <p:nvGrpSpPr>
+        <p:cNvPr id="1" name=""/>
+        <p:cNvGrpSpPr/>
+        <p:nvPr/>
+      </p:nvGrpSpPr>
+      <p:grpSpPr>
+        <a:xfrm>
+          <a:off x="0" y="0"/>
+          <a:ext cx="0" cy="0"/>
+          <a:chOff x="0" y="0"/>
+          <a:chExt cx="0" cy="0"/>
+        </a:xfrm>
+      </p:grpSpPr>
+      <p:sp>
+        <p:nvSpPr>
+          <p:cNvPr id="34" name="等腰三角形 47"/>
+          <p:cNvSpPr>
+            <a:spLocks noChangeArrowheads="1"/>
+          </p:cNvSpPr>
+          <p:nvPr/>
+        </p:nvSpPr>
+        <p:spPr bwMode="auto">
+          <a:xfrm rot="5400000">
+            <a:off x="-39787" y="157290"/>
+            <a:ext cx="581159" cy="501585"/>
+          </a:xfrm>
+          <a:prstGeom prst="triangle">
+            <a:avLst>
+              <a:gd name="adj" fmla="val 50000"/>
+            </a:avLst>
+          </a:prstGeom>
+          <a:solidFill>
+            <a:srgbClr val="A41C34"/>
+          </a:solidFill>
+          <a:ln>
+            <a:noFill/>
+          </a:ln>
+        </p:spPr>
+        <p:txBody>
+          <a:bodyPr lIns="91438" tIns="45719" rIns="91438" bIns="45719" anchor="ctr"/>
+          <a:lstStyle>
+            <a:lvl1pPr>
+              <a:spcBef>
+                <a:spcPct val="20000"/>
+              </a:spcBef>
+              <a:buFont typeface="Arial" panose="020B0604020202090204" pitchFamily="34" charset="0"/>
+              <a:buChar char="•"/>
+              <a:defRPr sz="3200">
+                <a:solidFill>
+                  <a:schemeClr val="tx1"/>
+                </a:solidFill>
+                <a:latin typeface="微软雅黑" panose="020B0503020204020204" pitchFamily="34" charset="-122"/>
+                <a:ea typeface="微软雅黑" panose="020B0503020204020204" pitchFamily="34" charset="-122"/>
+                <a:sym typeface="Calibri" panose="020F0502020204030204" pitchFamily="34" charset="0"/>
+              </a:defRPr>
+            </a:lvl1pPr>
+            <a:lvl2pPr marL="742950" indent="-285750">
+              <a:spcBef>
+                <a:spcPct val="20000"/>
+              </a:spcBef>
+              <a:buFont typeface="Arial" panose="020B0604020202090204" pitchFamily="34" charset="0"/>
+              <a:buChar char="–"/>
+              <a:defRPr sz="2800">
+                <a:solidFill>
+                  <a:schemeClr val="tx1"/>
+                </a:solidFill>
+                <a:latin typeface="微软雅黑" panose="020B0503020204020204" pitchFamily="34" charset="-122"/>
+                <a:ea typeface="微软雅黑" panose="020B0503020204020204" pitchFamily="34" charset="-122"/>
+                <a:sym typeface="Calibri" panose="020F0502020204030204" pitchFamily="34" charset="0"/>
+              </a:defRPr>
+            </a:lvl2pPr>
+            <a:lvl3pPr marL="1143000" indent="-228600">
+              <a:spcBef>
+                <a:spcPct val="20000"/>
+              </a:spcBef>
+              <a:buFont typeface="Arial" panose="020B0604020202090204" pitchFamily="34" charset="0"/>
+              <a:buChar char="•"/>
+              <a:defRPr sz="2400">
+                <a:solidFill>
+                  <a:schemeClr val="tx1"/>
+                </a:solidFill>
+                <a:latin typeface="微软雅黑" panose="020B0503020204020204" pitchFamily="34" charset="-122"/>
+                <a:ea typeface="微软雅黑" panose="020B0503020204020204" pitchFamily="34" charset="-122"/>
+                <a:sym typeface="Calibri" panose="020F0502020204030204" pitchFamily="34" charset="0"/>
+              </a:defRPr>
+            </a:lvl3pPr>
+            <a:lvl4pPr marL="1600200" indent="-228600">
+              <a:spcBef>
+                <a:spcPct val="20000"/>
+              </a:spcBef>
+              <a:buFont typeface="Arial" panose="020B0604020202090204" pitchFamily="34" charset="0"/>
+              <a:buChar char="–"/>
+              <a:defRPr sz="2000">
+                <a:solidFill>
+                  <a:schemeClr val="tx1"/>
+                </a:solidFill>
+                <a:latin typeface="微软雅黑" panose="020B0503020204020204" pitchFamily="34" charset="-122"/>
+                <a:ea typeface="微软雅黑" panose="020B0503020204020204" pitchFamily="34" charset="-122"/>
+                <a:sym typeface="Calibri" panose="020F0502020204030204" pitchFamily="34" charset="0"/>
+              </a:defRPr>
+            </a:lvl4pPr>
+            <a:lvl5pPr marL="2057400" indent="-228600">
+              <a:spcBef>
+                <a:spcPct val="20000"/>
+              </a:spcBef>
+              <a:buFont typeface="Arial" panose="020B0604020202090204" pitchFamily="34" charset="0"/>
+              <a:buChar char="»"/>
+              <a:defRPr sz="2000">
+                <a:solidFill>
+                  <a:schemeClr val="tx1"/>
+                </a:solidFill>
+                <a:latin typeface="微软雅黑" panose="020B0503020204020204" pitchFamily="34" charset="-122"/>
+                <a:ea typeface="微软雅黑" panose="020B0503020204020204" pitchFamily="34" charset="-122"/>
+                <a:sym typeface="Calibri" panose="020F0502020204030204" pitchFamily="34" charset="0"/>
+              </a:defRPr>
+            </a:lvl5pPr>
+            <a:lvl6pPr marL="2514600" indent="-228600" eaLnBrk="0" fontAlgn="base" hangingPunct="0">
+              <a:spcBef>
+                <a:spcPct val="20000"/>
+              </a:spcBef>
+              <a:spcAft>
+                <a:spcPct val="0"/>
+              </a:spcAft>
+              <a:buFont typeface="Arial" panose="020B0604020202090204" pitchFamily="34" charset="0"/>
+              <a:buChar char="»"/>
+              <a:defRPr sz="2000">
+                <a:solidFill>
+                  <a:schemeClr val="tx1"/>
+                </a:solidFill>
+                <a:latin typeface="微软雅黑" panose="020B0503020204020204" pitchFamily="34" charset="-122"/>
+                <a:ea typeface="微软雅黑" panose="020B0503020204020204" pitchFamily="34" charset="-122"/>
+                <a:sym typeface="Calibri" panose="020F0502020204030204" pitchFamily="34" charset="0"/>
+              </a:defRPr>
+            </a:lvl6pPr>
+            <a:lvl7pPr marL="2971800" indent="-228600" eaLnBrk="0" fontAlgn="base" hangingPunct="0">
+              <a:spcBef>
+                <a:spcPct val="20000"/>
+              </a:spcBef>
+              <a:spcAft>
+                <a:spcPct val="0"/>
+              </a:spcAft>
+              <a:buFont typeface="Arial" panose="020B0604020202090204" pitchFamily="34" charset="0"/>
+              <a:buChar char="»"/>
+              <a:defRPr sz="2000">
+                <a:solidFill>
+                  <a:schemeClr val="tx1"/>
+                </a:solidFill>
+                <a:latin typeface="微软雅黑" panose="020B0503020204020204" pitchFamily="34" charset="-122"/>
+                <a:ea typeface="微软雅黑" panose="020B0503020204020204" pitchFamily="34" charset="-122"/>
+                <a:sym typeface="Calibri" panose="020F0502020204030204" pitchFamily="34" charset="0"/>
+              </a:defRPr>
+            </a:lvl7pPr>
+            <a:lvl8pPr marL="3429000" indent="-228600" eaLnBrk="0" fontAlgn="base" hangingPunct="0">
+              <a:spcBef>
+                <a:spcPct val="20000"/>
+              </a:spcBef>
+              <a:spcAft>
+                <a:spcPct val="0"/>
+              </a:spcAft>
+              <a:buFont typeface="Arial" panose="020B0604020202090204" pitchFamily="34" charset="0"/>
+              <a:buChar char="»"/>
+              <a:defRPr sz="2000">
+                <a:solidFill>
+                  <a:schemeClr val="tx1"/>
+                </a:solidFill>
+                <a:latin typeface="微软雅黑" panose="020B0503020204020204" pitchFamily="34" charset="-122"/>
+                <a:ea typeface="微软雅黑" panose="020B0503020204020204" pitchFamily="34" charset="-122"/>
+                <a:sym typeface="Calibri" panose="020F0502020204030204" pitchFamily="34" charset="0"/>
+              </a:defRPr>
+            </a:lvl8pPr>
+            <a:lvl9pPr marL="3886200" indent="-228600" eaLnBrk="0" fontAlgn="base" hangingPunct="0">
+              <a:spcBef>
+                <a:spcPct val="20000"/>
+              </a:spcBef>
+              <a:spcAft>
+                <a:spcPct val="0"/>
+              </a:spcAft>
+              <a:buFont typeface="Arial" panose="020B0604020202090204" pitchFamily="34" charset="0"/>
+              <a:buChar char="»"/>
+              <a:defRPr sz="2000">
+                <a:solidFill>
+                  <a:schemeClr val="tx1"/>
+                </a:solidFill>
+                <a:latin typeface="微软雅黑" panose="020B0503020204020204" pitchFamily="34" charset="-122"/>
+                <a:ea typeface="微软雅黑" panose="020B0503020204020204" pitchFamily="34" charset="-122"/>
+                <a:sym typeface="Calibri" panose="020F0502020204030204" pitchFamily="34" charset="0"/>
+              </a:defRPr>
+            </a:lvl9pPr>
+          </a:lstStyle>
+          <a:p>
+            <a:pPr algn="ctr" eaLnBrk="1" hangingPunct="1">
+              <a:spcBef>
+                <a:spcPct val="0"/>
+              </a:spcBef>
+              <a:buFont typeface="Arial" panose="020B0604020202090204" pitchFamily="34" charset="0"/>
+              <a:buNone/>
+            </a:pPr>
+            <a:endParaRPr lang="zh-CN" altLang="zh-CN" sz="1800">
+              <a:solidFill>
+                <a:srgbClr val="FFFFFF"/>
+              </a:solidFill>
+              <a:sym typeface="微软雅黑" panose="020B0503020204020204" pitchFamily="34" charset="-122"/>
+            </a:endParaRPr>
+          </a:p>
+        </p:txBody>
+      </p:sp>
+      <p:sp>
+        <p:nvSpPr>
+          <p:cNvPr id="3" name="矩形 46"/>
+          <p:cNvSpPr>
+            <a:spLocks noChangeArrowheads="1"/>
+          </p:cNvSpPr>
+          <p:nvPr/>
+        </p:nvSpPr>
+        <p:spPr bwMode="auto">
+          <a:xfrm>
+            <a:off x="476188" y="149489"/>
+            <a:ext cx="2014220" cy="459105"/>
+          </a:xfrm>
+          <a:prstGeom prst="rect">
+            <a:avLst/>
+          </a:prstGeom>
+          <a:noFill/>
+          <a:ln>
+            <a:noFill/>
+          </a:ln>
+          <a:extLst>
+            <a:ext uri="{909E8E84-426E-40DD-AFC4-6F175D3DCCD1}">
+              <a14:hiddenFill xmlns:a14="http://schemas.microsoft.com/office/drawing/2010/main">
+                <a:solidFill>
+                  <a:srgbClr val="FFFFFF"/>
+                </a:solidFill>
+              </a14:hiddenFill>
+            </a:ext>
+            <a:ext uri="{91240B29-F687-4F45-9708-019B960494DF}">
+              <a14:hiddenLine xmlns:a14="http://schemas.microsoft.com/office/drawing/2010/main" w="9525">
+                <a:solidFill>
+                  <a:srgbClr val="000000"/>
+                </a:solidFill>
+                <a:miter lim="800000"/>
+                <a:headEnd/>
+                <a:tailEnd/>
+              </a14:hiddenLine>
+            </a:ext>
+          </a:extLst>
+        </p:spPr>
+        <p:txBody>
+          <a:bodyPr wrap="none" lIns="91438" tIns="45719" rIns="91438" bIns="45719">
+            <a:spAutoFit/>
+          </a:bodyPr>
+          <a:lstStyle>
+            <a:lvl1pPr>
+              <a:spcBef>
+                <a:spcPct val="20000"/>
+              </a:spcBef>
+              <a:buFont typeface="Arial" panose="020B0604020202090204" pitchFamily="34" charset="0"/>
+              <a:buChar char="•"/>
+              <a:defRPr sz="3200">
+                <a:solidFill>
+                  <a:schemeClr val="tx1"/>
+                </a:solidFill>
+                <a:latin typeface="微软雅黑" panose="020B0503020204020204" pitchFamily="34" charset="-122"/>
+                <a:ea typeface="微软雅黑" panose="020B0503020204020204" pitchFamily="34" charset="-122"/>
+                <a:sym typeface="Calibri" panose="020F0502020204030204" pitchFamily="34" charset="0"/>
+              </a:defRPr>
+            </a:lvl1pPr>
+            <a:lvl2pPr marL="742950" indent="-285750">
+              <a:spcBef>
+                <a:spcPct val="20000"/>
+              </a:spcBef>
+              <a:buFont typeface="Arial" panose="020B0604020202090204" pitchFamily="34" charset="0"/>
+              <a:buChar char="–"/>
+              <a:defRPr sz="2800">
+                <a:solidFill>
+                  <a:schemeClr val="tx1"/>
+                </a:solidFill>
+                <a:latin typeface="微软雅黑" panose="020B0503020204020204" pitchFamily="34" charset="-122"/>
+                <a:ea typeface="微软雅黑" panose="020B0503020204020204" pitchFamily="34" charset="-122"/>
+                <a:sym typeface="Calibri" panose="020F0502020204030204" pitchFamily="34" charset="0"/>
+              </a:defRPr>
+            </a:lvl2pPr>
+            <a:lvl3pPr marL="1143000" indent="-228600">
+              <a:spcBef>
+                <a:spcPct val="20000"/>
+              </a:spcBef>
+              <a:buFont typeface="Arial" panose="020B0604020202090204" pitchFamily="34" charset="0"/>
+              <a:buChar char="•"/>
+              <a:defRPr sz="2400">
+                <a:solidFill>
+                  <a:schemeClr val="tx1"/>
+                </a:solidFill>
+                <a:latin typeface="微软雅黑" panose="020B0503020204020204" pitchFamily="34" charset="-122"/>
+                <a:ea typeface="微软雅黑" panose="020B0503020204020204" pitchFamily="34" charset="-122"/>
+                <a:sym typeface="Calibri" panose="020F0502020204030204" pitchFamily="34" charset="0"/>
+              </a:defRPr>
+            </a:lvl3pPr>
+            <a:lvl4pPr marL="1600200" indent="-228600">
+              <a:spcBef>
+                <a:spcPct val="20000"/>
+              </a:spcBef>
+              <a:buFont typeface="Arial" panose="020B0604020202090204" pitchFamily="34" charset="0"/>
+              <a:buChar char="–"/>
+              <a:defRPr sz="2000">
+                <a:solidFill>
+                  <a:schemeClr val="tx1"/>
+                </a:solidFill>
+                <a:latin typeface="微软雅黑" panose="020B0503020204020204" pitchFamily="34" charset="-122"/>
+                <a:ea typeface="微软雅黑" panose="020B0503020204020204" pitchFamily="34" charset="-122"/>
+                <a:sym typeface="Calibri" panose="020F0502020204030204" pitchFamily="34" charset="0"/>
+              </a:defRPr>
+            </a:lvl4pPr>
+            <a:lvl5pPr marL="2057400" indent="-228600">
+              <a:spcBef>
+                <a:spcPct val="20000"/>
+              </a:spcBef>
+              <a:buFont typeface="Arial" panose="020B0604020202090204" pitchFamily="34" charset="0"/>
+              <a:buChar char="»"/>
+              <a:defRPr sz="2000">
+                <a:solidFill>
+                  <a:schemeClr val="tx1"/>
+                </a:solidFill>
+                <a:latin typeface="微软雅黑" panose="020B0503020204020204" pitchFamily="34" charset="-122"/>
+                <a:ea typeface="微软雅黑" panose="020B0503020204020204" pitchFamily="34" charset="-122"/>
+                <a:sym typeface="Calibri" panose="020F0502020204030204" pitchFamily="34" charset="0"/>
+              </a:defRPr>
+            </a:lvl5pPr>
+            <a:lvl6pPr marL="2514600" indent="-228600" eaLnBrk="0" fontAlgn="base" hangingPunct="0">
+              <a:spcBef>
+                <a:spcPct val="20000"/>
+              </a:spcBef>
+              <a:spcAft>
+                <a:spcPct val="0"/>
+              </a:spcAft>
+              <a:buFont typeface="Arial" panose="020B0604020202090204" pitchFamily="34" charset="0"/>
+              <a:buChar char="»"/>
+              <a:defRPr sz="2000">
+                <a:solidFill>
+                  <a:schemeClr val="tx1"/>
+                </a:solidFill>
+                <a:latin typeface="微软雅黑" panose="020B0503020204020204" pitchFamily="34" charset="-122"/>
+                <a:ea typeface="微软雅黑" panose="020B0503020204020204" pitchFamily="34" charset="-122"/>
+                <a:sym typeface="Calibri" panose="020F0502020204030204" pitchFamily="34" charset="0"/>
+              </a:defRPr>
+            </a:lvl6pPr>
+            <a:lvl7pPr marL="2971800" indent="-228600" eaLnBrk="0" fontAlgn="base" hangingPunct="0">
+              <a:spcBef>
+                <a:spcPct val="20000"/>
+              </a:spcBef>
+              <a:spcAft>
+                <a:spcPct val="0"/>
+              </a:spcAft>
+              <a:buFont typeface="Arial" panose="020B0604020202090204" pitchFamily="34" charset="0"/>
+              <a:buChar char="»"/>
+              <a:defRPr sz="2000">
+                <a:solidFill>
+                  <a:schemeClr val="tx1"/>
+                </a:solidFill>
+                <a:latin typeface="微软雅黑" panose="020B0503020204020204" pitchFamily="34" charset="-122"/>
+                <a:ea typeface="微软雅黑" panose="020B0503020204020204" pitchFamily="34" charset="-122"/>
+                <a:sym typeface="Calibri" panose="020F0502020204030204" pitchFamily="34" charset="0"/>
+              </a:defRPr>
+            </a:lvl7pPr>
+            <a:lvl8pPr marL="3429000" indent="-228600" eaLnBrk="0" fontAlgn="base" hangingPunct="0">
+              <a:spcBef>
+                <a:spcPct val="20000"/>
+              </a:spcBef>
+              <a:spcAft>
+                <a:spcPct val="0"/>
+              </a:spcAft>
+              <a:buFont typeface="Arial" panose="020B0604020202090204" pitchFamily="34" charset="0"/>
+              <a:buChar char="»"/>
+              <a:defRPr sz="2000">
+                <a:solidFill>
+                  <a:schemeClr val="tx1"/>
+                </a:solidFill>
+                <a:latin typeface="微软雅黑" panose="020B0503020204020204" pitchFamily="34" charset="-122"/>
+                <a:ea typeface="微软雅黑" panose="020B0503020204020204" pitchFamily="34" charset="-122"/>
+                <a:sym typeface="Calibri" panose="020F0502020204030204" pitchFamily="34" charset="0"/>
+              </a:defRPr>
+            </a:lvl8pPr>
+            <a:lvl9pPr marL="3886200" indent="-228600" eaLnBrk="0" fontAlgn="base" hangingPunct="0">
+              <a:spcBef>
+                <a:spcPct val="20000"/>
+              </a:spcBef>
+              <a:spcAft>
+                <a:spcPct val="0"/>
+              </a:spcAft>
+              <a:buFont typeface="Arial" panose="020B0604020202090204" pitchFamily="34" charset="0"/>
+              <a:buChar char="»"/>
+              <a:defRPr sz="2000">
+                <a:solidFill>
+                  <a:schemeClr val="tx1"/>
+                </a:solidFill>
+                <a:latin typeface="微软雅黑" panose="020B0503020204020204" pitchFamily="34" charset="-122"/>
+                <a:ea typeface="微软雅黑" panose="020B0503020204020204" pitchFamily="34" charset="-122"/>
+                <a:sym typeface="Calibri" panose="020F0502020204030204" pitchFamily="34" charset="0"/>
+              </a:defRPr>
+            </a:lvl9pPr>
+          </a:lstStyle>
+          <a:p>
+            <a:pPr algn="l">
+              <a:buNone/>
+            </a:pPr>
+            <a:r>
+              <a:rPr lang="zh-CN" altLang="en-US" sz="2400" b="1" dirty="0" err="1"/>
+              <a:t>五</a:t>
+            </a:r>
+            <a:r>
+              <a:rPr lang="en-US" altLang="zh-CN" sz="2400" b="1" dirty="0" err="1"/>
+              <a:t>、</a:t>
+            </a:r>
+            <a:r>
+              <a:rPr lang="zh-CN" altLang="en-US" sz="2400" b="1" dirty="0" err="1"/>
+              <a:t>落地</a:t>
+            </a:r>
+            <a:r>
+              <a:rPr lang="zh-CN" altLang="en-US" sz="2400" b="1" dirty="0" err="1"/>
+              <a:t>场景</a:t>
+            </a:r>
+            <a:endParaRPr lang="zh-CN" altLang="en-US" sz="2400" b="1" dirty="0" err="1"/>
+          </a:p>
+        </p:txBody>
+      </p:sp>
+      <p:pic>
+        <p:nvPicPr>
+          <p:cNvPr id="4" name="图片 3" descr="UNI-detail-page"/>
+          <p:cNvPicPr>
+            <a:picLocks noChangeAspect="1"/>
+          </p:cNvPicPr>
+          <p:nvPr/>
+        </p:nvPicPr>
+        <p:blipFill>
+          <a:blip r:embed="rId1"/>
+          <a:stretch>
+            <a:fillRect/>
+          </a:stretch>
+        </p:blipFill>
+        <p:spPr>
+          <a:xfrm>
+            <a:off x="4954270" y="845820"/>
+            <a:ext cx="2563495" cy="3885565"/>
+          </a:xfrm>
+          <a:prstGeom prst="rect">
+            <a:avLst/>
+          </a:prstGeom>
+        </p:spPr>
+      </p:pic>
+      <p:pic>
+        <p:nvPicPr>
+          <p:cNvPr id="9" name="图片 8" descr="UNI-report"/>
+          <p:cNvPicPr>
+            <a:picLocks noChangeAspect="1"/>
+          </p:cNvPicPr>
+          <p:nvPr/>
+        </p:nvPicPr>
+        <p:blipFill>
+          <a:blip r:embed="rId2"/>
+          <a:stretch>
+            <a:fillRect/>
+          </a:stretch>
+        </p:blipFill>
+        <p:spPr>
+          <a:xfrm>
+            <a:off x="1233170" y="845820"/>
+            <a:ext cx="2750820" cy="3884930"/>
+          </a:xfrm>
+          <a:prstGeom prst="rect">
+            <a:avLst/>
+          </a:prstGeom>
+        </p:spPr>
+      </p:pic>
+    </p:spTree>
+  </p:cSld>
+  <p:clrMapOvr>
+    <a:masterClrMapping/>
+  </p:clrMapOvr>
+</p:sld>
+</file>
+
+<file path=ppt/slides/slide18.xml><?xml version="1.0" encoding="utf-8"?>
+<p:sld xmlns:a="http://schemas.openxmlformats.org/drawingml/2006/main" xmlns:r="http://schemas.openxmlformats.org/officeDocument/2006/relationships" xmlns:p="http://schemas.openxmlformats.org/presentationml/2006/main">
+  <p:cSld>
+    <p:spTree>
+      <p:nvGrpSpPr>
+        <p:cNvPr id="1" name=""/>
+        <p:cNvGrpSpPr/>
+        <p:nvPr/>
+      </p:nvGrpSpPr>
+      <p:grpSpPr>
+        <a:xfrm>
+          <a:off x="0" y="0"/>
+          <a:ext cx="0" cy="0"/>
+          <a:chOff x="0" y="0"/>
+          <a:chExt cx="0" cy="0"/>
+        </a:xfrm>
+      </p:grpSpPr>
+      <p:sp>
+        <p:nvSpPr>
           <p:cNvPr id="23" name="矩形 22"/>
           <p:cNvSpPr/>
           <p:nvPr/>
@@ -20264,8 +24574,8 @@
         </p:nvSpPr>
         <p:spPr>
           <a:xfrm>
-            <a:off x="238760" y="698500"/>
-            <a:ext cx="8666480" cy="1050925"/>
+            <a:off x="172085" y="1153160"/>
+            <a:ext cx="2466975" cy="2886710"/>
           </a:xfrm>
           <a:prstGeom prst="rect">
             <a:avLst/>
@@ -20288,11 +24598,10 @@
               </a:spcAft>
             </a:pPr>
             <a:r>
-              <a:rPr sz="1600"/>
               <a:t>self-tag方法是一种</a:t>
             </a:r>
             <a:r>
-              <a:rPr sz="1600">
+              <a:rPr>
                 <a:solidFill>
                   <a:srgbClr val="C00000"/>
                 </a:solidFill>
@@ -20300,22 +24609,21 @@
               <a:t>零样本（Zero-Shot）</a:t>
             </a:r>
             <a:r>
-              <a:rPr sz="1600"/>
               <a:t>Prompt-First 主题推荐框架，从输入预处理、信息密度计算、关键句抽取与摘要、多 Prompt 并行推理、主题标准化，到最终的标签聚合与去重。整个流程无需任何模型微调，并可在大规模项目上高效运行。</a:t>
             </a:r>
             <a:r>
-              <a:rPr lang="zh-CN" sz="1600"/>
-              <a:t>具体</a:t>
-            </a:r>
-            <a:r>
-              <a:rPr lang="zh-CN" sz="1600"/>
-              <a:t>框架如下图</a:t>
-            </a:r>
-            <a:r>
-              <a:rPr lang="zh-CN" sz="1600"/>
+              <a:rPr lang="zh-CN"/>
+              <a:t>具体框架如</a:t>
+            </a:r>
+            <a:r>
+              <a:rPr lang="zh-CN"/>
+              <a:t>右图</a:t>
+            </a:r>
+            <a:r>
+              <a:rPr lang="zh-CN"/>
               <a:t>所示</a:t>
             </a:r>
-            <a:endParaRPr lang="zh-CN" sz="1600"/>
+            <a:endParaRPr lang="zh-CN"/>
           </a:p>
         </p:txBody>
       </p:sp>
@@ -20335,7 +24643,7 @@
         </p:blipFill>
         <p:spPr>
           <a:xfrm>
-            <a:off x="1591945" y="1749425"/>
+            <a:off x="2782570" y="1101090"/>
             <a:ext cx="6115050" cy="3296285"/>
           </a:xfrm>
           <a:prstGeom prst="rect">
@@ -20786,8 +25094,8 @@
         </p:nvSpPr>
         <p:spPr>
           <a:xfrm>
-            <a:off x="286385" y="3046730"/>
-            <a:ext cx="4285615" cy="2158365"/>
+            <a:off x="286385" y="608330"/>
+            <a:ext cx="7273925" cy="1861185"/>
           </a:xfrm>
           <a:prstGeom prst="rect">
             <a:avLst/>
@@ -20810,10 +25118,10 @@
               </a:spcAft>
             </a:pPr>
             <a:r>
-              <a:rPr lang="zh-CN" altLang="en-US"/>
+              <a:rPr lang="zh-CN" altLang="en-US" sz="1200"/>
               <a:t>整体流程可划分为六大模块：</a:t>
             </a:r>
-            <a:endParaRPr lang="zh-CN" altLang="en-US"/>
+            <a:endParaRPr lang="zh-CN" altLang="en-US" sz="1200"/>
           </a:p>
           <a:p>
             <a:pPr marL="342900" indent="-342900">
@@ -20829,7 +25137,7 @@
               <a:buAutoNum type="arabicPeriod"/>
             </a:pPr>
             <a:r>
-              <a:rPr lang="zh-CN" altLang="en-US">
+              <a:rPr lang="zh-CN" altLang="en-US" sz="1200">
                 <a:solidFill>
                   <a:srgbClr val="C00000"/>
                 </a:solidFill>
@@ -20837,18 +25145,18 @@
               <a:t>输入预处理：</a:t>
             </a:r>
             <a:r>
-              <a:rPr lang="zh-CN" altLang="en-US"/>
+              <a:rPr lang="zh-CN" altLang="en-US" sz="1200"/>
               <a:t>清洗并结构化仓库描述与 </a:t>
             </a:r>
             <a:r>
-              <a:rPr lang="en-US" altLang="zh-CN"/>
+              <a:rPr lang="en-US" altLang="zh-CN" sz="1200"/>
               <a:t>README</a:t>
             </a:r>
             <a:r>
-              <a:rPr lang="zh-CN" altLang="en-US"/>
+              <a:rPr lang="zh-CN" altLang="en-US" sz="1200"/>
               <a:t>；</a:t>
             </a:r>
-            <a:endParaRPr lang="zh-CN" altLang="en-US"/>
+            <a:endParaRPr lang="zh-CN" altLang="en-US" sz="1200"/>
           </a:p>
           <a:p>
             <a:pPr marL="342900" indent="-342900">
@@ -20864,7 +25172,7 @@
               <a:buAutoNum type="arabicPeriod"/>
             </a:pPr>
             <a:r>
-              <a:rPr lang="zh-CN" altLang="en-US">
+              <a:rPr lang="zh-CN" altLang="en-US" sz="1200">
                 <a:solidFill>
                   <a:srgbClr val="C00000"/>
                 </a:solidFill>
@@ -20872,10 +25180,10 @@
               <a:t>信息密度计算：</a:t>
             </a:r>
             <a:r>
-              <a:rPr lang="zh-CN" altLang="en-US"/>
+              <a:rPr lang="zh-CN" altLang="en-US" sz="1200"/>
               <a:t>为文本中每个句子打分，筛选高信息量内容；</a:t>
             </a:r>
-            <a:endParaRPr lang="zh-CN" altLang="en-US"/>
+            <a:endParaRPr lang="zh-CN" altLang="en-US" sz="1200"/>
           </a:p>
           <a:p>
             <a:pPr marL="342900" indent="-342900">
@@ -20891,7 +25199,7 @@
               <a:buAutoNum type="arabicPeriod"/>
             </a:pPr>
             <a:r>
-              <a:rPr lang="zh-CN" altLang="en-US">
+              <a:rPr lang="zh-CN" altLang="en-US" sz="1200">
                 <a:solidFill>
                   <a:srgbClr val="C00000"/>
                 </a:solidFill>
@@ -20899,18 +25207,153 @@
               <a:t>关键句抽取与摘要：</a:t>
             </a:r>
             <a:r>
-              <a:rPr lang="zh-CN" altLang="en-US"/>
+              <a:rPr lang="zh-CN" altLang="en-US" sz="1200"/>
               <a:t>提取重要句子，并用 </a:t>
             </a:r>
             <a:r>
-              <a:rPr lang="en-US" altLang="zh-CN"/>
+              <a:rPr lang="en-US" altLang="zh-CN" sz="1200"/>
               <a:t>LLM </a:t>
             </a:r>
             <a:r>
-              <a:rPr lang="zh-CN" altLang="en-US"/>
+              <a:rPr lang="zh-CN" altLang="en-US" sz="1200"/>
               <a:t>生成简明摘要；</a:t>
             </a:r>
-            <a:endParaRPr lang="zh-CN" altLang="en-US"/>
+            <a:endParaRPr lang="zh-CN" altLang="en-US" sz="1200"/>
+          </a:p>
+          <a:p>
+            <a:pPr marL="342900" indent="-342900">
+              <a:lnSpc>
+                <a:spcPct val="120000"/>
+              </a:lnSpc>
+              <a:spcBef>
+                <a:spcPts val="0"/>
+              </a:spcBef>
+              <a:spcAft>
+                <a:spcPts val="0"/>
+              </a:spcAft>
+              <a:buFont typeface="+mj-lt"/>
+              <a:buAutoNum type="arabicPeriod" startAt="4"/>
+            </a:pPr>
+            <a:r>
+              <a:rPr lang="zh-CN" altLang="en-US" sz="1200">
+                <a:solidFill>
+                  <a:srgbClr val="C00000"/>
+                </a:solidFill>
+                <a:sym typeface="+mn-ea"/>
+              </a:rPr>
+              <a:t>多 </a:t>
+            </a:r>
+            <a:r>
+              <a:rPr lang="en-US" altLang="zh-CN" sz="1200">
+                <a:solidFill>
+                  <a:srgbClr val="C00000"/>
+                </a:solidFill>
+                <a:sym typeface="+mn-ea"/>
+              </a:rPr>
+              <a:t>Prompt </a:t>
+            </a:r>
+            <a:r>
+              <a:rPr lang="zh-CN" altLang="en-US" sz="1200">
+                <a:solidFill>
+                  <a:srgbClr val="C00000"/>
+                </a:solidFill>
+                <a:sym typeface="+mn-ea"/>
+              </a:rPr>
+              <a:t>并行推理：</a:t>
+            </a:r>
+            <a:r>
+              <a:rPr lang="zh-CN" altLang="en-US" sz="1200">
+                <a:sym typeface="+mn-ea"/>
+              </a:rPr>
+              <a:t>构建多路 </a:t>
+            </a:r>
+            <a:r>
+              <a:rPr lang="en-US" altLang="zh-CN" sz="1200">
+                <a:sym typeface="+mn-ea"/>
+              </a:rPr>
+              <a:t>Prompt</a:t>
+            </a:r>
+            <a:r>
+              <a:rPr lang="zh-CN" altLang="en-US" sz="1200">
+                <a:sym typeface="+mn-ea"/>
+              </a:rPr>
+              <a:t>，分别从不同视角获取原始主题候选；</a:t>
+            </a:r>
+            <a:endParaRPr lang="zh-CN" altLang="en-US" sz="1200"/>
+          </a:p>
+          <a:p>
+            <a:pPr marL="342900" indent="-342900">
+              <a:lnSpc>
+                <a:spcPct val="120000"/>
+              </a:lnSpc>
+              <a:spcBef>
+                <a:spcPts val="0"/>
+              </a:spcBef>
+              <a:spcAft>
+                <a:spcPts val="0"/>
+              </a:spcAft>
+              <a:buFont typeface="+mj-lt"/>
+              <a:buAutoNum type="arabicPeriod" startAt="4"/>
+            </a:pPr>
+            <a:r>
+              <a:rPr lang="zh-CN" altLang="en-US" sz="1200">
+                <a:solidFill>
+                  <a:srgbClr val="C00000"/>
+                </a:solidFill>
+                <a:sym typeface="+mn-ea"/>
+              </a:rPr>
+              <a:t>主题标准化：</a:t>
+            </a:r>
+            <a:r>
+              <a:rPr lang="zh-CN" altLang="en-US" sz="1200">
+                <a:sym typeface="+mn-ea"/>
+              </a:rPr>
+              <a:t>消除大小写、复数、符号等变体带来的冗余；</a:t>
+            </a:r>
+            <a:endParaRPr lang="zh-CN" altLang="en-US" sz="1200"/>
+          </a:p>
+          <a:p>
+            <a:pPr marL="342900" indent="-342900">
+              <a:lnSpc>
+                <a:spcPct val="120000"/>
+              </a:lnSpc>
+              <a:spcBef>
+                <a:spcPts val="0"/>
+              </a:spcBef>
+              <a:spcAft>
+                <a:spcPts val="0"/>
+              </a:spcAft>
+              <a:buFont typeface="+mj-lt"/>
+              <a:buAutoNum type="arabicPeriod" startAt="4"/>
+            </a:pPr>
+            <a:r>
+              <a:rPr lang="zh-CN" altLang="en-US" sz="1200">
+                <a:solidFill>
+                  <a:srgbClr val="C00000"/>
+                </a:solidFill>
+                <a:sym typeface="+mn-ea"/>
+              </a:rPr>
+              <a:t>标签聚合与去重：</a:t>
+            </a:r>
+            <a:r>
+              <a:rPr lang="zh-CN" altLang="en-US" sz="1200">
+                <a:sym typeface="+mn-ea"/>
+              </a:rPr>
+              <a:t>基于投票机制选取最终 </a:t>
+            </a:r>
+            <a:r>
+              <a:rPr lang="en-US" altLang="zh-CN" sz="1200">
+                <a:sym typeface="+mn-ea"/>
+              </a:rPr>
+              <a:t>Top-K </a:t>
+            </a:r>
+            <a:r>
+              <a:rPr lang="zh-CN" altLang="en-US" sz="1200">
+                <a:sym typeface="+mn-ea"/>
+              </a:rPr>
+              <a:t>主题。</a:t>
+            </a:r>
+            <a:endParaRPr lang="zh-CN" altLang="en-US" sz="1200"/>
           </a:p>
           <a:p>
             <a:pPr>
@@ -20925,168 +25368,7 @@
               </a:spcAft>
               <a:buAutoNum type="arabicPeriod"/>
             </a:pPr>
-            <a:endParaRPr lang="zh-CN" altLang="en-US"/>
-          </a:p>
-        </p:txBody>
-      </p:sp>
-      <p:sp>
-        <p:nvSpPr>
-          <p:cNvPr id="4" name="文本框 3"/>
-          <p:cNvSpPr txBox="1"/>
-          <p:nvPr/>
-        </p:nvSpPr>
-        <p:spPr>
-          <a:xfrm>
-            <a:off x="4572000" y="3305175"/>
-            <a:ext cx="4205605" cy="1641475"/>
-          </a:xfrm>
-          <a:prstGeom prst="rect">
-            <a:avLst/>
-          </a:prstGeom>
-          <a:noFill/>
-        </p:spPr>
-        <p:txBody>
-          <a:bodyPr wrap="square" rtlCol="0" anchor="t">
-            <a:spAutoFit/>
-          </a:bodyPr>
-          <a:p>
-            <a:pPr marL="342900" indent="-342900">
-              <a:lnSpc>
-                <a:spcPct val="120000"/>
-              </a:lnSpc>
-              <a:spcBef>
-                <a:spcPts val="0"/>
-              </a:spcBef>
-              <a:spcAft>
-                <a:spcPts val="0"/>
-              </a:spcAft>
-              <a:buFont typeface="+mj-lt"/>
-              <a:buAutoNum type="arabicPeriod" startAt="4"/>
-            </a:pPr>
-            <a:r>
-              <a:rPr lang="zh-CN" altLang="en-US">
-                <a:solidFill>
-                  <a:srgbClr val="C00000"/>
-                </a:solidFill>
-                <a:sym typeface="+mn-ea"/>
-              </a:rPr>
-              <a:t>多 </a:t>
-            </a:r>
-            <a:r>
-              <a:rPr lang="en-US" altLang="zh-CN">
-                <a:solidFill>
-                  <a:srgbClr val="C00000"/>
-                </a:solidFill>
-                <a:sym typeface="+mn-ea"/>
-              </a:rPr>
-              <a:t>Prompt </a:t>
-            </a:r>
-            <a:r>
-              <a:rPr lang="zh-CN" altLang="en-US">
-                <a:solidFill>
-                  <a:srgbClr val="C00000"/>
-                </a:solidFill>
-                <a:sym typeface="+mn-ea"/>
-              </a:rPr>
-              <a:t>并行推理：</a:t>
-            </a:r>
-            <a:r>
-              <a:rPr lang="zh-CN" altLang="en-US">
-                <a:sym typeface="+mn-ea"/>
-              </a:rPr>
-              <a:t>构建多路 </a:t>
-            </a:r>
-            <a:r>
-              <a:rPr lang="en-US" altLang="zh-CN">
-                <a:sym typeface="+mn-ea"/>
-              </a:rPr>
-              <a:t>Prompt</a:t>
-            </a:r>
-            <a:r>
-              <a:rPr lang="zh-CN" altLang="en-US">
-                <a:sym typeface="+mn-ea"/>
-              </a:rPr>
-              <a:t>，分别从不同视角获取原始主题候选；</a:t>
-            </a:r>
-            <a:endParaRPr lang="zh-CN" altLang="en-US"/>
-          </a:p>
-          <a:p>
-            <a:pPr marL="342900" indent="-342900">
-              <a:lnSpc>
-                <a:spcPct val="120000"/>
-              </a:lnSpc>
-              <a:spcBef>
-                <a:spcPts val="0"/>
-              </a:spcBef>
-              <a:spcAft>
-                <a:spcPts val="0"/>
-              </a:spcAft>
-              <a:buFont typeface="+mj-lt"/>
-              <a:buAutoNum type="arabicPeriod" startAt="4"/>
-            </a:pPr>
-            <a:r>
-              <a:rPr lang="zh-CN" altLang="en-US">
-                <a:solidFill>
-                  <a:srgbClr val="C00000"/>
-                </a:solidFill>
-                <a:sym typeface="+mn-ea"/>
-              </a:rPr>
-              <a:t>主题标准化：</a:t>
-            </a:r>
-            <a:r>
-              <a:rPr lang="zh-CN" altLang="en-US">
-                <a:sym typeface="+mn-ea"/>
-              </a:rPr>
-              <a:t>消除大小写、复数、符号等变体带来的冗余；</a:t>
-            </a:r>
-            <a:endParaRPr lang="zh-CN" altLang="en-US"/>
-          </a:p>
-          <a:p>
-            <a:pPr marL="342900" indent="-342900">
-              <a:lnSpc>
-                <a:spcPct val="120000"/>
-              </a:lnSpc>
-              <a:spcBef>
-                <a:spcPts val="0"/>
-              </a:spcBef>
-              <a:spcAft>
-                <a:spcPts val="0"/>
-              </a:spcAft>
-              <a:buFont typeface="+mj-lt"/>
-              <a:buAutoNum type="arabicPeriod" startAt="4"/>
-            </a:pPr>
-            <a:r>
-              <a:rPr lang="zh-CN" altLang="en-US">
-                <a:solidFill>
-                  <a:srgbClr val="C00000"/>
-                </a:solidFill>
-                <a:sym typeface="+mn-ea"/>
-              </a:rPr>
-              <a:t>标签聚合与去重：</a:t>
-            </a:r>
-            <a:r>
-              <a:rPr lang="zh-CN" altLang="en-US">
-                <a:sym typeface="+mn-ea"/>
-              </a:rPr>
-              <a:t>基于投票机制选取最终 </a:t>
-            </a:r>
-            <a:r>
-              <a:rPr lang="en-US" altLang="zh-CN">
-                <a:sym typeface="+mn-ea"/>
-              </a:rPr>
-              <a:t>Top-K </a:t>
-            </a:r>
-            <a:r>
-              <a:rPr lang="zh-CN" altLang="en-US">
-                <a:sym typeface="+mn-ea"/>
-              </a:rPr>
-              <a:t>主题。</a:t>
-            </a:r>
-            <a:endParaRPr lang="zh-CN" altLang="en-US" sz="1400" dirty="0" smtClean="0">
-              <a:latin typeface="Arial" panose="020B0604020202090204" pitchFamily="34" charset="0"/>
-              <a:ea typeface="微软雅黑" panose="020B0503020204020204" pitchFamily="34" charset="-122"/>
-              <a:sym typeface="+mn-ea"/>
-            </a:endParaRPr>
+            <a:endParaRPr lang="zh-CN" altLang="en-US" sz="1200"/>
           </a:p>
         </p:txBody>
       </p:sp>
@@ -21106,12 +25388,40 @@
         </p:blipFill>
         <p:spPr>
           <a:xfrm>
-            <a:off x="2096135" y="541020"/>
+            <a:off x="286385" y="2448560"/>
             <a:ext cx="4648200" cy="2505710"/>
           </a:xfrm>
           <a:prstGeom prst="rect">
             <a:avLst/>
           </a:prstGeom>
+        </p:spPr>
+      </p:pic>
+      <p:pic>
+        <p:nvPicPr>
+          <p:cNvPr id="5" name="图片 4"/>
+          <p:cNvPicPr>
+            <a:picLocks noChangeAspect="1"/>
+          </p:cNvPicPr>
+          <p:nvPr/>
+        </p:nvPicPr>
+        <p:blipFill>
+          <a:blip r:embed="rId2"/>
+          <a:stretch>
+            <a:fillRect/>
+          </a:stretch>
+        </p:blipFill>
+        <p:spPr>
+          <a:xfrm>
+            <a:off x="5105400" y="2203450"/>
+            <a:ext cx="3867150" cy="2705100"/>
+          </a:xfrm>
+          <a:prstGeom prst="rect">
+            <a:avLst/>
+          </a:prstGeom>
+          <a:noFill/>
+          <a:ln>
+            <a:noFill/>
+          </a:ln>
         </p:spPr>
       </p:pic>
     </p:spTree>
@@ -21862,11 +26172,190 @@
 
 <file path=ppt/tags/tag13.xml><?xml version="1.0" encoding="utf-8"?>
 <p:tagLst xmlns:p="http://schemas.openxmlformats.org/presentationml/2006/main">
-  <p:tag name="ISPRING_PRESENTATION_TITLE" val="PowerPoint 演示文稿"/>
-  <p:tag name="KSO_WPP_MARK_KEY" val="e598c703-912c-4162-8f78-4b55a7d37ccb"/>
-  <p:tag name="COMMONDATA" val="eyJoZGlkIjoiN2YzNjBkOTgyNWQ1YTMxYzM3MzMwNWFiODNmOWIzYWMifQ=="/>
-  <p:tag name="commondata" val="eyJoZGlkIjoiZDkzY2IzOWZlZjMxNWFjMWUwMDg5NjQyMWNkMDA2ZGQifQ=="/>
-  <p:tag name="resource_record_key" val="{&quot;70&quot;:[3322427]}"/>
+  <p:tag name="KSO_WM_UNIT_HIGHLIGHT" val="0"/>
+  <p:tag name="KSO_WM_UNIT_COMPATIBLE" val="0"/>
+  <p:tag name="KSO_WM_UNIT_DIAGRAM_ISNUMVISUAL" val="0"/>
+  <p:tag name="KSO_WM_UNIT_DIAGRAM_ISREFERUNIT" val="0"/>
+  <p:tag name="KSO_WM_UNIT_ID" val="diagram20232462_5*l_h_i*1_6_2"/>
+  <p:tag name="KSO_WM_TEMPLATE_CATEGORY" val="diagram"/>
+  <p:tag name="KSO_WM_TEMPLATE_INDEX" val="20232462"/>
+  <p:tag name="KSO_WM_UNIT_LAYERLEVEL" val="1_1_1"/>
+  <p:tag name="KSO_WM_TAG_VERSION" val="3.0"/>
+  <p:tag name="KSO_WM_DIAGRAM_VERSION" val="3"/>
+  <p:tag name="KSO_WM_DIAGRAM_COLOR_TRICK" val="1"/>
+  <p:tag name="KSO_WM_DIAGRAM_COLOR_TEXT_CAN_REMOVE" val="n"/>
+  <p:tag name="KSO_WM_DIAGRAM_GROUP_CODE" val="l1-1"/>
+  <p:tag name="KSO_WM_UNIT_TYPE" val="l_h_i"/>
+  <p:tag name="KSO_WM_UNIT_INDEX" val="1_6_2"/>
+  <p:tag name="KSO_WM_DIAGRAM_MAX_ITEMCNT" val="6"/>
+  <p:tag name="KSO_WM_DIAGRAM_MIN_ITEMCNT" val="2"/>
+  <p:tag name="KSO_WM_DIAGRAM_VIRTUALLY_FRAME" val="{&quot;height&quot;:287.8,&quot;left&quot;:23.28976377952756,&quot;top&quot;:69.15,&quot;width&quot;:668.7102362204724}"/>
+  <p:tag name="KSO_WM_DIAGRAM_COLOR_MATCH_VALUE" val="{&quot;shape&quot;:{&quot;fill&quot;:{&quot;type&quot;:0},&quot;glow&quot;:{&quot;colorType&quot;:0},&quot;line&quot;:{&quot;solidLine&quot;:{&quot;brightness&quot;:0,&quot;colorType&quot;:1,&quot;foreColorIndex&quot;:5,&quot;transparency&quot;:0.800000011920929},&quot;type&quot;:1},&quot;shadow&quot;:{&quot;brightness&quot;:0,&quot;colorType&quot;:1,&quot;foreColorIndex&quot;:5,&quot;transparency&quot;:0.800000011920929},&quot;threeD&quot;:{&quot;curvedSurface&quot;:{&quot;brightness&quot;:0,&quot;colorType&quot;:2,&quot;rgb&quot;:&quot;#000000&quot;},&quot;depth&quot;:{&quot;colorType&quot;:0}}},&quot;text&quot;:{&quot;fill&quot;:{&quot;solid&quot;:{&quot;brightness&quot;:0,&quot;colorType&quot;:1,&quot;foreColorIndex&quot;:13,&quot;transparency&quot;:0},&quot;type&quot;:1},&quot;glow&quot;:{&quot;colorType&quot;:0},&quot;line&quot;:{&quot;type&quot;:0},&quot;shadow&quot;:{&quot;colorType&quot;:0},&quot;threeD&quot;:{&quot;curvedSurface&quot;:{&quot;brightness&quot;:0,&quot;colorType&quot;:2,&quot;rgb&quot;:&quot;#000000&quot;},&quot;depth&quot;:{&quot;colorType&quot;:0}}}}"/>
+  <p:tag name="KSO_WM_BEAUTIFY_FLAG" val="#wm#"/>
+  <p:tag name="KSO_WM_UNIT_LINE_FORE_SCHEMECOLOR_INDEX" val="5"/>
+  <p:tag name="KSO_WM_DIAGRAM_USE_COLOR_VALUE" val="{&quot;color_scheme&quot;:1,&quot;color_type&quot;:1,&quot;theme_color_indexes&quot;:[]}"/>
+</p:tagLst>
+</file>
+
+<file path=ppt/tags/tag14.xml><?xml version="1.0" encoding="utf-8"?>
+<p:tagLst xmlns:p="http://schemas.openxmlformats.org/presentationml/2006/main">
+  <p:tag name="KSO_WM_UNIT_HIGHLIGHT" val="0"/>
+  <p:tag name="KSO_WM_UNIT_COMPATIBLE" val="0"/>
+  <p:tag name="KSO_WM_UNIT_DIAGRAM_ISNUMVISUAL" val="0"/>
+  <p:tag name="KSO_WM_UNIT_DIAGRAM_ISREFERUNIT" val="0"/>
+  <p:tag name="KSO_WM_UNIT_ID" val="diagram20232462_5*l_h_i*1_6_3"/>
+  <p:tag name="KSO_WM_TEMPLATE_CATEGORY" val="diagram"/>
+  <p:tag name="KSO_WM_TEMPLATE_INDEX" val="20232462"/>
+  <p:tag name="KSO_WM_UNIT_LAYERLEVEL" val="1_1_1"/>
+  <p:tag name="KSO_WM_TAG_VERSION" val="3.0"/>
+  <p:tag name="KSO_WM_DIAGRAM_VERSION" val="3"/>
+  <p:tag name="KSO_WM_DIAGRAM_COLOR_TRICK" val="1"/>
+  <p:tag name="KSO_WM_DIAGRAM_COLOR_TEXT_CAN_REMOVE" val="n"/>
+  <p:tag name="KSO_WM_DIAGRAM_GROUP_CODE" val="l1-1"/>
+  <p:tag name="KSO_WM_UNIT_TYPE" val="l_h_i"/>
+  <p:tag name="KSO_WM_UNIT_INDEX" val="1_6_3"/>
+  <p:tag name="KSO_WM_DIAGRAM_MAX_ITEMCNT" val="6"/>
+  <p:tag name="KSO_WM_DIAGRAM_MIN_ITEMCNT" val="2"/>
+  <p:tag name="KSO_WM_DIAGRAM_VIRTUALLY_FRAME" val="{&quot;height&quot;:287.8,&quot;left&quot;:23.28976377952756,&quot;top&quot;:69.15,&quot;width&quot;:668.7102362204724}"/>
+  <p:tag name="KSO_WM_DIAGRAM_COLOR_MATCH_VALUE" val="{&quot;shape&quot;:{&quot;fill&quot;:{&quot;type&quot;:0},&quot;glow&quot;:{&quot;colorType&quot;:0},&quot;line&quot;:{&quot;solidLine&quot;:{&quot;brightness&quot;:0,&quot;colorType&quot;:1,&quot;foreColorIndex&quot;:5,&quot;transparency&quot;:0.800000011920929},&quot;type&quot;:1},&quot;shadow&quot;:{&quot;colorType&quot;:0},&quot;threeD&quot;:{&quot;curvedSurface&quot;:{&quot;brightness&quot;:0,&quot;colorType&quot;:2,&quot;rgb&quot;:&quot;#000000&quot;},&quot;depth&quot;:{&quot;colorType&quot;:0}}},&quot;text&quot;:{&quot;fill&quot;:{&quot;solid&quot;:{&quot;brightness&quot;:0,&quot;colorType&quot;:1,&quot;foreColorIndex&quot;:13,&quot;transparency&quot;:0},&quot;type&quot;:1},&quot;glow&quot;:{&quot;colorType&quot;:0},&quot;line&quot;:{&quot;type&quot;:0},&quot;shadow&quot;:{&quot;colorType&quot;:0},&quot;threeD&quot;:{&quot;curvedSurface&quot;:{&quot;brightness&quot;:0,&quot;colorType&quot;:2,&quot;rgb&quot;:&quot;#000000&quot;},&quot;depth&quot;:{&quot;colorType&quot;:0}}}}"/>
+  <p:tag name="KSO_WM_BEAUTIFY_FLAG" val="#wm#"/>
+  <p:tag name="KSO_WM_UNIT_LINE_FORE_SCHEMECOLOR_INDEX" val="5"/>
+  <p:tag name="KSO_WM_DIAGRAM_USE_COLOR_VALUE" val="{&quot;color_scheme&quot;:1,&quot;color_type&quot;:1,&quot;theme_color_indexes&quot;:[]}"/>
+</p:tagLst>
+</file>
+
+<file path=ppt/tags/tag15.xml><?xml version="1.0" encoding="utf-8"?>
+<p:tagLst xmlns:p="http://schemas.openxmlformats.org/presentationml/2006/main">
+  <p:tag name="KSO_WM_UNIT_HIGHLIGHT" val="0"/>
+  <p:tag name="KSO_WM_UNIT_COMPATIBLE" val="0"/>
+  <p:tag name="KSO_WM_UNIT_DIAGRAM_ISNUMVISUAL" val="0"/>
+  <p:tag name="KSO_WM_UNIT_DIAGRAM_ISREFERUNIT" val="0"/>
+  <p:tag name="KSO_WM_UNIT_ID" val="diagram20232462_5*l_h_i*1_4_2"/>
+  <p:tag name="KSO_WM_TEMPLATE_CATEGORY" val="diagram"/>
+  <p:tag name="KSO_WM_TEMPLATE_INDEX" val="20232462"/>
+  <p:tag name="KSO_WM_UNIT_LAYERLEVEL" val="1_1_1"/>
+  <p:tag name="KSO_WM_TAG_VERSION" val="3.0"/>
+  <p:tag name="KSO_WM_DIAGRAM_VERSION" val="3"/>
+  <p:tag name="KSO_WM_DIAGRAM_COLOR_TRICK" val="1"/>
+  <p:tag name="KSO_WM_DIAGRAM_COLOR_TEXT_CAN_REMOVE" val="n"/>
+  <p:tag name="KSO_WM_DIAGRAM_GROUP_CODE" val="l1-1"/>
+  <p:tag name="KSO_WM_UNIT_TYPE" val="l_h_i"/>
+  <p:tag name="KSO_WM_UNIT_INDEX" val="1_4_2"/>
+  <p:tag name="KSO_WM_DIAGRAM_MAX_ITEMCNT" val="6"/>
+  <p:tag name="KSO_WM_DIAGRAM_MIN_ITEMCNT" val="2"/>
+  <p:tag name="KSO_WM_DIAGRAM_VIRTUALLY_FRAME" val="{&quot;height&quot;:287.8,&quot;left&quot;:23.28976377952756,&quot;top&quot;:69.15,&quot;width&quot;:668.7102362204724}"/>
+  <p:tag name="KSO_WM_DIAGRAM_COLOR_MATCH_VALUE" val="{&quot;shape&quot;:{&quot;fill&quot;:{&quot;type&quot;:0},&quot;glow&quot;:{&quot;colorType&quot;:0},&quot;line&quot;:{&quot;solidLine&quot;:{&quot;brightness&quot;:0,&quot;colorType&quot;:1,&quot;foreColorIndex&quot;:5,&quot;transparency&quot;:0.800000011920929},&quot;type&quot;:1},&quot;shadow&quot;:{&quot;brightness&quot;:0,&quot;colorType&quot;:1,&quot;foreColorIndex&quot;:5,&quot;transparency&quot;:0.800000011920929},&quot;threeD&quot;:{&quot;curvedSurface&quot;:{&quot;brightness&quot;:0,&quot;colorType&quot;:2,&quot;rgb&quot;:&quot;#000000&quot;},&quot;depth&quot;:{&quot;colorType&quot;:0}}},&quot;text&quot;:{&quot;fill&quot;:{&quot;solid&quot;:{&quot;brightness&quot;:0,&quot;colorType&quot;:1,&quot;foreColorIndex&quot;:13,&quot;transparency&quot;:0},&quot;type&quot;:1},&quot;glow&quot;:{&quot;colorType&quot;:0},&quot;line&quot;:{&quot;type&quot;:0},&quot;shadow&quot;:{&quot;colorType&quot;:0},&quot;threeD&quot;:{&quot;curvedSurface&quot;:{&quot;brightness&quot;:0,&quot;colorType&quot;:2,&quot;rgb&quot;:&quot;#000000&quot;},&quot;depth&quot;:{&quot;colorType&quot;:0}}}}"/>
+  <p:tag name="KSO_WM_BEAUTIFY_FLAG" val="#wm#"/>
+  <p:tag name="KSO_WM_UNIT_LINE_FORE_SCHEMECOLOR_INDEX" val="5"/>
+  <p:tag name="KSO_WM_DIAGRAM_USE_COLOR_VALUE" val="{&quot;color_scheme&quot;:1,&quot;color_type&quot;:1,&quot;theme_color_indexes&quot;:[]}"/>
+</p:tagLst>
+</file>
+
+<file path=ppt/tags/tag16.xml><?xml version="1.0" encoding="utf-8"?>
+<p:tagLst xmlns:p="http://schemas.openxmlformats.org/presentationml/2006/main">
+  <p:tag name="KSO_WM_UNIT_HIGHLIGHT" val="0"/>
+  <p:tag name="KSO_WM_UNIT_COMPATIBLE" val="0"/>
+  <p:tag name="KSO_WM_UNIT_DIAGRAM_ISNUMVISUAL" val="0"/>
+  <p:tag name="KSO_WM_UNIT_DIAGRAM_ISREFERUNIT" val="0"/>
+  <p:tag name="KSO_WM_UNIT_ID" val="diagram20232462_5*l_h_i*1_4_3"/>
+  <p:tag name="KSO_WM_TEMPLATE_CATEGORY" val="diagram"/>
+  <p:tag name="KSO_WM_TEMPLATE_INDEX" val="20232462"/>
+  <p:tag name="KSO_WM_UNIT_LAYERLEVEL" val="1_1_1"/>
+  <p:tag name="KSO_WM_TAG_VERSION" val="3.0"/>
+  <p:tag name="KSO_WM_DIAGRAM_VERSION" val="3"/>
+  <p:tag name="KSO_WM_DIAGRAM_COLOR_TRICK" val="1"/>
+  <p:tag name="KSO_WM_DIAGRAM_COLOR_TEXT_CAN_REMOVE" val="n"/>
+  <p:tag name="KSO_WM_DIAGRAM_GROUP_CODE" val="l1-1"/>
+  <p:tag name="KSO_WM_UNIT_TYPE" val="l_h_i"/>
+  <p:tag name="KSO_WM_UNIT_INDEX" val="1_4_3"/>
+  <p:tag name="KSO_WM_DIAGRAM_MAX_ITEMCNT" val="6"/>
+  <p:tag name="KSO_WM_DIAGRAM_MIN_ITEMCNT" val="2"/>
+  <p:tag name="KSO_WM_DIAGRAM_VIRTUALLY_FRAME" val="{&quot;height&quot;:287.8,&quot;left&quot;:23.28976377952756,&quot;top&quot;:69.15,&quot;width&quot;:668.7102362204724}"/>
+  <p:tag name="KSO_WM_DIAGRAM_COLOR_MATCH_VALUE" val="{&quot;shape&quot;:{&quot;fill&quot;:{&quot;type&quot;:0},&quot;glow&quot;:{&quot;colorType&quot;:0},&quot;line&quot;:{&quot;solidLine&quot;:{&quot;brightness&quot;:0,&quot;colorType&quot;:1,&quot;foreColorIndex&quot;:5,&quot;transparency&quot;:0.800000011920929},&quot;type&quot;:1},&quot;shadow&quot;:{&quot;colorType&quot;:0},&quot;threeD&quot;:{&quot;curvedSurface&quot;:{&quot;brightness&quot;:0,&quot;colorType&quot;:2,&quot;rgb&quot;:&quot;#000000&quot;},&quot;depth&quot;:{&quot;colorType&quot;:0}}},&quot;text&quot;:{&quot;fill&quot;:{&quot;solid&quot;:{&quot;brightness&quot;:0,&quot;colorType&quot;:1,&quot;foreColorIndex&quot;:13,&quot;transparency&quot;:0},&quot;type&quot;:1},&quot;glow&quot;:{&quot;colorType&quot;:0},&quot;line&quot;:{&quot;type&quot;:0},&quot;shadow&quot;:{&quot;colorType&quot;:0},&quot;threeD&quot;:{&quot;curvedSurface&quot;:{&quot;brightness&quot;:0,&quot;colorType&quot;:2,&quot;rgb&quot;:&quot;#000000&quot;},&quot;depth&quot;:{&quot;colorType&quot;:0}}}}"/>
+  <p:tag name="KSO_WM_BEAUTIFY_FLAG" val="#wm#"/>
+  <p:tag name="KSO_WM_UNIT_LINE_FORE_SCHEMECOLOR_INDEX" val="5"/>
+  <p:tag name="KSO_WM_DIAGRAM_USE_COLOR_VALUE" val="{&quot;color_scheme&quot;:1,&quot;color_type&quot;:1,&quot;theme_color_indexes&quot;:[]}"/>
+</p:tagLst>
+</file>
+
+<file path=ppt/tags/tag17.xml><?xml version="1.0" encoding="utf-8"?>
+<p:tagLst xmlns:p="http://schemas.openxmlformats.org/presentationml/2006/main">
+  <p:tag name="KSO_WM_UNIT_HIGHLIGHT" val="0"/>
+  <p:tag name="KSO_WM_UNIT_COMPATIBLE" val="0"/>
+  <p:tag name="KSO_WM_UNIT_DIAGRAM_ISNUMVISUAL" val="0"/>
+  <p:tag name="KSO_WM_UNIT_DIAGRAM_ISREFERUNIT" val="0"/>
+  <p:tag name="KSO_WM_UNIT_ID" val="diagram20232462_5*l_h_i*1_2_2"/>
+  <p:tag name="KSO_WM_TEMPLATE_CATEGORY" val="diagram"/>
+  <p:tag name="KSO_WM_TEMPLATE_INDEX" val="20232462"/>
+  <p:tag name="KSO_WM_UNIT_LAYERLEVEL" val="1_1_1"/>
+  <p:tag name="KSO_WM_TAG_VERSION" val="3.0"/>
+  <p:tag name="KSO_WM_DIAGRAM_VERSION" val="3"/>
+  <p:tag name="KSO_WM_DIAGRAM_COLOR_TRICK" val="1"/>
+  <p:tag name="KSO_WM_DIAGRAM_COLOR_TEXT_CAN_REMOVE" val="n"/>
+  <p:tag name="KSO_WM_DIAGRAM_GROUP_CODE" val="l1-1"/>
+  <p:tag name="KSO_WM_UNIT_TYPE" val="l_h_i"/>
+  <p:tag name="KSO_WM_UNIT_INDEX" val="1_2_2"/>
+  <p:tag name="KSO_WM_DIAGRAM_MAX_ITEMCNT" val="6"/>
+  <p:tag name="KSO_WM_DIAGRAM_MIN_ITEMCNT" val="2"/>
+  <p:tag name="KSO_WM_DIAGRAM_VIRTUALLY_FRAME" val="{&quot;height&quot;:287.8,&quot;left&quot;:23.28976377952756,&quot;top&quot;:69.15,&quot;width&quot;:668.7102362204724}"/>
+  <p:tag name="KSO_WM_DIAGRAM_COLOR_MATCH_VALUE" val="{&quot;shape&quot;:{&quot;fill&quot;:{&quot;type&quot;:0},&quot;glow&quot;:{&quot;colorType&quot;:0},&quot;line&quot;:{&quot;solidLine&quot;:{&quot;brightness&quot;:0,&quot;colorType&quot;:1,&quot;foreColorIndex&quot;:5,&quot;transparency&quot;:0.800000011920929},&quot;type&quot;:1},&quot;shadow&quot;:{&quot;brightness&quot;:0,&quot;colorType&quot;:1,&quot;foreColorIndex&quot;:5,&quot;transparency&quot;:0.800000011920929},&quot;threeD&quot;:{&quot;curvedSurface&quot;:{&quot;brightness&quot;:0,&quot;colorType&quot;:2,&quot;rgb&quot;:&quot;#000000&quot;},&quot;depth&quot;:{&quot;colorType&quot;:0}}},&quot;text&quot;:{&quot;fill&quot;:{&quot;solid&quot;:{&quot;brightness&quot;:0,&quot;colorType&quot;:1,&quot;foreColorIndex&quot;:13,&quot;transparency&quot;:0},&quot;type&quot;:1},&quot;glow&quot;:{&quot;colorType&quot;:0},&quot;line&quot;:{&quot;type&quot;:0},&quot;shadow&quot;:{&quot;colorType&quot;:0},&quot;threeD&quot;:{&quot;curvedSurface&quot;:{&quot;brightness&quot;:0,&quot;colorType&quot;:2,&quot;rgb&quot;:&quot;#000000&quot;},&quot;depth&quot;:{&quot;colorType&quot;:0}}}}"/>
+  <p:tag name="KSO_WM_BEAUTIFY_FLAG" val="#wm#"/>
+  <p:tag name="KSO_WM_UNIT_LINE_FORE_SCHEMECOLOR_INDEX" val="5"/>
+  <p:tag name="KSO_WM_DIAGRAM_USE_COLOR_VALUE" val="{&quot;color_scheme&quot;:1,&quot;color_type&quot;:1,&quot;theme_color_indexes&quot;:[]}"/>
+</p:tagLst>
+</file>
+
+<file path=ppt/tags/tag18.xml><?xml version="1.0" encoding="utf-8"?>
+<p:tagLst xmlns:p="http://schemas.openxmlformats.org/presentationml/2006/main">
+  <p:tag name="KSO_WM_UNIT_HIGHLIGHT" val="0"/>
+  <p:tag name="KSO_WM_UNIT_COMPATIBLE" val="0"/>
+  <p:tag name="KSO_WM_UNIT_DIAGRAM_ISNUMVISUAL" val="0"/>
+  <p:tag name="KSO_WM_UNIT_DIAGRAM_ISREFERUNIT" val="0"/>
+  <p:tag name="KSO_WM_UNIT_ID" val="diagram20232462_5*l_h_i*1_2_3"/>
+  <p:tag name="KSO_WM_TEMPLATE_CATEGORY" val="diagram"/>
+  <p:tag name="KSO_WM_TEMPLATE_INDEX" val="20232462"/>
+  <p:tag name="KSO_WM_UNIT_LAYERLEVEL" val="1_1_1"/>
+  <p:tag name="KSO_WM_TAG_VERSION" val="3.0"/>
+  <p:tag name="KSO_WM_DIAGRAM_VERSION" val="3"/>
+  <p:tag name="KSO_WM_DIAGRAM_COLOR_TRICK" val="1"/>
+  <p:tag name="KSO_WM_DIAGRAM_COLOR_TEXT_CAN_REMOVE" val="n"/>
+  <p:tag name="KSO_WM_DIAGRAM_GROUP_CODE" val="l1-1"/>
+  <p:tag name="KSO_WM_UNIT_TYPE" val="l_h_i"/>
+  <p:tag name="KSO_WM_UNIT_INDEX" val="1_2_3"/>
+  <p:tag name="KSO_WM_DIAGRAM_MAX_ITEMCNT" val="6"/>
+  <p:tag name="KSO_WM_DIAGRAM_MIN_ITEMCNT" val="2"/>
+  <p:tag name="KSO_WM_DIAGRAM_VIRTUALLY_FRAME" val="{&quot;height&quot;:287.8,&quot;left&quot;:23.28976377952756,&quot;top&quot;:69.15,&quot;width&quot;:668.7102362204724}"/>
+  <p:tag name="KSO_WM_DIAGRAM_COLOR_MATCH_VALUE" val="{&quot;shape&quot;:{&quot;fill&quot;:{&quot;type&quot;:0},&quot;glow&quot;:{&quot;colorType&quot;:0},&quot;line&quot;:{&quot;solidLine&quot;:{&quot;brightness&quot;:0,&quot;colorType&quot;:1,&quot;foreColorIndex&quot;:5,&quot;transparency&quot;:0.800000011920929},&quot;type&quot;:1},&quot;shadow&quot;:{&quot;colorType&quot;:0},&quot;threeD&quot;:{&quot;curvedSurface&quot;:{&quot;brightness&quot;:0,&quot;colorType&quot;:2,&quot;rgb&quot;:&quot;#000000&quot;},&quot;depth&quot;:{&quot;colorType&quot;:0}}},&quot;text&quot;:{&quot;fill&quot;:{&quot;solid&quot;:{&quot;brightness&quot;:0,&quot;colorType&quot;:1,&quot;foreColorIndex&quot;:13,&quot;transparency&quot;:0},&quot;type&quot;:1},&quot;glow&quot;:{&quot;colorType&quot;:0},&quot;line&quot;:{&quot;type&quot;:0},&quot;shadow&quot;:{&quot;colorType&quot;:0},&quot;threeD&quot;:{&quot;curvedSurface&quot;:{&quot;brightness&quot;:0,&quot;colorType&quot;:2,&quot;rgb&quot;:&quot;#000000&quot;},&quot;depth&quot;:{&quot;colorType&quot;:0}}}}"/>
+  <p:tag name="KSO_WM_BEAUTIFY_FLAG" val="#wm#"/>
+  <p:tag name="KSO_WM_UNIT_LINE_FORE_SCHEMECOLOR_INDEX" val="5"/>
+  <p:tag name="KSO_WM_DIAGRAM_USE_COLOR_VALUE" val="{&quot;color_scheme&quot;:1,&quot;color_type&quot;:1,&quot;theme_color_indexes&quot;:[]}"/>
+</p:tagLst>
+</file>
+
+<file path=ppt/tags/tag19.xml><?xml version="1.0" encoding="utf-8"?>
+<p:tagLst xmlns:p="http://schemas.openxmlformats.org/presentationml/2006/main">
+  <p:tag name="KSO_WM_UNIT_HIGHLIGHT" val="0"/>
+  <p:tag name="KSO_WM_UNIT_COMPATIBLE" val="0"/>
+  <p:tag name="KSO_WM_UNIT_DIAGRAM_ISNUMVISUAL" val="0"/>
+  <p:tag name="KSO_WM_UNIT_DIAGRAM_ISREFERUNIT" val="0"/>
+  <p:tag name="KSO_WM_UNIT_ID" val="diagram20232462_5*l_h_i*1_5_2"/>
+  <p:tag name="KSO_WM_TEMPLATE_CATEGORY" val="diagram"/>
+  <p:tag name="KSO_WM_TEMPLATE_INDEX" val="20232462"/>
+  <p:tag name="KSO_WM_UNIT_LAYERLEVEL" val="1_1_1"/>
+  <p:tag name="KSO_WM_TAG_VERSION" val="3.0"/>
+  <p:tag name="KSO_WM_DIAGRAM_VERSION" val="3"/>
+  <p:tag name="KSO_WM_DIAGRAM_COLOR_TRICK" val="1"/>
+  <p:tag name="KSO_WM_DIAGRAM_COLOR_TEXT_CAN_REMOVE" val="n"/>
+  <p:tag name="KSO_WM_DIAGRAM_GROUP_CODE" val="l1-1"/>
+  <p:tag name="KSO_WM_UNIT_TYPE" val="l_h_i"/>
+  <p:tag name="KSO_WM_UNIT_INDEX" val="1_5_2"/>
+  <p:tag name="KSO_WM_DIAGRAM_MAX_ITEMCNT" val="6"/>
+  <p:tag name="KSO_WM_DIAGRAM_MIN_ITEMCNT" val="2"/>
+  <p:tag name="KSO_WM_DIAGRAM_VIRTUALLY_FRAME" val="{&quot;height&quot;:287.8,&quot;left&quot;:23.28976377952756,&quot;top&quot;:69.15,&quot;width&quot;:668.7102362204724}"/>
+  <p:tag name="KSO_WM_DIAGRAM_COLOR_MATCH_VALUE" val="{&quot;shape&quot;:{&quot;fill&quot;:{&quot;type&quot;:0},&quot;glow&quot;:{&quot;colorType&quot;:0},&quot;line&quot;:{&quot;solidLine&quot;:{&quot;brightness&quot;:0,&quot;colorType&quot;:1,&quot;foreColorIndex&quot;:5,&quot;transparency&quot;:0.800000011920929},&quot;type&quot;:1},&quot;shadow&quot;:{&quot;brightness&quot;:0,&quot;colorType&quot;:1,&quot;foreColorIndex&quot;:5,&quot;transparency&quot;:0.800000011920929},&quot;threeD&quot;:{&quot;curvedSurface&quot;:{&quot;brightness&quot;:0,&quot;colorType&quot;:2,&quot;rgb&quot;:&quot;#000000&quot;},&quot;depth&quot;:{&quot;colorType&quot;:0}}},&quot;text&quot;:{&quot;fill&quot;:{&quot;solid&quot;:{&quot;brightness&quot;:0,&quot;colorType&quot;:1,&quot;foreColorIndex&quot;:13,&quot;transparency&quot;:0},&quot;type&quot;:1},&quot;glow&quot;:{&quot;colorType&quot;:0},&quot;line&quot;:{&quot;type&quot;:0},&quot;shadow&quot;:{&quot;colorType&quot;:0},&quot;threeD&quot;:{&quot;curvedSurface&quot;:{&quot;brightness&quot;:0,&quot;colorType&quot;:2,&quot;rgb&quot;:&quot;#000000&quot;},&quot;depth&quot;:{&quot;colorType&quot;:0}}}}"/>
+  <p:tag name="KSO_WM_BEAUTIFY_FLAG" val="#wm#"/>
+  <p:tag name="KSO_WM_UNIT_LINE_FORE_SCHEMECOLOR_INDEX" val="5"/>
+  <p:tag name="KSO_WM_DIAGRAM_USE_COLOR_VALUE" val="{&quot;color_scheme&quot;:1,&quot;color_type&quot;:1,&quot;theme_color_indexes&quot;:[]}"/>
 </p:tagLst>
 </file>
 
@@ -21876,15 +26365,766 @@
 </p:tagLst>
 </file>
 
+<file path=ppt/tags/tag20.xml><?xml version="1.0" encoding="utf-8"?>
+<p:tagLst xmlns:p="http://schemas.openxmlformats.org/presentationml/2006/main">
+  <p:tag name="KSO_WM_UNIT_HIGHLIGHT" val="0"/>
+  <p:tag name="KSO_WM_UNIT_COMPATIBLE" val="0"/>
+  <p:tag name="KSO_WM_UNIT_DIAGRAM_ISNUMVISUAL" val="0"/>
+  <p:tag name="KSO_WM_UNIT_DIAGRAM_ISREFERUNIT" val="0"/>
+  <p:tag name="KSO_WM_UNIT_ID" val="diagram20232462_5*l_h_i*1_5_3"/>
+  <p:tag name="KSO_WM_TEMPLATE_CATEGORY" val="diagram"/>
+  <p:tag name="KSO_WM_TEMPLATE_INDEX" val="20232462"/>
+  <p:tag name="KSO_WM_UNIT_LAYERLEVEL" val="1_1_1"/>
+  <p:tag name="KSO_WM_TAG_VERSION" val="3.0"/>
+  <p:tag name="KSO_WM_DIAGRAM_VERSION" val="3"/>
+  <p:tag name="KSO_WM_DIAGRAM_COLOR_TRICK" val="1"/>
+  <p:tag name="KSO_WM_DIAGRAM_COLOR_TEXT_CAN_REMOVE" val="n"/>
+  <p:tag name="KSO_WM_DIAGRAM_GROUP_CODE" val="l1-1"/>
+  <p:tag name="KSO_WM_UNIT_TYPE" val="l_h_i"/>
+  <p:tag name="KSO_WM_UNIT_INDEX" val="1_5_3"/>
+  <p:tag name="KSO_WM_DIAGRAM_MAX_ITEMCNT" val="6"/>
+  <p:tag name="KSO_WM_DIAGRAM_MIN_ITEMCNT" val="2"/>
+  <p:tag name="KSO_WM_DIAGRAM_VIRTUALLY_FRAME" val="{&quot;height&quot;:287.8,&quot;left&quot;:23.28976377952756,&quot;top&quot;:69.15,&quot;width&quot;:668.7102362204724}"/>
+  <p:tag name="KSO_WM_DIAGRAM_COLOR_MATCH_VALUE" val="{&quot;shape&quot;:{&quot;fill&quot;:{&quot;type&quot;:0},&quot;glow&quot;:{&quot;colorType&quot;:0},&quot;line&quot;:{&quot;solidLine&quot;:{&quot;brightness&quot;:0,&quot;colorType&quot;:1,&quot;foreColorIndex&quot;:5,&quot;transparency&quot;:0.800000011920929},&quot;type&quot;:1},&quot;shadow&quot;:{&quot;colorType&quot;:0},&quot;threeD&quot;:{&quot;curvedSurface&quot;:{&quot;brightness&quot;:0,&quot;colorType&quot;:2,&quot;rgb&quot;:&quot;#000000&quot;},&quot;depth&quot;:{&quot;colorType&quot;:0}}},&quot;text&quot;:{&quot;fill&quot;:{&quot;solid&quot;:{&quot;brightness&quot;:0,&quot;colorType&quot;:1,&quot;foreColorIndex&quot;:13,&quot;transparency&quot;:0},&quot;type&quot;:1},&quot;glow&quot;:{&quot;colorType&quot;:0},&quot;line&quot;:{&quot;type&quot;:0},&quot;shadow&quot;:{&quot;colorType&quot;:0},&quot;threeD&quot;:{&quot;curvedSurface&quot;:{&quot;brightness&quot;:0,&quot;colorType&quot;:2,&quot;rgb&quot;:&quot;#000000&quot;},&quot;depth&quot;:{&quot;colorType&quot;:0}}}}"/>
+  <p:tag name="KSO_WM_BEAUTIFY_FLAG" val="#wm#"/>
+  <p:tag name="KSO_WM_UNIT_LINE_FORE_SCHEMECOLOR_INDEX" val="5"/>
+  <p:tag name="KSO_WM_DIAGRAM_USE_COLOR_VALUE" val="{&quot;color_scheme&quot;:1,&quot;color_type&quot;:1,&quot;theme_color_indexes&quot;:[]}"/>
+</p:tagLst>
+</file>
+
+<file path=ppt/tags/tag21.xml><?xml version="1.0" encoding="utf-8"?>
+<p:tagLst xmlns:p="http://schemas.openxmlformats.org/presentationml/2006/main">
+  <p:tag name="KSO_WM_UNIT_HIGHLIGHT" val="0"/>
+  <p:tag name="KSO_WM_UNIT_COMPATIBLE" val="0"/>
+  <p:tag name="KSO_WM_UNIT_DIAGRAM_ISNUMVISUAL" val="0"/>
+  <p:tag name="KSO_WM_UNIT_DIAGRAM_ISREFERUNIT" val="0"/>
+  <p:tag name="KSO_WM_UNIT_ID" val="diagram20232462_5*l_h_i*1_3_2"/>
+  <p:tag name="KSO_WM_TEMPLATE_CATEGORY" val="diagram"/>
+  <p:tag name="KSO_WM_TEMPLATE_INDEX" val="20232462"/>
+  <p:tag name="KSO_WM_UNIT_LAYERLEVEL" val="1_1_1"/>
+  <p:tag name="KSO_WM_TAG_VERSION" val="3.0"/>
+  <p:tag name="KSO_WM_DIAGRAM_VERSION" val="3"/>
+  <p:tag name="KSO_WM_DIAGRAM_COLOR_TRICK" val="1"/>
+  <p:tag name="KSO_WM_DIAGRAM_COLOR_TEXT_CAN_REMOVE" val="n"/>
+  <p:tag name="KSO_WM_DIAGRAM_GROUP_CODE" val="l1-1"/>
+  <p:tag name="KSO_WM_UNIT_TYPE" val="l_h_i"/>
+  <p:tag name="KSO_WM_UNIT_INDEX" val="1_3_2"/>
+  <p:tag name="KSO_WM_DIAGRAM_MAX_ITEMCNT" val="6"/>
+  <p:tag name="KSO_WM_DIAGRAM_MIN_ITEMCNT" val="2"/>
+  <p:tag name="KSO_WM_DIAGRAM_VIRTUALLY_FRAME" val="{&quot;height&quot;:287.8,&quot;left&quot;:23.28976377952756,&quot;top&quot;:69.15,&quot;width&quot;:668.7102362204724}"/>
+  <p:tag name="KSO_WM_DIAGRAM_COLOR_MATCH_VALUE" val="{&quot;shape&quot;:{&quot;fill&quot;:{&quot;type&quot;:0},&quot;glow&quot;:{&quot;colorType&quot;:0},&quot;line&quot;:{&quot;solidLine&quot;:{&quot;brightness&quot;:0,&quot;colorType&quot;:1,&quot;foreColorIndex&quot;:5,&quot;transparency&quot;:0.800000011920929},&quot;type&quot;:1},&quot;shadow&quot;:{&quot;brightness&quot;:0,&quot;colorType&quot;:1,&quot;foreColorIndex&quot;:5,&quot;transparency&quot;:0.800000011920929},&quot;threeD&quot;:{&quot;curvedSurface&quot;:{&quot;brightness&quot;:0,&quot;colorType&quot;:2,&quot;rgb&quot;:&quot;#000000&quot;},&quot;depth&quot;:{&quot;colorType&quot;:0}}},&quot;text&quot;:{&quot;fill&quot;:{&quot;solid&quot;:{&quot;brightness&quot;:0,&quot;colorType&quot;:1,&quot;foreColorIndex&quot;:13,&quot;transparency&quot;:0},&quot;type&quot;:1},&quot;glow&quot;:{&quot;colorType&quot;:0},&quot;line&quot;:{&quot;type&quot;:0},&quot;shadow&quot;:{&quot;colorType&quot;:0},&quot;threeD&quot;:{&quot;curvedSurface&quot;:{&quot;brightness&quot;:0,&quot;colorType&quot;:2,&quot;rgb&quot;:&quot;#000000&quot;},&quot;depth&quot;:{&quot;colorType&quot;:0}}}}"/>
+  <p:tag name="KSO_WM_BEAUTIFY_FLAG" val="#wm#"/>
+  <p:tag name="KSO_WM_UNIT_LINE_FORE_SCHEMECOLOR_INDEX" val="5"/>
+  <p:tag name="KSO_WM_DIAGRAM_USE_COLOR_VALUE" val="{&quot;color_scheme&quot;:1,&quot;color_type&quot;:1,&quot;theme_color_indexes&quot;:[]}"/>
+</p:tagLst>
+</file>
+
+<file path=ppt/tags/tag22.xml><?xml version="1.0" encoding="utf-8"?>
+<p:tagLst xmlns:p="http://schemas.openxmlformats.org/presentationml/2006/main">
+  <p:tag name="KSO_WM_UNIT_HIGHLIGHT" val="0"/>
+  <p:tag name="KSO_WM_UNIT_COMPATIBLE" val="0"/>
+  <p:tag name="KSO_WM_UNIT_DIAGRAM_ISNUMVISUAL" val="0"/>
+  <p:tag name="KSO_WM_UNIT_DIAGRAM_ISREFERUNIT" val="0"/>
+  <p:tag name="KSO_WM_UNIT_ID" val="diagram20232462_5*l_h_i*1_3_3"/>
+  <p:tag name="KSO_WM_TEMPLATE_CATEGORY" val="diagram"/>
+  <p:tag name="KSO_WM_TEMPLATE_INDEX" val="20232462"/>
+  <p:tag name="KSO_WM_UNIT_LAYERLEVEL" val="1_1_1"/>
+  <p:tag name="KSO_WM_TAG_VERSION" val="3.0"/>
+  <p:tag name="KSO_WM_DIAGRAM_VERSION" val="3"/>
+  <p:tag name="KSO_WM_DIAGRAM_COLOR_TRICK" val="1"/>
+  <p:tag name="KSO_WM_DIAGRAM_COLOR_TEXT_CAN_REMOVE" val="n"/>
+  <p:tag name="KSO_WM_DIAGRAM_GROUP_CODE" val="l1-1"/>
+  <p:tag name="KSO_WM_UNIT_TYPE" val="l_h_i"/>
+  <p:tag name="KSO_WM_UNIT_INDEX" val="1_3_3"/>
+  <p:tag name="KSO_WM_DIAGRAM_MAX_ITEMCNT" val="6"/>
+  <p:tag name="KSO_WM_DIAGRAM_MIN_ITEMCNT" val="2"/>
+  <p:tag name="KSO_WM_DIAGRAM_VIRTUALLY_FRAME" val="{&quot;height&quot;:287.8,&quot;left&quot;:23.28976377952756,&quot;top&quot;:69.15,&quot;width&quot;:668.7102362204724}"/>
+  <p:tag name="KSO_WM_DIAGRAM_COLOR_MATCH_VALUE" val="{&quot;shape&quot;:{&quot;fill&quot;:{&quot;type&quot;:0},&quot;glow&quot;:{&quot;colorType&quot;:0},&quot;line&quot;:{&quot;solidLine&quot;:{&quot;brightness&quot;:0,&quot;colorType&quot;:1,&quot;foreColorIndex&quot;:5,&quot;transparency&quot;:0.800000011920929},&quot;type&quot;:1},&quot;shadow&quot;:{&quot;colorType&quot;:0},&quot;threeD&quot;:{&quot;curvedSurface&quot;:{&quot;brightness&quot;:0,&quot;colorType&quot;:2,&quot;rgb&quot;:&quot;#000000&quot;},&quot;depth&quot;:{&quot;colorType&quot;:0}}},&quot;text&quot;:{&quot;fill&quot;:{&quot;solid&quot;:{&quot;brightness&quot;:0,&quot;colorType&quot;:1,&quot;foreColorIndex&quot;:13,&quot;transparency&quot;:0},&quot;type&quot;:1},&quot;glow&quot;:{&quot;colorType&quot;:0},&quot;line&quot;:{&quot;type&quot;:0},&quot;shadow&quot;:{&quot;colorType&quot;:0},&quot;threeD&quot;:{&quot;curvedSurface&quot;:{&quot;brightness&quot;:0,&quot;colorType&quot;:2,&quot;rgb&quot;:&quot;#000000&quot;},&quot;depth&quot;:{&quot;colorType&quot;:0}}}}"/>
+  <p:tag name="KSO_WM_BEAUTIFY_FLAG" val="#wm#"/>
+  <p:tag name="KSO_WM_UNIT_LINE_FORE_SCHEMECOLOR_INDEX" val="5"/>
+  <p:tag name="KSO_WM_DIAGRAM_USE_COLOR_VALUE" val="{&quot;color_scheme&quot;:1,&quot;color_type&quot;:1,&quot;theme_color_indexes&quot;:[]}"/>
+</p:tagLst>
+</file>
+
+<file path=ppt/tags/tag23.xml><?xml version="1.0" encoding="utf-8"?>
+<p:tagLst xmlns:p="http://schemas.openxmlformats.org/presentationml/2006/main">
+  <p:tag name="KSO_WM_UNIT_HIGHLIGHT" val="0"/>
+  <p:tag name="KSO_WM_UNIT_COMPATIBLE" val="0"/>
+  <p:tag name="KSO_WM_UNIT_DIAGRAM_ISNUMVISUAL" val="0"/>
+  <p:tag name="KSO_WM_UNIT_DIAGRAM_ISREFERUNIT" val="0"/>
+  <p:tag name="KSO_WM_UNIT_ID" val="diagram20232462_5*l_h_i*1_1_2"/>
+  <p:tag name="KSO_WM_TEMPLATE_CATEGORY" val="diagram"/>
+  <p:tag name="KSO_WM_TEMPLATE_INDEX" val="20232462"/>
+  <p:tag name="KSO_WM_UNIT_LAYERLEVEL" val="1_1_1"/>
+  <p:tag name="KSO_WM_TAG_VERSION" val="3.0"/>
+  <p:tag name="KSO_WM_DIAGRAM_VERSION" val="3"/>
+  <p:tag name="KSO_WM_DIAGRAM_COLOR_TRICK" val="1"/>
+  <p:tag name="KSO_WM_DIAGRAM_COLOR_TEXT_CAN_REMOVE" val="n"/>
+  <p:tag name="KSO_WM_DIAGRAM_GROUP_CODE" val="l1-1"/>
+  <p:tag name="KSO_WM_UNIT_TYPE" val="l_h_i"/>
+  <p:tag name="KSO_WM_UNIT_INDEX" val="1_1_2"/>
+  <p:tag name="KSO_WM_DIAGRAM_MAX_ITEMCNT" val="6"/>
+  <p:tag name="KSO_WM_DIAGRAM_MIN_ITEMCNT" val="2"/>
+  <p:tag name="KSO_WM_DIAGRAM_VIRTUALLY_FRAME" val="{&quot;height&quot;:287.8,&quot;left&quot;:23.28976377952756,&quot;top&quot;:69.15,&quot;width&quot;:668.7102362204724}"/>
+  <p:tag name="KSO_WM_DIAGRAM_COLOR_MATCH_VALUE" val="{&quot;shape&quot;:{&quot;fill&quot;:{&quot;type&quot;:0},&quot;glow&quot;:{&quot;colorType&quot;:0},&quot;line&quot;:{&quot;solidLine&quot;:{&quot;brightness&quot;:0,&quot;colorType&quot;:1,&quot;foreColorIndex&quot;:5,&quot;transparency&quot;:0.800000011920929},&quot;type&quot;:1},&quot;shadow&quot;:{&quot;brightness&quot;:0,&quot;colorType&quot;:1,&quot;foreColorIndex&quot;:5,&quot;transparency&quot;:0.800000011920929},&quot;threeD&quot;:{&quot;curvedSurface&quot;:{&quot;brightness&quot;:0,&quot;colorType&quot;:2,&quot;rgb&quot;:&quot;#000000&quot;},&quot;depth&quot;:{&quot;colorType&quot;:0}}},&quot;text&quot;:{&quot;fill&quot;:{&quot;solid&quot;:{&quot;brightness&quot;:0,&quot;colorType&quot;:1,&quot;foreColorIndex&quot;:13,&quot;transparency&quot;:0},&quot;type&quot;:1},&quot;glow&quot;:{&quot;colorType&quot;:0},&quot;line&quot;:{&quot;type&quot;:0},&quot;shadow&quot;:{&quot;colorType&quot;:0},&quot;threeD&quot;:{&quot;curvedSurface&quot;:{&quot;brightness&quot;:0,&quot;colorType&quot;:2,&quot;rgb&quot;:&quot;#000000&quot;},&quot;depth&quot;:{&quot;colorType&quot;:0}}}}"/>
+  <p:tag name="KSO_WM_BEAUTIFY_FLAG" val="#wm#"/>
+  <p:tag name="KSO_WM_UNIT_LINE_FORE_SCHEMECOLOR_INDEX" val="5"/>
+  <p:tag name="KSO_WM_DIAGRAM_USE_COLOR_VALUE" val="{&quot;color_scheme&quot;:1,&quot;color_type&quot;:1,&quot;theme_color_indexes&quot;:[]}"/>
+</p:tagLst>
+</file>
+
+<file path=ppt/tags/tag24.xml><?xml version="1.0" encoding="utf-8"?>
+<p:tagLst xmlns:p="http://schemas.openxmlformats.org/presentationml/2006/main">
+  <p:tag name="KSO_WM_UNIT_HIGHLIGHT" val="0"/>
+  <p:tag name="KSO_WM_UNIT_COMPATIBLE" val="0"/>
+  <p:tag name="KSO_WM_UNIT_DIAGRAM_ISNUMVISUAL" val="0"/>
+  <p:tag name="KSO_WM_UNIT_DIAGRAM_ISREFERUNIT" val="0"/>
+  <p:tag name="KSO_WM_UNIT_ID" val="diagram20232462_5*l_h_i*1_1_3"/>
+  <p:tag name="KSO_WM_TEMPLATE_CATEGORY" val="diagram"/>
+  <p:tag name="KSO_WM_TEMPLATE_INDEX" val="20232462"/>
+  <p:tag name="KSO_WM_UNIT_LAYERLEVEL" val="1_1_1"/>
+  <p:tag name="KSO_WM_TAG_VERSION" val="3.0"/>
+  <p:tag name="KSO_WM_DIAGRAM_VERSION" val="3"/>
+  <p:tag name="KSO_WM_DIAGRAM_COLOR_TRICK" val="1"/>
+  <p:tag name="KSO_WM_DIAGRAM_COLOR_TEXT_CAN_REMOVE" val="n"/>
+  <p:tag name="KSO_WM_DIAGRAM_GROUP_CODE" val="l1-1"/>
+  <p:tag name="KSO_WM_UNIT_TYPE" val="l_h_i"/>
+  <p:tag name="KSO_WM_UNIT_INDEX" val="1_1_3"/>
+  <p:tag name="KSO_WM_DIAGRAM_MAX_ITEMCNT" val="6"/>
+  <p:tag name="KSO_WM_DIAGRAM_MIN_ITEMCNT" val="2"/>
+  <p:tag name="KSO_WM_DIAGRAM_VIRTUALLY_FRAME" val="{&quot;height&quot;:287.8,&quot;left&quot;:23.28976377952756,&quot;top&quot;:69.15,&quot;width&quot;:668.7102362204724}"/>
+  <p:tag name="KSO_WM_DIAGRAM_COLOR_MATCH_VALUE" val="{&quot;shape&quot;:{&quot;fill&quot;:{&quot;type&quot;:0},&quot;glow&quot;:{&quot;colorType&quot;:0},&quot;line&quot;:{&quot;solidLine&quot;:{&quot;brightness&quot;:0,&quot;colorType&quot;:1,&quot;foreColorIndex&quot;:5,&quot;transparency&quot;:0.800000011920929},&quot;type&quot;:1},&quot;shadow&quot;:{&quot;colorType&quot;:0},&quot;threeD&quot;:{&quot;curvedSurface&quot;:{&quot;brightness&quot;:0,&quot;colorType&quot;:2,&quot;rgb&quot;:&quot;#000000&quot;},&quot;depth&quot;:{&quot;colorType&quot;:0}}},&quot;text&quot;:{&quot;fill&quot;:{&quot;solid&quot;:{&quot;brightness&quot;:0,&quot;colorType&quot;:1,&quot;foreColorIndex&quot;:13,&quot;transparency&quot;:0},&quot;type&quot;:1},&quot;glow&quot;:{&quot;colorType&quot;:0},&quot;line&quot;:{&quot;type&quot;:0},&quot;shadow&quot;:{&quot;colorType&quot;:0},&quot;threeD&quot;:{&quot;curvedSurface&quot;:{&quot;brightness&quot;:0,&quot;colorType&quot;:2,&quot;rgb&quot;:&quot;#000000&quot;},&quot;depth&quot;:{&quot;colorType&quot;:0}}}}"/>
+  <p:tag name="KSO_WM_BEAUTIFY_FLAG" val="#wm#"/>
+  <p:tag name="KSO_WM_UNIT_LINE_FORE_SCHEMECOLOR_INDEX" val="5"/>
+  <p:tag name="KSO_WM_DIAGRAM_USE_COLOR_VALUE" val="{&quot;color_scheme&quot;:1,&quot;color_type&quot;:1,&quot;theme_color_indexes&quot;:[]}"/>
+</p:tagLst>
+</file>
+
+<file path=ppt/tags/tag25.xml><?xml version="1.0" encoding="utf-8"?>
+<p:tagLst xmlns:p="http://schemas.openxmlformats.org/presentationml/2006/main">
+  <p:tag name="KSO_WM_UNIT_HIGHLIGHT" val="0"/>
+  <p:tag name="KSO_WM_UNIT_COMPATIBLE" val="0"/>
+  <p:tag name="KSO_WM_UNIT_DIAGRAM_ISNUMVISUAL" val="0"/>
+  <p:tag name="KSO_WM_UNIT_DIAGRAM_ISREFERUNIT" val="0"/>
+  <p:tag name="KSO_WM_UNIT_SUBTYPE" val="d"/>
+  <p:tag name="KSO_WM_UNIT_TYPE" val="l_h_i"/>
+  <p:tag name="KSO_WM_UNIT_INDEX" val="1_2_1"/>
+  <p:tag name="KSO_WM_UNIT_ID" val="diagram20232462_5*l_h_i*1_2_1"/>
+  <p:tag name="KSO_WM_TEMPLATE_CATEGORY" val="diagram"/>
+  <p:tag name="KSO_WM_TEMPLATE_INDEX" val="20232462"/>
+  <p:tag name="KSO_WM_UNIT_LAYERLEVEL" val="1_1_1"/>
+  <p:tag name="KSO_WM_TAG_VERSION" val="3.0"/>
+  <p:tag name="KSO_WM_UNIT_TEXT_FILL_FORE_SCHEMECOLOR_INDEX_BRIGHTNESS" val="0.15"/>
+  <p:tag name="KSO_WM_DIAGRAM_VERSION" val="3"/>
+  <p:tag name="KSO_WM_DIAGRAM_COLOR_TRICK" val="1"/>
+  <p:tag name="KSO_WM_DIAGRAM_COLOR_TEXT_CAN_REMOVE" val="n"/>
+  <p:tag name="KSO_WM_DIAGRAM_GROUP_CODE" val="l1-1"/>
+  <p:tag name="KSO_WM_DIAGRAM_MAX_ITEMCNT" val="6"/>
+  <p:tag name="KSO_WM_DIAGRAM_MIN_ITEMCNT" val="2"/>
+  <p:tag name="KSO_WM_DIAGRAM_VIRTUALLY_FRAME" val="{&quot;height&quot;:287.8,&quot;left&quot;:23.28976377952756,&quot;top&quot;:69.15,&quot;width&quot;:668.7102362204724}"/>
+  <p:tag name="KSO_WM_DIAGRAM_COLOR_MATCH_VALUE" val="{&quot;shape&quot;:{&quot;fill&quot;:{&quot;gradient&quot;:[{&quot;brightness&quot;:0,&quot;colorType&quot;:1,&quot;foreColorIndex&quot;:5,&quot;pos&quot;:0,&quot;transparency&quot;:0},{&quot;brightness&quot;:-0.25,&quot;colorType&quot;:1,&quot;foreColorIndex&quot;:5,&quot;pos&quot;:1,&quot;transparency&quot;:0}],&quot;type&quot;:3},&quot;glow&quot;:{&quot;colorType&quot;:0},&quot;line&quot;:{&quot;type&quot;:0},&quot;shadow&quot;:{&quot;brightness&quot;:0,&quot;colorType&quot;:1,&quot;foreColorIndex&quot;:5,&quot;transparency&quot;:0.75},&quot;threeD&quot;:{&quot;curvedSurface&quot;:{&quot;brightness&quot;:0,&quot;colorType&quot;:2,&quot;rgb&quot;:&quot;#000000&quot;},&quot;depth&quot;:{&quot;colorType&quot;:0}}},&quot;text&quot;:{&quot;fill&quot;:{&quot;solid&quot;:{&quot;brightness&quot;:0,&quot;colorType&quot;:1,&quot;foreColorIndex&quot;:2,&quot;transparency&quot;:0},&quot;type&quot;:1},&quot;glow&quot;:{&quot;colorType&quot;:0},&quot;line&quot;:{&quot;type&quot;:0},&quot;shadow&quot;:{&quot;colorType&quot;:0},&quot;threeD&quot;:{&quot;curvedSurface&quot;:{&quot;brightness&quot;:0,&quot;colorType&quot;:2,&quot;rgb&quot;:&quot;#000000&quot;},&quot;depth&quot;:{&quot;colorType&quot;:0}}}}"/>
+  <p:tag name="KSO_WM_BEAUTIFY_FLAG" val="#wm#"/>
+  <p:tag name="KSO_WM_UNIT_FILL_TYPE" val="3"/>
+  <p:tag name="KSO_WM_UNIT_TEXT_FILL_FORE_SCHEMECOLOR_INDEX" val="1"/>
+  <p:tag name="KSO_WM_UNIT_TEXT_FILL_TYPE" val="1"/>
+  <p:tag name="KSO_WM_DIAGRAM_USE_COLOR_VALUE" val="{&quot;color_scheme&quot;:1,&quot;color_type&quot;:1,&quot;theme_color_indexes&quot;:[]}"/>
+</p:tagLst>
+</file>
+
+<file path=ppt/tags/tag26.xml><?xml version="1.0" encoding="utf-8"?>
+<p:tagLst xmlns:p="http://schemas.openxmlformats.org/presentationml/2006/main">
+  <p:tag name="KSO_WM_UNIT_SUBTYPE" val="a"/>
+  <p:tag name="KSO_WM_UNIT_NOCLEAR" val="0"/>
+  <p:tag name="KSO_WM_UNIT_VALUE" val="60"/>
+  <p:tag name="KSO_WM_UNIT_HIGHLIGHT" val="0"/>
+  <p:tag name="KSO_WM_UNIT_COMPATIBLE" val="0"/>
+  <p:tag name="KSO_WM_UNIT_DIAGRAM_ISNUMVISUAL" val="0"/>
+  <p:tag name="KSO_WM_UNIT_DIAGRAM_ISREFERUNIT" val="0"/>
+  <p:tag name="KSO_WM_UNIT_TYPE" val="l_h_f"/>
+  <p:tag name="KSO_WM_UNIT_INDEX" val="1_2_1"/>
+  <p:tag name="KSO_WM_UNIT_ID" val="diagram20232462_5*l_h_f*1_2_1"/>
+  <p:tag name="KSO_WM_TEMPLATE_CATEGORY" val="diagram"/>
+  <p:tag name="KSO_WM_TEMPLATE_INDEX" val="20232462"/>
+  <p:tag name="KSO_WM_UNIT_LAYERLEVEL" val="1_1_1"/>
+  <p:tag name="KSO_WM_TAG_VERSION" val="3.0"/>
+  <p:tag name="KSO_WM_UNIT_TEXT_FILL_FORE_SCHEMECOLOR_INDEX_BRIGHTNESS" val="0.15"/>
+  <p:tag name="KSO_WM_DIAGRAM_VERSION" val="3"/>
+  <p:tag name="KSO_WM_DIAGRAM_COLOR_TRICK" val="1"/>
+  <p:tag name="KSO_WM_DIAGRAM_COLOR_TEXT_CAN_REMOVE" val="n"/>
+  <p:tag name="KSO_WM_DIAGRAM_GROUP_CODE" val="l1-1"/>
+  <p:tag name="KSO_WM_DIAGRAM_MAX_ITEMCNT" val="6"/>
+  <p:tag name="KSO_WM_DIAGRAM_MIN_ITEMCNT" val="2"/>
+  <p:tag name="KSO_WM_DIAGRAM_VIRTUALLY_FRAME" val="{&quot;height&quot;:287.8,&quot;left&quot;:23.28976377952756,&quot;top&quot;:69.15,&quot;width&quot;:668.7102362204724}"/>
+  <p:tag name="KSO_WM_DIAGRAM_COLOR_MATCH_VALUE" val="{&quot;shape&quot;:{&quot;fill&quot;:{&quot;type&quot;:0},&quot;glow&quot;:{&quot;colorType&quot;:0},&quot;line&quot;:{&quot;type&quot;:0},&quot;shadow&quot;:{&quot;colorType&quot;:0},&quot;threeD&quot;:{&quot;curvedSurface&quot;:{&quot;brightness&quot;:0,&quot;colorType&quot;:2,&quot;rgb&quot;:&quot;#000000&quot;},&quot;depth&quot;:{&quot;colorType&quot;:0}}},&quot;text&quot;:{&quot;fill&quot;:{&quot;solid&quot;:{&quot;brightness&quot;:0.15000000596046448,&quot;colorType&quot;:1,&quot;foreColorIndex&quot;:13,&quot;transparency&quot;:0},&quot;type&quot;:1},&quot;glow&quot;:{&quot;colorType&quot;:0},&quot;line&quot;:{&quot;type&quot;:0},&quot;shadow&quot;:{&quot;colorType&quot;:0},&quot;threeD&quot;:{&quot;curvedSurface&quot;:{&quot;brightness&quot;:0,&quot;colorType&quot;:2,&quot;rgb&quot;:&quot;#000000&quot;},&quot;depth&quot;:{&quot;colorType&quot;:0}}}}"/>
+  <p:tag name="KSO_WM_UNIT_TEXT_TYPE" val="1"/>
+  <p:tag name="KSO_WM_UNIT_TEXT_LAYER_COUNT" val="1"/>
+  <p:tag name="KSO_WM_BEAUTIFY_FLAG" val="#wm#"/>
+  <p:tag name="KSO_WM_UNIT_PRESET_TEXT" val="单击此处输入您的项正文内容，文字是您思想的提炼，请尽量言简意赅的阐述观点"/>
+  <p:tag name="KSO_WM_UNIT_TEXT_FILL_FORE_SCHEMECOLOR_INDEX" val="1"/>
+  <p:tag name="KSO_WM_UNIT_TEXT_FILL_TYPE" val="1"/>
+  <p:tag name="KSO_WM_DIAGRAM_USE_COLOR_VALUE" val="{&quot;color_scheme&quot;:1,&quot;color_type&quot;:1,&quot;theme_color_indexes&quot;:[]}"/>
+</p:tagLst>
+</file>
+
+<file path=ppt/tags/tag27.xml><?xml version="1.0" encoding="utf-8"?>
+<p:tagLst xmlns:p="http://schemas.openxmlformats.org/presentationml/2006/main">
+  <p:tag name="KSO_WM_UNIT_ISCONTENTSTITLE" val="0"/>
+  <p:tag name="KSO_WM_UNIT_ISNUMDGMTITLE" val="0"/>
+  <p:tag name="KSO_WM_UNIT_NOCLEAR" val="0"/>
+  <p:tag name="KSO_WM_UNIT_VALUE" val="10"/>
+  <p:tag name="KSO_WM_UNIT_HIGHLIGHT" val="0"/>
+  <p:tag name="KSO_WM_UNIT_COMPATIBLE" val="0"/>
+  <p:tag name="KSO_WM_UNIT_DIAGRAM_ISNUMVISUAL" val="0"/>
+  <p:tag name="KSO_WM_UNIT_DIAGRAM_ISREFERUNIT" val="0"/>
+  <p:tag name="KSO_WM_UNIT_TYPE" val="l_h_a"/>
+  <p:tag name="KSO_WM_UNIT_INDEX" val="1_2_1"/>
+  <p:tag name="KSO_WM_UNIT_ID" val="diagram20232462_5*l_h_a*1_2_1"/>
+  <p:tag name="KSO_WM_TEMPLATE_CATEGORY" val="diagram"/>
+  <p:tag name="KSO_WM_TEMPLATE_INDEX" val="20232462"/>
+  <p:tag name="KSO_WM_UNIT_LAYERLEVEL" val="1_1_1"/>
+  <p:tag name="KSO_WM_TAG_VERSION" val="3.0"/>
+  <p:tag name="KSO_WM_UNIT_TEXT_FILL_FORE_SCHEMECOLOR_INDEX_BRIGHTNESS" val="0.15"/>
+  <p:tag name="KSO_WM_DIAGRAM_VERSION" val="3"/>
+  <p:tag name="KSO_WM_DIAGRAM_COLOR_TRICK" val="1"/>
+  <p:tag name="KSO_WM_DIAGRAM_COLOR_TEXT_CAN_REMOVE" val="n"/>
+  <p:tag name="KSO_WM_DIAGRAM_GROUP_CODE" val="l1-1"/>
+  <p:tag name="KSO_WM_DIAGRAM_MAX_ITEMCNT" val="6"/>
+  <p:tag name="KSO_WM_DIAGRAM_MIN_ITEMCNT" val="2"/>
+  <p:tag name="KSO_WM_DIAGRAM_VIRTUALLY_FRAME" val="{&quot;height&quot;:287.8,&quot;left&quot;:23.28976377952756,&quot;top&quot;:69.15,&quot;width&quot;:668.7102362204724}"/>
+  <p:tag name="KSO_WM_DIAGRAM_COLOR_MATCH_VALUE" val="{&quot;shape&quot;:{&quot;fill&quot;:{&quot;type&quot;:0},&quot;glow&quot;:{&quot;colorType&quot;:0},&quot;line&quot;:{&quot;type&quot;:0},&quot;shadow&quot;:{&quot;colorType&quot;:0},&quot;threeD&quot;:{&quot;curvedSurface&quot;:{&quot;brightness&quot;:0,&quot;colorType&quot;:2,&quot;rgb&quot;:&quot;#000000&quot;},&quot;depth&quot;:{&quot;colorType&quot;:0}}},&quot;text&quot;:{&quot;fill&quot;:{&quot;solid&quot;:{&quot;brightness&quot;:0.15000000596046448,&quot;colorType&quot;:1,&quot;foreColorIndex&quot;:13,&quot;transparency&quot;:0},&quot;type&quot;:1},&quot;glow&quot;:{&quot;colorType&quot;:0},&quot;line&quot;:{&quot;type&quot;:0},&quot;shadow&quot;:{&quot;colorType&quot;:0},&quot;threeD&quot;:{&quot;curvedSurface&quot;:{&quot;brightness&quot;:0,&quot;colorType&quot;:2,&quot;rgb&quot;:&quot;#000000&quot;},&quot;depth&quot;:{&quot;colorType&quot;:0}}}}"/>
+  <p:tag name="KSO_WM_UNIT_TEXT_TYPE" val="1"/>
+  <p:tag name="KSO_WM_BEAUTIFY_FLAG" val="#wm#"/>
+  <p:tag name="KSO_WM_UNIT_PRESET_TEXT" val="添加标题"/>
+  <p:tag name="KSO_WM_UNIT_TEXT_FILL_FORE_SCHEMECOLOR_INDEX" val="1"/>
+  <p:tag name="KSO_WM_UNIT_TEXT_FILL_TYPE" val="1"/>
+  <p:tag name="KSO_WM_DIAGRAM_USE_COLOR_VALUE" val="{&quot;color_scheme&quot;:1,&quot;color_type&quot;:1,&quot;theme_color_indexes&quot;:[]}"/>
+</p:tagLst>
+</file>
+
+<file path=ppt/tags/tag28.xml><?xml version="1.0" encoding="utf-8"?>
+<p:tagLst xmlns:p="http://schemas.openxmlformats.org/presentationml/2006/main">
+  <p:tag name="KSO_WM_UNIT_HIGHLIGHT" val="0"/>
+  <p:tag name="KSO_WM_UNIT_COMPATIBLE" val="0"/>
+  <p:tag name="KSO_WM_UNIT_DIAGRAM_ISNUMVISUAL" val="0"/>
+  <p:tag name="KSO_WM_UNIT_DIAGRAM_ISREFERUNIT" val="0"/>
+  <p:tag name="KSO_WM_UNIT_SUBTYPE" val="d"/>
+  <p:tag name="KSO_WM_UNIT_TYPE" val="l_h_i"/>
+  <p:tag name="KSO_WM_UNIT_INDEX" val="1_4_1"/>
+  <p:tag name="KSO_WM_UNIT_ID" val="diagram20232462_5*l_h_i*1_4_1"/>
+  <p:tag name="KSO_WM_TEMPLATE_CATEGORY" val="diagram"/>
+  <p:tag name="KSO_WM_TEMPLATE_INDEX" val="20232462"/>
+  <p:tag name="KSO_WM_UNIT_LAYERLEVEL" val="1_1_1"/>
+  <p:tag name="KSO_WM_TAG_VERSION" val="3.0"/>
+  <p:tag name="KSO_WM_UNIT_TEXT_FILL_FORE_SCHEMECOLOR_INDEX_BRIGHTNESS" val="0.15"/>
+  <p:tag name="KSO_WM_DIAGRAM_VERSION" val="3"/>
+  <p:tag name="KSO_WM_DIAGRAM_COLOR_TRICK" val="1"/>
+  <p:tag name="KSO_WM_DIAGRAM_COLOR_TEXT_CAN_REMOVE" val="n"/>
+  <p:tag name="KSO_WM_DIAGRAM_GROUP_CODE" val="l1-1"/>
+  <p:tag name="KSO_WM_DIAGRAM_MAX_ITEMCNT" val="6"/>
+  <p:tag name="KSO_WM_DIAGRAM_MIN_ITEMCNT" val="2"/>
+  <p:tag name="KSO_WM_DIAGRAM_VIRTUALLY_FRAME" val="{&quot;height&quot;:287.8,&quot;left&quot;:23.28976377952756,&quot;top&quot;:69.15,&quot;width&quot;:668.7102362204724}"/>
+  <p:tag name="KSO_WM_DIAGRAM_COLOR_MATCH_VALUE" val="{&quot;shape&quot;:{&quot;fill&quot;:{&quot;gradient&quot;:[{&quot;brightness&quot;:0,&quot;colorType&quot;:1,&quot;foreColorIndex&quot;:5,&quot;pos&quot;:0,&quot;transparency&quot;:0},{&quot;brightness&quot;:-0.25,&quot;colorType&quot;:1,&quot;foreColorIndex&quot;:5,&quot;pos&quot;:1,&quot;transparency&quot;:0}],&quot;type&quot;:3},&quot;glow&quot;:{&quot;colorType&quot;:0},&quot;line&quot;:{&quot;type&quot;:0},&quot;shadow&quot;:{&quot;brightness&quot;:0,&quot;colorType&quot;:1,&quot;foreColorIndex&quot;:5,&quot;transparency&quot;:0.75},&quot;threeD&quot;:{&quot;curvedSurface&quot;:{&quot;brightness&quot;:0,&quot;colorType&quot;:2,&quot;rgb&quot;:&quot;#000000&quot;},&quot;depth&quot;:{&quot;colorType&quot;:0}}},&quot;text&quot;:{&quot;fill&quot;:{&quot;solid&quot;:{&quot;brightness&quot;:0,&quot;colorType&quot;:1,&quot;foreColorIndex&quot;:2,&quot;transparency&quot;:0},&quot;type&quot;:1},&quot;glow&quot;:{&quot;colorType&quot;:0},&quot;line&quot;:{&quot;type&quot;:0},&quot;shadow&quot;:{&quot;colorType&quot;:0},&quot;threeD&quot;:{&quot;curvedSurface&quot;:{&quot;brightness&quot;:0,&quot;colorType&quot;:2,&quot;rgb&quot;:&quot;#000000&quot;},&quot;depth&quot;:{&quot;colorType&quot;:0}}}}"/>
+  <p:tag name="KSO_WM_BEAUTIFY_FLAG" val="#wm#"/>
+  <p:tag name="KSO_WM_UNIT_FILL_TYPE" val="3"/>
+  <p:tag name="KSO_WM_UNIT_TEXT_FILL_FORE_SCHEMECOLOR_INDEX" val="1"/>
+  <p:tag name="KSO_WM_UNIT_TEXT_FILL_TYPE" val="1"/>
+  <p:tag name="KSO_WM_DIAGRAM_USE_COLOR_VALUE" val="{&quot;color_scheme&quot;:1,&quot;color_type&quot;:1,&quot;theme_color_indexes&quot;:[]}"/>
+</p:tagLst>
+</file>
+
+<file path=ppt/tags/tag29.xml><?xml version="1.0" encoding="utf-8"?>
+<p:tagLst xmlns:p="http://schemas.openxmlformats.org/presentationml/2006/main">
+  <p:tag name="KSO_WM_UNIT_SUBTYPE" val="a"/>
+  <p:tag name="KSO_WM_UNIT_NOCLEAR" val="0"/>
+  <p:tag name="KSO_WM_UNIT_VALUE" val="60"/>
+  <p:tag name="KSO_WM_UNIT_HIGHLIGHT" val="0"/>
+  <p:tag name="KSO_WM_UNIT_COMPATIBLE" val="0"/>
+  <p:tag name="KSO_WM_UNIT_DIAGRAM_ISNUMVISUAL" val="0"/>
+  <p:tag name="KSO_WM_UNIT_DIAGRAM_ISREFERUNIT" val="0"/>
+  <p:tag name="KSO_WM_UNIT_TYPE" val="l_h_f"/>
+  <p:tag name="KSO_WM_UNIT_INDEX" val="1_4_1"/>
+  <p:tag name="KSO_WM_UNIT_ID" val="diagram20232462_5*l_h_f*1_4_1"/>
+  <p:tag name="KSO_WM_TEMPLATE_CATEGORY" val="diagram"/>
+  <p:tag name="KSO_WM_TEMPLATE_INDEX" val="20232462"/>
+  <p:tag name="KSO_WM_UNIT_LAYERLEVEL" val="1_1_1"/>
+  <p:tag name="KSO_WM_TAG_VERSION" val="3.0"/>
+  <p:tag name="KSO_WM_UNIT_TEXT_FILL_FORE_SCHEMECOLOR_INDEX_BRIGHTNESS" val="0.15"/>
+  <p:tag name="KSO_WM_DIAGRAM_VERSION" val="3"/>
+  <p:tag name="KSO_WM_DIAGRAM_COLOR_TRICK" val="1"/>
+  <p:tag name="KSO_WM_DIAGRAM_COLOR_TEXT_CAN_REMOVE" val="n"/>
+  <p:tag name="KSO_WM_DIAGRAM_GROUP_CODE" val="l1-1"/>
+  <p:tag name="KSO_WM_DIAGRAM_MAX_ITEMCNT" val="6"/>
+  <p:tag name="KSO_WM_DIAGRAM_MIN_ITEMCNT" val="2"/>
+  <p:tag name="KSO_WM_DIAGRAM_VIRTUALLY_FRAME" val="{&quot;height&quot;:287.8,&quot;left&quot;:23.28976377952756,&quot;top&quot;:69.15,&quot;width&quot;:668.7102362204724}"/>
+  <p:tag name="KSO_WM_DIAGRAM_COLOR_MATCH_VALUE" val="{&quot;shape&quot;:{&quot;fill&quot;:{&quot;type&quot;:0},&quot;glow&quot;:{&quot;colorType&quot;:0},&quot;line&quot;:{&quot;type&quot;:0},&quot;shadow&quot;:{&quot;colorType&quot;:0},&quot;threeD&quot;:{&quot;curvedSurface&quot;:{&quot;brightness&quot;:0,&quot;colorType&quot;:2,&quot;rgb&quot;:&quot;#000000&quot;},&quot;depth&quot;:{&quot;colorType&quot;:0}}},&quot;text&quot;:{&quot;fill&quot;:{&quot;solid&quot;:{&quot;brightness&quot;:0.15000000596046448,&quot;colorType&quot;:1,&quot;foreColorIndex&quot;:13,&quot;transparency&quot;:0},&quot;type&quot;:1},&quot;glow&quot;:{&quot;colorType&quot;:0},&quot;line&quot;:{&quot;type&quot;:0},&quot;shadow&quot;:{&quot;colorType&quot;:0},&quot;threeD&quot;:{&quot;curvedSurface&quot;:{&quot;brightness&quot;:0,&quot;colorType&quot;:2,&quot;rgb&quot;:&quot;#000000&quot;},&quot;depth&quot;:{&quot;colorType&quot;:0}}}}"/>
+  <p:tag name="KSO_WM_UNIT_TEXT_TYPE" val="1"/>
+  <p:tag name="KSO_WM_UNIT_TEXT_LAYER_COUNT" val="1"/>
+  <p:tag name="KSO_WM_BEAUTIFY_FLAG" val="#wm#"/>
+  <p:tag name="KSO_WM_UNIT_PRESET_TEXT" val="单击此处输入您的项正文，文字是您思想的提炼，请尽量言简意赅的阐述观点"/>
+  <p:tag name="KSO_WM_UNIT_TEXT_FILL_FORE_SCHEMECOLOR_INDEX" val="1"/>
+  <p:tag name="KSO_WM_UNIT_TEXT_FILL_TYPE" val="1"/>
+  <p:tag name="KSO_WM_DIAGRAM_USE_COLOR_VALUE" val="{&quot;color_scheme&quot;:1,&quot;color_type&quot;:1,&quot;theme_color_indexes&quot;:[]}"/>
+</p:tagLst>
+</file>
+
 <file path=ppt/tags/tag3.xml><?xml version="1.0" encoding="utf-8"?>
 <p:tagLst xmlns:p="http://schemas.openxmlformats.org/presentationml/2006/main">
   <p:tag name="KSO_WM_BEAUTIFY_FLAG" val=""/>
 </p:tagLst>
 </file>
 
+<file path=ppt/tags/tag30.xml><?xml version="1.0" encoding="utf-8"?>
+<p:tagLst xmlns:p="http://schemas.openxmlformats.org/presentationml/2006/main">
+  <p:tag name="KSO_WM_UNIT_ISCONTENTSTITLE" val="0"/>
+  <p:tag name="KSO_WM_UNIT_ISNUMDGMTITLE" val="0"/>
+  <p:tag name="KSO_WM_UNIT_NOCLEAR" val="0"/>
+  <p:tag name="KSO_WM_UNIT_VALUE" val="10"/>
+  <p:tag name="KSO_WM_UNIT_HIGHLIGHT" val="0"/>
+  <p:tag name="KSO_WM_UNIT_COMPATIBLE" val="0"/>
+  <p:tag name="KSO_WM_UNIT_DIAGRAM_ISNUMVISUAL" val="0"/>
+  <p:tag name="KSO_WM_UNIT_DIAGRAM_ISREFERUNIT" val="0"/>
+  <p:tag name="KSO_WM_UNIT_TYPE" val="l_h_a"/>
+  <p:tag name="KSO_WM_UNIT_INDEX" val="1_4_1"/>
+  <p:tag name="KSO_WM_UNIT_ID" val="diagram20232462_5*l_h_a*1_4_1"/>
+  <p:tag name="KSO_WM_TEMPLATE_CATEGORY" val="diagram"/>
+  <p:tag name="KSO_WM_TEMPLATE_INDEX" val="20232462"/>
+  <p:tag name="KSO_WM_UNIT_LAYERLEVEL" val="1_1_1"/>
+  <p:tag name="KSO_WM_TAG_VERSION" val="3.0"/>
+  <p:tag name="KSO_WM_UNIT_TEXT_FILL_FORE_SCHEMECOLOR_INDEX_BRIGHTNESS" val="0.15"/>
+  <p:tag name="KSO_WM_DIAGRAM_VERSION" val="3"/>
+  <p:tag name="KSO_WM_DIAGRAM_COLOR_TRICK" val="1"/>
+  <p:tag name="KSO_WM_DIAGRAM_COLOR_TEXT_CAN_REMOVE" val="n"/>
+  <p:tag name="KSO_WM_DIAGRAM_GROUP_CODE" val="l1-1"/>
+  <p:tag name="KSO_WM_DIAGRAM_MAX_ITEMCNT" val="6"/>
+  <p:tag name="KSO_WM_DIAGRAM_MIN_ITEMCNT" val="2"/>
+  <p:tag name="KSO_WM_DIAGRAM_VIRTUALLY_FRAME" val="{&quot;height&quot;:287.8,&quot;left&quot;:23.28976377952756,&quot;top&quot;:69.15,&quot;width&quot;:668.7102362204724}"/>
+  <p:tag name="KSO_WM_DIAGRAM_COLOR_MATCH_VALUE" val="{&quot;shape&quot;:{&quot;fill&quot;:{&quot;type&quot;:0},&quot;glow&quot;:{&quot;colorType&quot;:0},&quot;line&quot;:{&quot;type&quot;:0},&quot;shadow&quot;:{&quot;colorType&quot;:0},&quot;threeD&quot;:{&quot;curvedSurface&quot;:{&quot;brightness&quot;:0,&quot;colorType&quot;:2,&quot;rgb&quot;:&quot;#000000&quot;},&quot;depth&quot;:{&quot;colorType&quot;:0}}},&quot;text&quot;:{&quot;fill&quot;:{&quot;solid&quot;:{&quot;brightness&quot;:0.15000000596046448,&quot;colorType&quot;:1,&quot;foreColorIndex&quot;:13,&quot;transparency&quot;:0},&quot;type&quot;:1},&quot;glow&quot;:{&quot;colorType&quot;:0},&quot;line&quot;:{&quot;type&quot;:0},&quot;shadow&quot;:{&quot;colorType&quot;:0},&quot;threeD&quot;:{&quot;curvedSurface&quot;:{&quot;brightness&quot;:0,&quot;colorType&quot;:2,&quot;rgb&quot;:&quot;#000000&quot;},&quot;depth&quot;:{&quot;colorType&quot;:0}}}}"/>
+  <p:tag name="KSO_WM_UNIT_TEXT_TYPE" val="1"/>
+  <p:tag name="KSO_WM_BEAUTIFY_FLAG" val="#wm#"/>
+  <p:tag name="KSO_WM_UNIT_PRESET_TEXT" val="添加标题"/>
+  <p:tag name="KSO_WM_UNIT_TEXT_FILL_FORE_SCHEMECOLOR_INDEX" val="1"/>
+  <p:tag name="KSO_WM_UNIT_TEXT_FILL_TYPE" val="1"/>
+  <p:tag name="KSO_WM_DIAGRAM_USE_COLOR_VALUE" val="{&quot;color_scheme&quot;:1,&quot;color_type&quot;:1,&quot;theme_color_indexes&quot;:[]}"/>
+</p:tagLst>
+</file>
+
+<file path=ppt/tags/tag31.xml><?xml version="1.0" encoding="utf-8"?>
+<p:tagLst xmlns:p="http://schemas.openxmlformats.org/presentationml/2006/main">
+  <p:tag name="KSO_WM_UNIT_HIGHLIGHT" val="0"/>
+  <p:tag name="KSO_WM_UNIT_COMPATIBLE" val="0"/>
+  <p:tag name="KSO_WM_UNIT_DIAGRAM_ISNUMVISUAL" val="0"/>
+  <p:tag name="KSO_WM_UNIT_DIAGRAM_ISREFERUNIT" val="0"/>
+  <p:tag name="KSO_WM_UNIT_SUBTYPE" val="d"/>
+  <p:tag name="KSO_WM_UNIT_TYPE" val="l_h_i"/>
+  <p:tag name="KSO_WM_UNIT_INDEX" val="1_6_1"/>
+  <p:tag name="KSO_WM_UNIT_ID" val="diagram20232462_5*l_h_i*1_6_1"/>
+  <p:tag name="KSO_WM_TEMPLATE_CATEGORY" val="diagram"/>
+  <p:tag name="KSO_WM_TEMPLATE_INDEX" val="20232462"/>
+  <p:tag name="KSO_WM_UNIT_LAYERLEVEL" val="1_1_1"/>
+  <p:tag name="KSO_WM_TAG_VERSION" val="3.0"/>
+  <p:tag name="KSO_WM_UNIT_TEXT_FILL_FORE_SCHEMECOLOR_INDEX_BRIGHTNESS" val="0.15"/>
+  <p:tag name="KSO_WM_DIAGRAM_VERSION" val="3"/>
+  <p:tag name="KSO_WM_DIAGRAM_COLOR_TRICK" val="1"/>
+  <p:tag name="KSO_WM_DIAGRAM_COLOR_TEXT_CAN_REMOVE" val="n"/>
+  <p:tag name="KSO_WM_DIAGRAM_GROUP_CODE" val="l1-1"/>
+  <p:tag name="KSO_WM_DIAGRAM_MAX_ITEMCNT" val="6"/>
+  <p:tag name="KSO_WM_DIAGRAM_MIN_ITEMCNT" val="2"/>
+  <p:tag name="KSO_WM_DIAGRAM_VIRTUALLY_FRAME" val="{&quot;height&quot;:287.8,&quot;left&quot;:23.28976377952756,&quot;top&quot;:69.15,&quot;width&quot;:668.7102362204724}"/>
+  <p:tag name="KSO_WM_DIAGRAM_COLOR_MATCH_VALUE" val="{&quot;shape&quot;:{&quot;fill&quot;:{&quot;gradient&quot;:[{&quot;brightness&quot;:0,&quot;colorType&quot;:1,&quot;foreColorIndex&quot;:5,&quot;pos&quot;:0,&quot;transparency&quot;:0},{&quot;brightness&quot;:-0.25,&quot;colorType&quot;:1,&quot;foreColorIndex&quot;:5,&quot;pos&quot;:1,&quot;transparency&quot;:0}],&quot;type&quot;:3},&quot;glow&quot;:{&quot;colorType&quot;:0},&quot;line&quot;:{&quot;type&quot;:0},&quot;shadow&quot;:{&quot;brightness&quot;:0,&quot;colorType&quot;:1,&quot;foreColorIndex&quot;:5,&quot;transparency&quot;:0.75},&quot;threeD&quot;:{&quot;curvedSurface&quot;:{&quot;brightness&quot;:0,&quot;colorType&quot;:2,&quot;rgb&quot;:&quot;#000000&quot;},&quot;depth&quot;:{&quot;colorType&quot;:0}}},&quot;text&quot;:{&quot;fill&quot;:{&quot;solid&quot;:{&quot;brightness&quot;:0,&quot;colorType&quot;:1,&quot;foreColorIndex&quot;:2,&quot;transparency&quot;:0},&quot;type&quot;:1},&quot;glow&quot;:{&quot;colorType&quot;:0},&quot;line&quot;:{&quot;type&quot;:0},&quot;shadow&quot;:{&quot;colorType&quot;:0},&quot;threeD&quot;:{&quot;curvedSurface&quot;:{&quot;brightness&quot;:0,&quot;colorType&quot;:2,&quot;rgb&quot;:&quot;#000000&quot;},&quot;depth&quot;:{&quot;colorType&quot;:0}}}}"/>
+  <p:tag name="KSO_WM_BEAUTIFY_FLAG" val="#wm#"/>
+  <p:tag name="KSO_WM_UNIT_FILL_TYPE" val="3"/>
+  <p:tag name="KSO_WM_UNIT_TEXT_FILL_FORE_SCHEMECOLOR_INDEX" val="1"/>
+  <p:tag name="KSO_WM_UNIT_TEXT_FILL_TYPE" val="1"/>
+  <p:tag name="KSO_WM_DIAGRAM_USE_COLOR_VALUE" val="{&quot;color_scheme&quot;:1,&quot;color_type&quot;:1,&quot;theme_color_indexes&quot;:[]}"/>
+</p:tagLst>
+</file>
+
+<file path=ppt/tags/tag32.xml><?xml version="1.0" encoding="utf-8"?>
+<p:tagLst xmlns:p="http://schemas.openxmlformats.org/presentationml/2006/main">
+  <p:tag name="KSO_WM_UNIT_SUBTYPE" val="a"/>
+  <p:tag name="KSO_WM_UNIT_NOCLEAR" val="0"/>
+  <p:tag name="KSO_WM_UNIT_VALUE" val="60"/>
+  <p:tag name="KSO_WM_UNIT_HIGHLIGHT" val="0"/>
+  <p:tag name="KSO_WM_UNIT_COMPATIBLE" val="0"/>
+  <p:tag name="KSO_WM_UNIT_DIAGRAM_ISNUMVISUAL" val="0"/>
+  <p:tag name="KSO_WM_UNIT_DIAGRAM_ISREFERUNIT" val="0"/>
+  <p:tag name="KSO_WM_UNIT_TYPE" val="l_h_f"/>
+  <p:tag name="KSO_WM_UNIT_INDEX" val="1_6_1"/>
+  <p:tag name="KSO_WM_UNIT_ID" val="diagram20232462_5*l_h_f*1_6_1"/>
+  <p:tag name="KSO_WM_TEMPLATE_CATEGORY" val="diagram"/>
+  <p:tag name="KSO_WM_TEMPLATE_INDEX" val="20232462"/>
+  <p:tag name="KSO_WM_UNIT_LAYERLEVEL" val="1_1_1"/>
+  <p:tag name="KSO_WM_TAG_VERSION" val="3.0"/>
+  <p:tag name="KSO_WM_UNIT_TEXT_FILL_FORE_SCHEMECOLOR_INDEX_BRIGHTNESS" val="0.15"/>
+  <p:tag name="KSO_WM_DIAGRAM_VERSION" val="3"/>
+  <p:tag name="KSO_WM_DIAGRAM_COLOR_TRICK" val="1"/>
+  <p:tag name="KSO_WM_DIAGRAM_COLOR_TEXT_CAN_REMOVE" val="n"/>
+  <p:tag name="KSO_WM_DIAGRAM_GROUP_CODE" val="l1-1"/>
+  <p:tag name="KSO_WM_DIAGRAM_MAX_ITEMCNT" val="6"/>
+  <p:tag name="KSO_WM_DIAGRAM_MIN_ITEMCNT" val="2"/>
+  <p:tag name="KSO_WM_DIAGRAM_VIRTUALLY_FRAME" val="{&quot;height&quot;:287.8,&quot;left&quot;:23.28976377952756,&quot;top&quot;:69.15,&quot;width&quot;:668.7102362204724}"/>
+  <p:tag name="KSO_WM_DIAGRAM_COLOR_MATCH_VALUE" val="{&quot;shape&quot;:{&quot;fill&quot;:{&quot;type&quot;:0},&quot;glow&quot;:{&quot;colorType&quot;:0},&quot;line&quot;:{&quot;type&quot;:0},&quot;shadow&quot;:{&quot;colorType&quot;:0},&quot;threeD&quot;:{&quot;curvedSurface&quot;:{&quot;brightness&quot;:0,&quot;colorType&quot;:2,&quot;rgb&quot;:&quot;#000000&quot;},&quot;depth&quot;:{&quot;colorType&quot;:0}}},&quot;text&quot;:{&quot;fill&quot;:{&quot;solid&quot;:{&quot;brightness&quot;:0.15000000596046448,&quot;colorType&quot;:1,&quot;foreColorIndex&quot;:13,&quot;transparency&quot;:0},&quot;type&quot;:1},&quot;glow&quot;:{&quot;colorType&quot;:0},&quot;line&quot;:{&quot;type&quot;:0},&quot;shadow&quot;:{&quot;colorType&quot;:0},&quot;threeD&quot;:{&quot;curvedSurface&quot;:{&quot;brightness&quot;:0,&quot;colorType&quot;:2,&quot;rgb&quot;:&quot;#000000&quot;},&quot;depth&quot;:{&quot;colorType&quot;:0}}}}"/>
+  <p:tag name="KSO_WM_UNIT_TEXT_TYPE" val="1"/>
+  <p:tag name="KSO_WM_UNIT_TEXT_LAYER_COUNT" val="1"/>
+  <p:tag name="KSO_WM_BEAUTIFY_FLAG" val="#wm#"/>
+  <p:tag name="KSO_WM_UNIT_PRESET_TEXT" val="单击此处输入您的项正文内容，文字是您思想的提炼，请尽量言简意赅的阐述观点"/>
+  <p:tag name="KSO_WM_UNIT_TEXT_FILL_FORE_SCHEMECOLOR_INDEX" val="1"/>
+  <p:tag name="KSO_WM_UNIT_TEXT_FILL_TYPE" val="1"/>
+  <p:tag name="KSO_WM_DIAGRAM_USE_COLOR_VALUE" val="{&quot;color_scheme&quot;:1,&quot;color_type&quot;:1,&quot;theme_color_indexes&quot;:[]}"/>
+</p:tagLst>
+</file>
+
+<file path=ppt/tags/tag33.xml><?xml version="1.0" encoding="utf-8"?>
+<p:tagLst xmlns:p="http://schemas.openxmlformats.org/presentationml/2006/main">
+  <p:tag name="KSO_WM_UNIT_ISCONTENTSTITLE" val="0"/>
+  <p:tag name="KSO_WM_UNIT_ISNUMDGMTITLE" val="0"/>
+  <p:tag name="KSO_WM_UNIT_NOCLEAR" val="0"/>
+  <p:tag name="KSO_WM_UNIT_VALUE" val="10"/>
+  <p:tag name="KSO_WM_UNIT_HIGHLIGHT" val="0"/>
+  <p:tag name="KSO_WM_UNIT_COMPATIBLE" val="0"/>
+  <p:tag name="KSO_WM_UNIT_DIAGRAM_ISNUMVISUAL" val="0"/>
+  <p:tag name="KSO_WM_UNIT_DIAGRAM_ISREFERUNIT" val="0"/>
+  <p:tag name="KSO_WM_UNIT_TYPE" val="l_h_a"/>
+  <p:tag name="KSO_WM_UNIT_INDEX" val="1_6_1"/>
+  <p:tag name="KSO_WM_UNIT_ID" val="diagram20232462_5*l_h_a*1_6_1"/>
+  <p:tag name="KSO_WM_TEMPLATE_CATEGORY" val="diagram"/>
+  <p:tag name="KSO_WM_TEMPLATE_INDEX" val="20232462"/>
+  <p:tag name="KSO_WM_UNIT_LAYERLEVEL" val="1_1_1"/>
+  <p:tag name="KSO_WM_TAG_VERSION" val="3.0"/>
+  <p:tag name="KSO_WM_UNIT_TEXT_FILL_FORE_SCHEMECOLOR_INDEX_BRIGHTNESS" val="0.15"/>
+  <p:tag name="KSO_WM_DIAGRAM_VERSION" val="3"/>
+  <p:tag name="KSO_WM_DIAGRAM_COLOR_TRICK" val="1"/>
+  <p:tag name="KSO_WM_DIAGRAM_COLOR_TEXT_CAN_REMOVE" val="n"/>
+  <p:tag name="KSO_WM_DIAGRAM_GROUP_CODE" val="l1-1"/>
+  <p:tag name="KSO_WM_DIAGRAM_MAX_ITEMCNT" val="6"/>
+  <p:tag name="KSO_WM_DIAGRAM_MIN_ITEMCNT" val="2"/>
+  <p:tag name="KSO_WM_DIAGRAM_VIRTUALLY_FRAME" val="{&quot;height&quot;:287.8,&quot;left&quot;:23.28976377952756,&quot;top&quot;:69.15,&quot;width&quot;:668.7102362204724}"/>
+  <p:tag name="KSO_WM_DIAGRAM_COLOR_MATCH_VALUE" val="{&quot;shape&quot;:{&quot;fill&quot;:{&quot;type&quot;:0},&quot;glow&quot;:{&quot;colorType&quot;:0},&quot;line&quot;:{&quot;type&quot;:0},&quot;shadow&quot;:{&quot;colorType&quot;:0},&quot;threeD&quot;:{&quot;curvedSurface&quot;:{&quot;brightness&quot;:0,&quot;colorType&quot;:2,&quot;rgb&quot;:&quot;#000000&quot;},&quot;depth&quot;:{&quot;colorType&quot;:0}}},&quot;text&quot;:{&quot;fill&quot;:{&quot;solid&quot;:{&quot;brightness&quot;:0.15000000596046448,&quot;colorType&quot;:1,&quot;foreColorIndex&quot;:13,&quot;transparency&quot;:0},&quot;type&quot;:1},&quot;glow&quot;:{&quot;colorType&quot;:0},&quot;line&quot;:{&quot;type&quot;:0},&quot;shadow&quot;:{&quot;colorType&quot;:0},&quot;threeD&quot;:{&quot;curvedSurface&quot;:{&quot;brightness&quot;:0,&quot;colorType&quot;:2,&quot;rgb&quot;:&quot;#000000&quot;},&quot;depth&quot;:{&quot;colorType&quot;:0}}}}"/>
+  <p:tag name="KSO_WM_UNIT_TEXT_TYPE" val="1"/>
+  <p:tag name="KSO_WM_BEAUTIFY_FLAG" val="#wm#"/>
+  <p:tag name="KSO_WM_UNIT_PRESET_TEXT" val="添加标题"/>
+  <p:tag name="KSO_WM_UNIT_TEXT_FILL_FORE_SCHEMECOLOR_INDEX" val="1"/>
+  <p:tag name="KSO_WM_UNIT_TEXT_FILL_TYPE" val="1"/>
+  <p:tag name="KSO_WM_DIAGRAM_USE_COLOR_VALUE" val="{&quot;color_scheme&quot;:1,&quot;color_type&quot;:1,&quot;theme_color_indexes&quot;:[]}"/>
+</p:tagLst>
+</file>
+
+<file path=ppt/tags/tag34.xml><?xml version="1.0" encoding="utf-8"?>
+<p:tagLst xmlns:p="http://schemas.openxmlformats.org/presentationml/2006/main">
+  <p:tag name="KSO_WM_UNIT_HIGHLIGHT" val="0"/>
+  <p:tag name="KSO_WM_UNIT_COMPATIBLE" val="0"/>
+  <p:tag name="KSO_WM_UNIT_DIAGRAM_ISNUMVISUAL" val="0"/>
+  <p:tag name="KSO_WM_UNIT_DIAGRAM_ISREFERUNIT" val="0"/>
+  <p:tag name="KSO_WM_UNIT_SUBTYPE" val="d"/>
+  <p:tag name="KSO_WM_UNIT_TYPE" val="l_h_i"/>
+  <p:tag name="KSO_WM_UNIT_INDEX" val="1_1_1"/>
+  <p:tag name="KSO_WM_UNIT_ID" val="diagram20232462_5*l_h_i*1_1_1"/>
+  <p:tag name="KSO_WM_TEMPLATE_CATEGORY" val="diagram"/>
+  <p:tag name="KSO_WM_TEMPLATE_INDEX" val="20232462"/>
+  <p:tag name="KSO_WM_UNIT_LAYERLEVEL" val="1_1_1"/>
+  <p:tag name="KSO_WM_TAG_VERSION" val="3.0"/>
+  <p:tag name="KSO_WM_UNIT_TEXT_FILL_FORE_SCHEMECOLOR_INDEX_BRIGHTNESS" val="0.15"/>
+  <p:tag name="KSO_WM_DIAGRAM_VERSION" val="3"/>
+  <p:tag name="KSO_WM_DIAGRAM_COLOR_TRICK" val="1"/>
+  <p:tag name="KSO_WM_DIAGRAM_COLOR_TEXT_CAN_REMOVE" val="n"/>
+  <p:tag name="KSO_WM_DIAGRAM_GROUP_CODE" val="l1-1"/>
+  <p:tag name="KSO_WM_DIAGRAM_MAX_ITEMCNT" val="6"/>
+  <p:tag name="KSO_WM_DIAGRAM_MIN_ITEMCNT" val="2"/>
+  <p:tag name="KSO_WM_DIAGRAM_VIRTUALLY_FRAME" val="{&quot;height&quot;:287.8,&quot;left&quot;:23.28976377952756,&quot;top&quot;:69.15,&quot;width&quot;:668.7102362204724}"/>
+  <p:tag name="KSO_WM_DIAGRAM_COLOR_MATCH_VALUE" val="{&quot;shape&quot;:{&quot;fill&quot;:{&quot;gradient&quot;:[{&quot;brightness&quot;:0,&quot;colorType&quot;:1,&quot;foreColorIndex&quot;:5,&quot;pos&quot;:0,&quot;transparency&quot;:0},{&quot;brightness&quot;:-0.25,&quot;colorType&quot;:1,&quot;foreColorIndex&quot;:5,&quot;pos&quot;:1,&quot;transparency&quot;:0}],&quot;type&quot;:3},&quot;glow&quot;:{&quot;colorType&quot;:0},&quot;line&quot;:{&quot;type&quot;:0},&quot;shadow&quot;:{&quot;brightness&quot;:0,&quot;colorType&quot;:1,&quot;foreColorIndex&quot;:5,&quot;transparency&quot;:0.75},&quot;threeD&quot;:{&quot;curvedSurface&quot;:{&quot;brightness&quot;:0,&quot;colorType&quot;:2,&quot;rgb&quot;:&quot;#000000&quot;},&quot;depth&quot;:{&quot;colorType&quot;:0}}},&quot;text&quot;:{&quot;fill&quot;:{&quot;solid&quot;:{&quot;brightness&quot;:0,&quot;colorType&quot;:1,&quot;foreColorIndex&quot;:2,&quot;transparency&quot;:0},&quot;type&quot;:1},&quot;glow&quot;:{&quot;colorType&quot;:0},&quot;line&quot;:{&quot;type&quot;:0},&quot;shadow&quot;:{&quot;colorType&quot;:0},&quot;threeD&quot;:{&quot;curvedSurface&quot;:{&quot;brightness&quot;:0,&quot;colorType&quot;:2,&quot;rgb&quot;:&quot;#000000&quot;},&quot;depth&quot;:{&quot;colorType&quot;:0}}}}"/>
+  <p:tag name="KSO_WM_BEAUTIFY_FLAG" val="#wm#"/>
+  <p:tag name="KSO_WM_UNIT_FILL_TYPE" val="3"/>
+  <p:tag name="KSO_WM_UNIT_TEXT_FILL_FORE_SCHEMECOLOR_INDEX" val="1"/>
+  <p:tag name="KSO_WM_UNIT_TEXT_FILL_TYPE" val="1"/>
+  <p:tag name="KSO_WM_DIAGRAM_USE_COLOR_VALUE" val="{&quot;color_scheme&quot;:1,&quot;color_type&quot;:1,&quot;theme_color_indexes&quot;:[]}"/>
+</p:tagLst>
+</file>
+
+<file path=ppt/tags/tag35.xml><?xml version="1.0" encoding="utf-8"?>
+<p:tagLst xmlns:p="http://schemas.openxmlformats.org/presentationml/2006/main">
+  <p:tag name="KSO_WM_UNIT_SUBTYPE" val="a"/>
+  <p:tag name="KSO_WM_UNIT_NOCLEAR" val="0"/>
+  <p:tag name="KSO_WM_UNIT_VALUE" val="60"/>
+  <p:tag name="KSO_WM_UNIT_HIGHLIGHT" val="0"/>
+  <p:tag name="KSO_WM_UNIT_COMPATIBLE" val="0"/>
+  <p:tag name="KSO_WM_UNIT_DIAGRAM_ISNUMVISUAL" val="0"/>
+  <p:tag name="KSO_WM_UNIT_DIAGRAM_ISREFERUNIT" val="0"/>
+  <p:tag name="KSO_WM_UNIT_TYPE" val="l_h_f"/>
+  <p:tag name="KSO_WM_UNIT_INDEX" val="1_1_1"/>
+  <p:tag name="KSO_WM_UNIT_ID" val="diagram20232462_5*l_h_f*1_1_1"/>
+  <p:tag name="KSO_WM_TEMPLATE_CATEGORY" val="diagram"/>
+  <p:tag name="KSO_WM_TEMPLATE_INDEX" val="20232462"/>
+  <p:tag name="KSO_WM_UNIT_LAYERLEVEL" val="1_1_1"/>
+  <p:tag name="KSO_WM_TAG_VERSION" val="3.0"/>
+  <p:tag name="KSO_WM_UNIT_TEXT_FILL_FORE_SCHEMECOLOR_INDEX_BRIGHTNESS" val="0.15"/>
+  <p:tag name="KSO_WM_DIAGRAM_VERSION" val="3"/>
+  <p:tag name="KSO_WM_DIAGRAM_COLOR_TRICK" val="1"/>
+  <p:tag name="KSO_WM_DIAGRAM_COLOR_TEXT_CAN_REMOVE" val="n"/>
+  <p:tag name="KSO_WM_DIAGRAM_GROUP_CODE" val="l1-1"/>
+  <p:tag name="KSO_WM_DIAGRAM_MAX_ITEMCNT" val="6"/>
+  <p:tag name="KSO_WM_DIAGRAM_MIN_ITEMCNT" val="2"/>
+  <p:tag name="KSO_WM_DIAGRAM_VIRTUALLY_FRAME" val="{&quot;height&quot;:287.8,&quot;left&quot;:23.28976377952756,&quot;top&quot;:69.15,&quot;width&quot;:668.7102362204724}"/>
+  <p:tag name="KSO_WM_DIAGRAM_COLOR_MATCH_VALUE" val="{&quot;shape&quot;:{&quot;fill&quot;:{&quot;type&quot;:0},&quot;glow&quot;:{&quot;colorType&quot;:0},&quot;line&quot;:{&quot;type&quot;:0},&quot;shadow&quot;:{&quot;colorType&quot;:0},&quot;threeD&quot;:{&quot;curvedSurface&quot;:{&quot;brightness&quot;:0,&quot;colorType&quot;:2,&quot;rgb&quot;:&quot;#000000&quot;},&quot;depth&quot;:{&quot;colorType&quot;:0}}},&quot;text&quot;:{&quot;fill&quot;:{&quot;solid&quot;:{&quot;brightness&quot;:0.15000000596046448,&quot;colorType&quot;:1,&quot;foreColorIndex&quot;:13,&quot;transparency&quot;:0},&quot;type&quot;:1},&quot;glow&quot;:{&quot;colorType&quot;:0},&quot;line&quot;:{&quot;type&quot;:0},&quot;shadow&quot;:{&quot;colorType&quot;:0},&quot;threeD&quot;:{&quot;curvedSurface&quot;:{&quot;brightness&quot;:0,&quot;colorType&quot;:2,&quot;rgb&quot;:&quot;#000000&quot;},&quot;depth&quot;:{&quot;colorType&quot;:0}}}}"/>
+  <p:tag name="KSO_WM_UNIT_TEXT_TYPE" val="1"/>
+  <p:tag name="KSO_WM_UNIT_TEXT_LAYER_COUNT" val="1"/>
+  <p:tag name="KSO_WM_BEAUTIFY_FLAG" val="#wm#"/>
+  <p:tag name="KSO_WM_UNIT_PRESET_TEXT" val="单击此处输入正文，文字是您思想的提炼，请尽量言简意赅的阐述观点"/>
+  <p:tag name="KSO_WM_UNIT_TEXT_FILL_FORE_SCHEMECOLOR_INDEX" val="1"/>
+  <p:tag name="KSO_WM_UNIT_TEXT_FILL_TYPE" val="1"/>
+  <p:tag name="KSO_WM_DIAGRAM_USE_COLOR_VALUE" val="{&quot;color_scheme&quot;:1,&quot;color_type&quot;:1,&quot;theme_color_indexes&quot;:[]}"/>
+</p:tagLst>
+</file>
+
+<file path=ppt/tags/tag36.xml><?xml version="1.0" encoding="utf-8"?>
+<p:tagLst xmlns:p="http://schemas.openxmlformats.org/presentationml/2006/main">
+  <p:tag name="KSO_WM_UNIT_ISCONTENTSTITLE" val="0"/>
+  <p:tag name="KSO_WM_UNIT_ISNUMDGMTITLE" val="0"/>
+  <p:tag name="KSO_WM_UNIT_NOCLEAR" val="0"/>
+  <p:tag name="KSO_WM_UNIT_VALUE" val="10"/>
+  <p:tag name="KSO_WM_UNIT_HIGHLIGHT" val="0"/>
+  <p:tag name="KSO_WM_UNIT_COMPATIBLE" val="0"/>
+  <p:tag name="KSO_WM_UNIT_DIAGRAM_ISNUMVISUAL" val="0"/>
+  <p:tag name="KSO_WM_UNIT_DIAGRAM_ISREFERUNIT" val="0"/>
+  <p:tag name="KSO_WM_UNIT_TYPE" val="l_h_a"/>
+  <p:tag name="KSO_WM_UNIT_INDEX" val="1_1_1"/>
+  <p:tag name="KSO_WM_UNIT_ID" val="diagram20232462_5*l_h_a*1_1_1"/>
+  <p:tag name="KSO_WM_TEMPLATE_CATEGORY" val="diagram"/>
+  <p:tag name="KSO_WM_TEMPLATE_INDEX" val="20232462"/>
+  <p:tag name="KSO_WM_UNIT_LAYERLEVEL" val="1_1_1"/>
+  <p:tag name="KSO_WM_TAG_VERSION" val="3.0"/>
+  <p:tag name="KSO_WM_UNIT_TEXT_FILL_FORE_SCHEMECOLOR_INDEX_BRIGHTNESS" val="0.15"/>
+  <p:tag name="KSO_WM_DIAGRAM_VERSION" val="3"/>
+  <p:tag name="KSO_WM_DIAGRAM_COLOR_TRICK" val="1"/>
+  <p:tag name="KSO_WM_DIAGRAM_COLOR_TEXT_CAN_REMOVE" val="n"/>
+  <p:tag name="KSO_WM_DIAGRAM_GROUP_CODE" val="l1-1"/>
+  <p:tag name="KSO_WM_DIAGRAM_MAX_ITEMCNT" val="6"/>
+  <p:tag name="KSO_WM_DIAGRAM_MIN_ITEMCNT" val="2"/>
+  <p:tag name="KSO_WM_DIAGRAM_VIRTUALLY_FRAME" val="{&quot;height&quot;:287.8,&quot;left&quot;:23.28976377952756,&quot;top&quot;:69.15,&quot;width&quot;:668.7102362204724}"/>
+  <p:tag name="KSO_WM_DIAGRAM_COLOR_MATCH_VALUE" val="{&quot;shape&quot;:{&quot;fill&quot;:{&quot;type&quot;:0},&quot;glow&quot;:{&quot;colorType&quot;:0},&quot;line&quot;:{&quot;type&quot;:0},&quot;shadow&quot;:{&quot;colorType&quot;:0},&quot;threeD&quot;:{&quot;curvedSurface&quot;:{&quot;brightness&quot;:0,&quot;colorType&quot;:2,&quot;rgb&quot;:&quot;#000000&quot;},&quot;depth&quot;:{&quot;colorType&quot;:0}}},&quot;text&quot;:{&quot;fill&quot;:{&quot;solid&quot;:{&quot;brightness&quot;:0.15000000596046448,&quot;colorType&quot;:1,&quot;foreColorIndex&quot;:13,&quot;transparency&quot;:0},&quot;type&quot;:1},&quot;glow&quot;:{&quot;colorType&quot;:0},&quot;line&quot;:{&quot;type&quot;:0},&quot;shadow&quot;:{&quot;colorType&quot;:0},&quot;threeD&quot;:{&quot;curvedSurface&quot;:{&quot;brightness&quot;:0,&quot;colorType&quot;:2,&quot;rgb&quot;:&quot;#000000&quot;},&quot;depth&quot;:{&quot;colorType&quot;:0}}}}"/>
+  <p:tag name="KSO_WM_UNIT_TEXT_TYPE" val="1"/>
+  <p:tag name="KSO_WM_BEAUTIFY_FLAG" val="#wm#"/>
+  <p:tag name="KSO_WM_UNIT_PRESET_TEXT" val="添加标题"/>
+  <p:tag name="KSO_WM_UNIT_TEXT_FILL_FORE_SCHEMECOLOR_INDEX" val="1"/>
+  <p:tag name="KSO_WM_UNIT_TEXT_FILL_TYPE" val="1"/>
+  <p:tag name="KSO_WM_DIAGRAM_USE_COLOR_VALUE" val="{&quot;color_scheme&quot;:1,&quot;color_type&quot;:1,&quot;theme_color_indexes&quot;:[]}"/>
+</p:tagLst>
+</file>
+
+<file path=ppt/tags/tag37.xml><?xml version="1.0" encoding="utf-8"?>
+<p:tagLst xmlns:p="http://schemas.openxmlformats.org/presentationml/2006/main">
+  <p:tag name="KSO_WM_UNIT_HIGHLIGHT" val="0"/>
+  <p:tag name="KSO_WM_UNIT_COMPATIBLE" val="0"/>
+  <p:tag name="KSO_WM_UNIT_DIAGRAM_ISNUMVISUAL" val="0"/>
+  <p:tag name="KSO_WM_UNIT_DIAGRAM_ISREFERUNIT" val="0"/>
+  <p:tag name="KSO_WM_UNIT_SUBTYPE" val="d"/>
+  <p:tag name="KSO_WM_UNIT_TYPE" val="l_h_i"/>
+  <p:tag name="KSO_WM_UNIT_INDEX" val="1_3_1"/>
+  <p:tag name="KSO_WM_UNIT_ID" val="diagram20232462_5*l_h_i*1_3_1"/>
+  <p:tag name="KSO_WM_TEMPLATE_CATEGORY" val="diagram"/>
+  <p:tag name="KSO_WM_TEMPLATE_INDEX" val="20232462"/>
+  <p:tag name="KSO_WM_UNIT_LAYERLEVEL" val="1_1_1"/>
+  <p:tag name="KSO_WM_TAG_VERSION" val="3.0"/>
+  <p:tag name="KSO_WM_UNIT_TEXT_FILL_FORE_SCHEMECOLOR_INDEX_BRIGHTNESS" val="0.15"/>
+  <p:tag name="KSO_WM_DIAGRAM_VERSION" val="3"/>
+  <p:tag name="KSO_WM_DIAGRAM_COLOR_TRICK" val="1"/>
+  <p:tag name="KSO_WM_DIAGRAM_COLOR_TEXT_CAN_REMOVE" val="n"/>
+  <p:tag name="KSO_WM_DIAGRAM_GROUP_CODE" val="l1-1"/>
+  <p:tag name="KSO_WM_DIAGRAM_MAX_ITEMCNT" val="6"/>
+  <p:tag name="KSO_WM_DIAGRAM_MIN_ITEMCNT" val="2"/>
+  <p:tag name="KSO_WM_DIAGRAM_VIRTUALLY_FRAME" val="{&quot;height&quot;:287.8,&quot;left&quot;:23.28976377952756,&quot;top&quot;:69.15,&quot;width&quot;:668.7102362204724}"/>
+  <p:tag name="KSO_WM_DIAGRAM_COLOR_MATCH_VALUE" val="{&quot;shape&quot;:{&quot;fill&quot;:{&quot;gradient&quot;:[{&quot;brightness&quot;:0,&quot;colorType&quot;:1,&quot;foreColorIndex&quot;:5,&quot;pos&quot;:0,&quot;transparency&quot;:0},{&quot;brightness&quot;:-0.25,&quot;colorType&quot;:1,&quot;foreColorIndex&quot;:5,&quot;pos&quot;:1,&quot;transparency&quot;:0}],&quot;type&quot;:3},&quot;glow&quot;:{&quot;colorType&quot;:0},&quot;line&quot;:{&quot;type&quot;:0},&quot;shadow&quot;:{&quot;brightness&quot;:0,&quot;colorType&quot;:1,&quot;foreColorIndex&quot;:5,&quot;transparency&quot;:0.75},&quot;threeD&quot;:{&quot;curvedSurface&quot;:{&quot;brightness&quot;:0,&quot;colorType&quot;:2,&quot;rgb&quot;:&quot;#000000&quot;},&quot;depth&quot;:{&quot;colorType&quot;:0}}},&quot;text&quot;:{&quot;fill&quot;:{&quot;solid&quot;:{&quot;brightness&quot;:0,&quot;colorType&quot;:1,&quot;foreColorIndex&quot;:2,&quot;transparency&quot;:0},&quot;type&quot;:1},&quot;glow&quot;:{&quot;colorType&quot;:0},&quot;line&quot;:{&quot;type&quot;:0},&quot;shadow&quot;:{&quot;colorType&quot;:0},&quot;threeD&quot;:{&quot;curvedSurface&quot;:{&quot;brightness&quot;:0,&quot;colorType&quot;:2,&quot;rgb&quot;:&quot;#000000&quot;},&quot;depth&quot;:{&quot;colorType&quot;:0}}}}"/>
+  <p:tag name="KSO_WM_BEAUTIFY_FLAG" val="#wm#"/>
+  <p:tag name="KSO_WM_UNIT_FILL_TYPE" val="3"/>
+  <p:tag name="KSO_WM_UNIT_TEXT_FILL_FORE_SCHEMECOLOR_INDEX" val="1"/>
+  <p:tag name="KSO_WM_UNIT_TEXT_FILL_TYPE" val="1"/>
+  <p:tag name="KSO_WM_DIAGRAM_USE_COLOR_VALUE" val="{&quot;color_scheme&quot;:1,&quot;color_type&quot;:1,&quot;theme_color_indexes&quot;:[]}"/>
+</p:tagLst>
+</file>
+
+<file path=ppt/tags/tag38.xml><?xml version="1.0" encoding="utf-8"?>
+<p:tagLst xmlns:p="http://schemas.openxmlformats.org/presentationml/2006/main">
+  <p:tag name="KSO_WM_UNIT_SUBTYPE" val="a"/>
+  <p:tag name="KSO_WM_UNIT_NOCLEAR" val="0"/>
+  <p:tag name="KSO_WM_UNIT_VALUE" val="60"/>
+  <p:tag name="KSO_WM_UNIT_HIGHLIGHT" val="0"/>
+  <p:tag name="KSO_WM_UNIT_COMPATIBLE" val="0"/>
+  <p:tag name="KSO_WM_UNIT_DIAGRAM_ISNUMVISUAL" val="0"/>
+  <p:tag name="KSO_WM_UNIT_DIAGRAM_ISREFERUNIT" val="0"/>
+  <p:tag name="KSO_WM_UNIT_TYPE" val="l_h_f"/>
+  <p:tag name="KSO_WM_UNIT_INDEX" val="1_3_1"/>
+  <p:tag name="KSO_WM_UNIT_ID" val="diagram20232462_5*l_h_f*1_3_1"/>
+  <p:tag name="KSO_WM_TEMPLATE_CATEGORY" val="diagram"/>
+  <p:tag name="KSO_WM_TEMPLATE_INDEX" val="20232462"/>
+  <p:tag name="KSO_WM_UNIT_LAYERLEVEL" val="1_1_1"/>
+  <p:tag name="KSO_WM_TAG_VERSION" val="3.0"/>
+  <p:tag name="KSO_WM_UNIT_TEXT_FILL_FORE_SCHEMECOLOR_INDEX_BRIGHTNESS" val="0.15"/>
+  <p:tag name="KSO_WM_DIAGRAM_VERSION" val="3"/>
+  <p:tag name="KSO_WM_DIAGRAM_COLOR_TRICK" val="1"/>
+  <p:tag name="KSO_WM_DIAGRAM_COLOR_TEXT_CAN_REMOVE" val="n"/>
+  <p:tag name="KSO_WM_DIAGRAM_GROUP_CODE" val="l1-1"/>
+  <p:tag name="KSO_WM_DIAGRAM_MAX_ITEMCNT" val="6"/>
+  <p:tag name="KSO_WM_DIAGRAM_MIN_ITEMCNT" val="2"/>
+  <p:tag name="KSO_WM_DIAGRAM_VIRTUALLY_FRAME" val="{&quot;height&quot;:287.8,&quot;left&quot;:23.28976377952756,&quot;top&quot;:69.15,&quot;width&quot;:668.7102362204724}"/>
+  <p:tag name="KSO_WM_DIAGRAM_COLOR_MATCH_VALUE" val="{&quot;shape&quot;:{&quot;fill&quot;:{&quot;type&quot;:0},&quot;glow&quot;:{&quot;colorType&quot;:0},&quot;line&quot;:{&quot;type&quot;:0},&quot;shadow&quot;:{&quot;colorType&quot;:0},&quot;threeD&quot;:{&quot;curvedSurface&quot;:{&quot;brightness&quot;:0,&quot;colorType&quot;:2,&quot;rgb&quot;:&quot;#000000&quot;},&quot;depth&quot;:{&quot;colorType&quot;:0}}},&quot;text&quot;:{&quot;fill&quot;:{&quot;solid&quot;:{&quot;brightness&quot;:0.15000000596046448,&quot;colorType&quot;:1,&quot;foreColorIndex&quot;:13,&quot;transparency&quot;:0},&quot;type&quot;:1},&quot;glow&quot;:{&quot;colorType&quot;:0},&quot;line&quot;:{&quot;type&quot;:0},&quot;shadow&quot;:{&quot;colorType&quot;:0},&quot;threeD&quot;:{&quot;curvedSurface&quot;:{&quot;brightness&quot;:0,&quot;colorType&quot;:2,&quot;rgb&quot;:&quot;#000000&quot;},&quot;depth&quot;:{&quot;colorType&quot;:0}}}}"/>
+  <p:tag name="KSO_WM_UNIT_TEXT_TYPE" val="1"/>
+  <p:tag name="KSO_WM_UNIT_TEXT_LAYER_COUNT" val="1"/>
+  <p:tag name="KSO_WM_BEAUTIFY_FLAG" val="#wm#"/>
+  <p:tag name="KSO_WM_UNIT_PRESET_TEXT" val="单击此处输入您的项正文，文字是您思想的提炼，请尽量言简意赅的阐述观点"/>
+  <p:tag name="KSO_WM_UNIT_TEXT_FILL_FORE_SCHEMECOLOR_INDEX" val="1"/>
+  <p:tag name="KSO_WM_UNIT_TEXT_FILL_TYPE" val="1"/>
+  <p:tag name="KSO_WM_DIAGRAM_USE_COLOR_VALUE" val="{&quot;color_scheme&quot;:1,&quot;color_type&quot;:1,&quot;theme_color_indexes&quot;:[]}"/>
+</p:tagLst>
+</file>
+
+<file path=ppt/tags/tag39.xml><?xml version="1.0" encoding="utf-8"?>
+<p:tagLst xmlns:p="http://schemas.openxmlformats.org/presentationml/2006/main">
+  <p:tag name="KSO_WM_UNIT_ISCONTENTSTITLE" val="0"/>
+  <p:tag name="KSO_WM_UNIT_ISNUMDGMTITLE" val="0"/>
+  <p:tag name="KSO_WM_UNIT_NOCLEAR" val="0"/>
+  <p:tag name="KSO_WM_UNIT_VALUE" val="10"/>
+  <p:tag name="KSO_WM_UNIT_HIGHLIGHT" val="0"/>
+  <p:tag name="KSO_WM_UNIT_COMPATIBLE" val="0"/>
+  <p:tag name="KSO_WM_UNIT_DIAGRAM_ISNUMVISUAL" val="0"/>
+  <p:tag name="KSO_WM_UNIT_DIAGRAM_ISREFERUNIT" val="0"/>
+  <p:tag name="KSO_WM_UNIT_TYPE" val="l_h_a"/>
+  <p:tag name="KSO_WM_UNIT_INDEX" val="1_3_1"/>
+  <p:tag name="KSO_WM_UNIT_ID" val="diagram20232462_5*l_h_a*1_3_1"/>
+  <p:tag name="KSO_WM_TEMPLATE_CATEGORY" val="diagram"/>
+  <p:tag name="KSO_WM_TEMPLATE_INDEX" val="20232462"/>
+  <p:tag name="KSO_WM_UNIT_LAYERLEVEL" val="1_1_1"/>
+  <p:tag name="KSO_WM_TAG_VERSION" val="3.0"/>
+  <p:tag name="KSO_WM_UNIT_TEXT_FILL_FORE_SCHEMECOLOR_INDEX_BRIGHTNESS" val="0.15"/>
+  <p:tag name="KSO_WM_DIAGRAM_VERSION" val="3"/>
+  <p:tag name="KSO_WM_DIAGRAM_COLOR_TRICK" val="1"/>
+  <p:tag name="KSO_WM_DIAGRAM_COLOR_TEXT_CAN_REMOVE" val="n"/>
+  <p:tag name="KSO_WM_DIAGRAM_GROUP_CODE" val="l1-1"/>
+  <p:tag name="KSO_WM_DIAGRAM_MAX_ITEMCNT" val="6"/>
+  <p:tag name="KSO_WM_DIAGRAM_MIN_ITEMCNT" val="2"/>
+  <p:tag name="KSO_WM_DIAGRAM_VIRTUALLY_FRAME" val="{&quot;height&quot;:287.8,&quot;left&quot;:23.28976377952756,&quot;top&quot;:69.15,&quot;width&quot;:668.7102362204724}"/>
+  <p:tag name="KSO_WM_DIAGRAM_COLOR_MATCH_VALUE" val="{&quot;shape&quot;:{&quot;fill&quot;:{&quot;type&quot;:0},&quot;glow&quot;:{&quot;colorType&quot;:0},&quot;line&quot;:{&quot;type&quot;:0},&quot;shadow&quot;:{&quot;colorType&quot;:0},&quot;threeD&quot;:{&quot;curvedSurface&quot;:{&quot;brightness&quot;:0,&quot;colorType&quot;:2,&quot;rgb&quot;:&quot;#000000&quot;},&quot;depth&quot;:{&quot;colorType&quot;:0}}},&quot;text&quot;:{&quot;fill&quot;:{&quot;solid&quot;:{&quot;brightness&quot;:0.15000000596046448,&quot;colorType&quot;:1,&quot;foreColorIndex&quot;:13,&quot;transparency&quot;:0},&quot;type&quot;:1},&quot;glow&quot;:{&quot;colorType&quot;:0},&quot;line&quot;:{&quot;type&quot;:0},&quot;shadow&quot;:{&quot;colorType&quot;:0},&quot;threeD&quot;:{&quot;curvedSurface&quot;:{&quot;brightness&quot;:0,&quot;colorType&quot;:2,&quot;rgb&quot;:&quot;#000000&quot;},&quot;depth&quot;:{&quot;colorType&quot;:0}}}}"/>
+  <p:tag name="KSO_WM_UNIT_TEXT_TYPE" val="1"/>
+  <p:tag name="KSO_WM_BEAUTIFY_FLAG" val="#wm#"/>
+  <p:tag name="KSO_WM_UNIT_PRESET_TEXT" val="添加标题"/>
+  <p:tag name="KSO_WM_UNIT_TEXT_FILL_FORE_SCHEMECOLOR_INDEX" val="1"/>
+  <p:tag name="KSO_WM_UNIT_TEXT_FILL_TYPE" val="1"/>
+  <p:tag name="KSO_WM_DIAGRAM_USE_COLOR_VALUE" val="{&quot;color_scheme&quot;:1,&quot;color_type&quot;:1,&quot;theme_color_indexes&quot;:[]}"/>
+</p:tagLst>
+</file>
+
 <file path=ppt/tags/tag4.xml><?xml version="1.0" encoding="utf-8"?>
 <p:tagLst xmlns:p="http://schemas.openxmlformats.org/presentationml/2006/main">
   <p:tag name="KSO_WM_BEAUTIFY_FLAG" val=""/>
+</p:tagLst>
+</file>
+
+<file path=ppt/tags/tag40.xml><?xml version="1.0" encoding="utf-8"?>
+<p:tagLst xmlns:p="http://schemas.openxmlformats.org/presentationml/2006/main">
+  <p:tag name="KSO_WM_UNIT_HIGHLIGHT" val="0"/>
+  <p:tag name="KSO_WM_UNIT_COMPATIBLE" val="0"/>
+  <p:tag name="KSO_WM_UNIT_DIAGRAM_ISNUMVISUAL" val="0"/>
+  <p:tag name="KSO_WM_UNIT_DIAGRAM_ISREFERUNIT" val="0"/>
+  <p:tag name="KSO_WM_UNIT_SUBTYPE" val="d"/>
+  <p:tag name="KSO_WM_UNIT_TYPE" val="l_h_i"/>
+  <p:tag name="KSO_WM_UNIT_INDEX" val="1_5_1"/>
+  <p:tag name="KSO_WM_UNIT_ID" val="diagram20232462_5*l_h_i*1_5_1"/>
+  <p:tag name="KSO_WM_TEMPLATE_CATEGORY" val="diagram"/>
+  <p:tag name="KSO_WM_TEMPLATE_INDEX" val="20232462"/>
+  <p:tag name="KSO_WM_UNIT_LAYERLEVEL" val="1_1_1"/>
+  <p:tag name="KSO_WM_TAG_VERSION" val="3.0"/>
+  <p:tag name="KSO_WM_UNIT_TEXT_FILL_FORE_SCHEMECOLOR_INDEX_BRIGHTNESS" val="0.15"/>
+  <p:tag name="KSO_WM_DIAGRAM_VERSION" val="3"/>
+  <p:tag name="KSO_WM_DIAGRAM_COLOR_TRICK" val="1"/>
+  <p:tag name="KSO_WM_DIAGRAM_COLOR_TEXT_CAN_REMOVE" val="n"/>
+  <p:tag name="KSO_WM_DIAGRAM_GROUP_CODE" val="l1-1"/>
+  <p:tag name="KSO_WM_DIAGRAM_MAX_ITEMCNT" val="6"/>
+  <p:tag name="KSO_WM_DIAGRAM_MIN_ITEMCNT" val="2"/>
+  <p:tag name="KSO_WM_DIAGRAM_VIRTUALLY_FRAME" val="{&quot;height&quot;:287.8,&quot;left&quot;:23.28976377952756,&quot;top&quot;:69.15,&quot;width&quot;:668.7102362204724}"/>
+  <p:tag name="KSO_WM_DIAGRAM_COLOR_MATCH_VALUE" val="{&quot;shape&quot;:{&quot;fill&quot;:{&quot;gradient&quot;:[{&quot;brightness&quot;:0,&quot;colorType&quot;:1,&quot;foreColorIndex&quot;:5,&quot;pos&quot;:0,&quot;transparency&quot;:0},{&quot;brightness&quot;:-0.25,&quot;colorType&quot;:1,&quot;foreColorIndex&quot;:5,&quot;pos&quot;:1,&quot;transparency&quot;:0}],&quot;type&quot;:3},&quot;glow&quot;:{&quot;colorType&quot;:0},&quot;line&quot;:{&quot;type&quot;:0},&quot;shadow&quot;:{&quot;brightness&quot;:0,&quot;colorType&quot;:1,&quot;foreColorIndex&quot;:5,&quot;transparency&quot;:0.75},&quot;threeD&quot;:{&quot;curvedSurface&quot;:{&quot;brightness&quot;:0,&quot;colorType&quot;:2,&quot;rgb&quot;:&quot;#000000&quot;},&quot;depth&quot;:{&quot;colorType&quot;:0}}},&quot;text&quot;:{&quot;fill&quot;:{&quot;solid&quot;:{&quot;brightness&quot;:0,&quot;colorType&quot;:1,&quot;foreColorIndex&quot;:2,&quot;transparency&quot;:0},&quot;type&quot;:1},&quot;glow&quot;:{&quot;colorType&quot;:0},&quot;line&quot;:{&quot;type&quot;:0},&quot;shadow&quot;:{&quot;colorType&quot;:0},&quot;threeD&quot;:{&quot;curvedSurface&quot;:{&quot;brightness&quot;:0,&quot;colorType&quot;:2,&quot;rgb&quot;:&quot;#000000&quot;},&quot;depth&quot;:{&quot;colorType&quot;:0}}}}"/>
+  <p:tag name="KSO_WM_BEAUTIFY_FLAG" val="#wm#"/>
+  <p:tag name="KSO_WM_UNIT_FILL_TYPE" val="3"/>
+  <p:tag name="KSO_WM_UNIT_TEXT_FILL_FORE_SCHEMECOLOR_INDEX" val="1"/>
+  <p:tag name="KSO_WM_UNIT_TEXT_FILL_TYPE" val="1"/>
+  <p:tag name="KSO_WM_DIAGRAM_USE_COLOR_VALUE" val="{&quot;color_scheme&quot;:1,&quot;color_type&quot;:1,&quot;theme_color_indexes&quot;:[]}"/>
+</p:tagLst>
+</file>
+
+<file path=ppt/tags/tag41.xml><?xml version="1.0" encoding="utf-8"?>
+<p:tagLst xmlns:p="http://schemas.openxmlformats.org/presentationml/2006/main">
+  <p:tag name="KSO_WM_UNIT_SUBTYPE" val="a"/>
+  <p:tag name="KSO_WM_UNIT_NOCLEAR" val="0"/>
+  <p:tag name="KSO_WM_UNIT_VALUE" val="60"/>
+  <p:tag name="KSO_WM_UNIT_HIGHLIGHT" val="0"/>
+  <p:tag name="KSO_WM_UNIT_COMPATIBLE" val="0"/>
+  <p:tag name="KSO_WM_UNIT_DIAGRAM_ISNUMVISUAL" val="0"/>
+  <p:tag name="KSO_WM_UNIT_DIAGRAM_ISREFERUNIT" val="0"/>
+  <p:tag name="KSO_WM_UNIT_TYPE" val="l_h_f"/>
+  <p:tag name="KSO_WM_UNIT_INDEX" val="1_5_1"/>
+  <p:tag name="KSO_WM_UNIT_ID" val="diagram20232462_5*l_h_f*1_5_1"/>
+  <p:tag name="KSO_WM_TEMPLATE_CATEGORY" val="diagram"/>
+  <p:tag name="KSO_WM_TEMPLATE_INDEX" val="20232462"/>
+  <p:tag name="KSO_WM_UNIT_LAYERLEVEL" val="1_1_1"/>
+  <p:tag name="KSO_WM_TAG_VERSION" val="3.0"/>
+  <p:tag name="KSO_WM_UNIT_TEXT_FILL_FORE_SCHEMECOLOR_INDEX_BRIGHTNESS" val="0.15"/>
+  <p:tag name="KSO_WM_DIAGRAM_VERSION" val="3"/>
+  <p:tag name="KSO_WM_DIAGRAM_COLOR_TRICK" val="1"/>
+  <p:tag name="KSO_WM_DIAGRAM_COLOR_TEXT_CAN_REMOVE" val="n"/>
+  <p:tag name="KSO_WM_DIAGRAM_GROUP_CODE" val="l1-1"/>
+  <p:tag name="KSO_WM_DIAGRAM_MAX_ITEMCNT" val="6"/>
+  <p:tag name="KSO_WM_DIAGRAM_MIN_ITEMCNT" val="2"/>
+  <p:tag name="KSO_WM_DIAGRAM_VIRTUALLY_FRAME" val="{&quot;height&quot;:287.8,&quot;left&quot;:23.28976377952756,&quot;top&quot;:69.15,&quot;width&quot;:668.7102362204724}"/>
+  <p:tag name="KSO_WM_DIAGRAM_COLOR_MATCH_VALUE" val="{&quot;shape&quot;:{&quot;fill&quot;:{&quot;type&quot;:0},&quot;glow&quot;:{&quot;colorType&quot;:0},&quot;line&quot;:{&quot;type&quot;:0},&quot;shadow&quot;:{&quot;colorType&quot;:0},&quot;threeD&quot;:{&quot;curvedSurface&quot;:{&quot;brightness&quot;:0,&quot;colorType&quot;:2,&quot;rgb&quot;:&quot;#000000&quot;},&quot;depth&quot;:{&quot;colorType&quot;:0}}},&quot;text&quot;:{&quot;fill&quot;:{&quot;solid&quot;:{&quot;brightness&quot;:0.15000000596046448,&quot;colorType&quot;:1,&quot;foreColorIndex&quot;:13,&quot;transparency&quot;:0},&quot;type&quot;:1},&quot;glow&quot;:{&quot;colorType&quot;:0},&quot;line&quot;:{&quot;type&quot;:0},&quot;shadow&quot;:{&quot;colorType&quot;:0},&quot;threeD&quot;:{&quot;curvedSurface&quot;:{&quot;brightness&quot;:0,&quot;colorType&quot;:2,&quot;rgb&quot;:&quot;#000000&quot;},&quot;depth&quot;:{&quot;colorType&quot;:0}}}}"/>
+  <p:tag name="KSO_WM_UNIT_TEXT_TYPE" val="1"/>
+  <p:tag name="KSO_WM_UNIT_TEXT_LAYER_COUNT" val="1"/>
+  <p:tag name="KSO_WM_BEAUTIFY_FLAG" val="#wm#"/>
+  <p:tag name="KSO_WM_UNIT_PRESET_TEXT" val="单击此处输入正文，文字是您思想的提炼，请尽量言简意赅的阐述观点"/>
+  <p:tag name="KSO_WM_UNIT_TEXT_FILL_FORE_SCHEMECOLOR_INDEX" val="1"/>
+  <p:tag name="KSO_WM_UNIT_TEXT_FILL_TYPE" val="1"/>
+  <p:tag name="KSO_WM_DIAGRAM_USE_COLOR_VALUE" val="{&quot;color_scheme&quot;:1,&quot;color_type&quot;:1,&quot;theme_color_indexes&quot;:[]}"/>
+</p:tagLst>
+</file>
+
+<file path=ppt/tags/tag42.xml><?xml version="1.0" encoding="utf-8"?>
+<p:tagLst xmlns:p="http://schemas.openxmlformats.org/presentationml/2006/main">
+  <p:tag name="KSO_WM_UNIT_ISCONTENTSTITLE" val="0"/>
+  <p:tag name="KSO_WM_UNIT_ISNUMDGMTITLE" val="0"/>
+  <p:tag name="KSO_WM_UNIT_NOCLEAR" val="0"/>
+  <p:tag name="KSO_WM_UNIT_VALUE" val="10"/>
+  <p:tag name="KSO_WM_UNIT_HIGHLIGHT" val="0"/>
+  <p:tag name="KSO_WM_UNIT_COMPATIBLE" val="0"/>
+  <p:tag name="KSO_WM_UNIT_DIAGRAM_ISNUMVISUAL" val="0"/>
+  <p:tag name="KSO_WM_UNIT_DIAGRAM_ISREFERUNIT" val="0"/>
+  <p:tag name="KSO_WM_UNIT_TYPE" val="l_h_a"/>
+  <p:tag name="KSO_WM_UNIT_INDEX" val="1_5_1"/>
+  <p:tag name="KSO_WM_UNIT_ID" val="diagram20232462_5*l_h_a*1_5_1"/>
+  <p:tag name="KSO_WM_TEMPLATE_CATEGORY" val="diagram"/>
+  <p:tag name="KSO_WM_TEMPLATE_INDEX" val="20232462"/>
+  <p:tag name="KSO_WM_UNIT_LAYERLEVEL" val="1_1_1"/>
+  <p:tag name="KSO_WM_TAG_VERSION" val="3.0"/>
+  <p:tag name="KSO_WM_UNIT_TEXT_FILL_FORE_SCHEMECOLOR_INDEX_BRIGHTNESS" val="0.15"/>
+  <p:tag name="KSO_WM_DIAGRAM_VERSION" val="3"/>
+  <p:tag name="KSO_WM_DIAGRAM_COLOR_TRICK" val="1"/>
+  <p:tag name="KSO_WM_DIAGRAM_COLOR_TEXT_CAN_REMOVE" val="n"/>
+  <p:tag name="KSO_WM_DIAGRAM_GROUP_CODE" val="l1-1"/>
+  <p:tag name="KSO_WM_DIAGRAM_MAX_ITEMCNT" val="6"/>
+  <p:tag name="KSO_WM_DIAGRAM_MIN_ITEMCNT" val="2"/>
+  <p:tag name="KSO_WM_DIAGRAM_VIRTUALLY_FRAME" val="{&quot;height&quot;:287.8,&quot;left&quot;:23.28976377952756,&quot;top&quot;:69.15,&quot;width&quot;:668.7102362204724}"/>
+  <p:tag name="KSO_WM_DIAGRAM_COLOR_MATCH_VALUE" val="{&quot;shape&quot;:{&quot;fill&quot;:{&quot;type&quot;:0},&quot;glow&quot;:{&quot;colorType&quot;:0},&quot;line&quot;:{&quot;type&quot;:0},&quot;shadow&quot;:{&quot;colorType&quot;:0},&quot;threeD&quot;:{&quot;curvedSurface&quot;:{&quot;brightness&quot;:0,&quot;colorType&quot;:2,&quot;rgb&quot;:&quot;#000000&quot;},&quot;depth&quot;:{&quot;colorType&quot;:0}}},&quot;text&quot;:{&quot;fill&quot;:{&quot;solid&quot;:{&quot;brightness&quot;:0.15000000596046448,&quot;colorType&quot;:1,&quot;foreColorIndex&quot;:13,&quot;transparency&quot;:0},&quot;type&quot;:1},&quot;glow&quot;:{&quot;colorType&quot;:0},&quot;line&quot;:{&quot;type&quot;:0},&quot;shadow&quot;:{&quot;colorType&quot;:0},&quot;threeD&quot;:{&quot;curvedSurface&quot;:{&quot;brightness&quot;:0,&quot;colorType&quot;:2,&quot;rgb&quot;:&quot;#000000&quot;},&quot;depth&quot;:{&quot;colorType&quot;:0}}}}"/>
+  <p:tag name="KSO_WM_UNIT_TEXT_TYPE" val="1"/>
+  <p:tag name="KSO_WM_BEAUTIFY_FLAG" val="#wm#"/>
+  <p:tag name="KSO_WM_UNIT_PRESET_TEXT" val="添加标题"/>
+  <p:tag name="KSO_WM_UNIT_TEXT_FILL_FORE_SCHEMECOLOR_INDEX" val="1"/>
+  <p:tag name="KSO_WM_UNIT_TEXT_FILL_TYPE" val="1"/>
+  <p:tag name="KSO_WM_DIAGRAM_USE_COLOR_VALUE" val="{&quot;color_scheme&quot;:1,&quot;color_type&quot;:1,&quot;theme_color_indexes&quot;:[]}"/>
+</p:tagLst>
+</file>
+
+<file path=ppt/tags/tag43.xml><?xml version="1.0" encoding="utf-8"?>
+<p:tagLst xmlns:p="http://schemas.openxmlformats.org/presentationml/2006/main">
+  <p:tag name="ISPRING_PRESENTATION_TITLE" val="PowerPoint 演示文稿"/>
+  <p:tag name="KSO_WPP_MARK_KEY" val="e598c703-912c-4162-8f78-4b55a7d37ccb"/>
+  <p:tag name="COMMONDATA" val="eyJoZGlkIjoiN2YzNjBkOTgyNWQ1YTMxYzM3MzMwNWFiODNmOWIzYWMifQ=="/>
+  <p:tag name="commondata" val="eyJoZGlkIjoiZDkzY2IzOWZlZjMxNWFjMWUwMDg5NjQyMWNkMDA2ZGQifQ=="/>
+  <p:tag name="resource_record_key" val="{&quot;10&quot;:[4521268],&quot;70&quot;:[3322427,3321778]}"/>
 </p:tagLst>
 </file>
 
